--- a/graphs/MS2_Native_2bu1_2c4q_2c4y_2c4z.pptx
+++ b/graphs/MS2_Native_2bu1_2c4q_2c4y_2c4z.pptx
@@ -5,16 +5,21 @@
     <p:sldMasterId id="2147483648" r:id="rId1"/>
   </p:sldMasterIdLst>
   <p:notesMasterIdLst>
-    <p:notesMasterId r:id="rId9"/>
+    <p:notesMasterId r:id="rId14"/>
   </p:notesMasterIdLst>
   <p:sldIdLst>
     <p:sldId id="256" r:id="rId2"/>
-    <p:sldId id="283" r:id="rId3"/>
-    <p:sldId id="281" r:id="rId4"/>
-    <p:sldId id="282" r:id="rId5"/>
-    <p:sldId id="284" r:id="rId6"/>
-    <p:sldId id="286" r:id="rId7"/>
-    <p:sldId id="285" r:id="rId8"/>
+    <p:sldId id="285" r:id="rId3"/>
+    <p:sldId id="287" r:id="rId4"/>
+    <p:sldId id="288" r:id="rId5"/>
+    <p:sldId id="289" r:id="rId6"/>
+    <p:sldId id="290" r:id="rId7"/>
+    <p:sldId id="291" r:id="rId8"/>
+    <p:sldId id="283" r:id="rId9"/>
+    <p:sldId id="281" r:id="rId10"/>
+    <p:sldId id="282" r:id="rId11"/>
+    <p:sldId id="284" r:id="rId12"/>
+    <p:sldId id="286" r:id="rId13"/>
   </p:sldIdLst>
   <p:sldSz cx="12192000" cy="6858000"/>
   <p:notesSz cx="6858000" cy="9144000"/>
@@ -203,7 +208,7 @@
           <a:p>
             <a:fld id="{7623281A-8D51-F24D-A44D-801F90768EA0}" type="datetimeFigureOut">
               <a:rPr lang="en-US" smtClean="0"/>
-              <a:t>7/9/24</a:t>
+              <a:t>7/15/24</a:t>
             </a:fld>
             <a:endParaRPr lang="en-US"/>
           </a:p>
@@ -535,7 +540,7 @@
           <a:p>
             <a:fld id="{8E56A5B0-A2AA-0E4F-BF3A-A5C158D54A12}" type="slidenum">
               <a:rPr lang="en-US" smtClean="0"/>
-              <a:t>3</a:t>
+              <a:t>2</a:t>
             </a:fld>
             <a:endParaRPr lang="en-US"/>
           </a:p>
@@ -544,7 +549,7 @@
     </p:spTree>
     <p:extLst>
       <p:ext uri="{BB962C8B-B14F-4D97-AF65-F5344CB8AC3E}">
-        <p14:creationId xmlns:p14="http://schemas.microsoft.com/office/powerpoint/2010/main" val="1937648843"/>
+        <p14:creationId xmlns:p14="http://schemas.microsoft.com/office/powerpoint/2010/main" val="2122261329"/>
       </p:ext>
     </p:extLst>
   </p:cSld>
@@ -619,7 +624,7 @@
           <a:p>
             <a:fld id="{8E56A5B0-A2AA-0E4F-BF3A-A5C158D54A12}" type="slidenum">
               <a:rPr lang="en-US" smtClean="0"/>
-              <a:t>4</a:t>
+              <a:t>9</a:t>
             </a:fld>
             <a:endParaRPr lang="en-US"/>
           </a:p>
@@ -628,7 +633,7 @@
     </p:spTree>
     <p:extLst>
       <p:ext uri="{BB962C8B-B14F-4D97-AF65-F5344CB8AC3E}">
-        <p14:creationId xmlns:p14="http://schemas.microsoft.com/office/powerpoint/2010/main" val="2448066353"/>
+        <p14:creationId xmlns:p14="http://schemas.microsoft.com/office/powerpoint/2010/main" val="1937648843"/>
       </p:ext>
     </p:extLst>
   </p:cSld>
@@ -703,7 +708,7 @@
           <a:p>
             <a:fld id="{8E56A5B0-A2AA-0E4F-BF3A-A5C158D54A12}" type="slidenum">
               <a:rPr lang="en-US" smtClean="0"/>
-              <a:t>5</a:t>
+              <a:t>10</a:t>
             </a:fld>
             <a:endParaRPr lang="en-US"/>
           </a:p>
@@ -712,7 +717,7 @@
     </p:spTree>
     <p:extLst>
       <p:ext uri="{BB962C8B-B14F-4D97-AF65-F5344CB8AC3E}">
-        <p14:creationId xmlns:p14="http://schemas.microsoft.com/office/powerpoint/2010/main" val="3640755039"/>
+        <p14:creationId xmlns:p14="http://schemas.microsoft.com/office/powerpoint/2010/main" val="2448066353"/>
       </p:ext>
     </p:extLst>
   </p:cSld>
@@ -787,7 +792,7 @@
           <a:p>
             <a:fld id="{8E56A5B0-A2AA-0E4F-BF3A-A5C158D54A12}" type="slidenum">
               <a:rPr lang="en-US" smtClean="0"/>
-              <a:t>6</a:t>
+              <a:t>11</a:t>
             </a:fld>
             <a:endParaRPr lang="en-US"/>
           </a:p>
@@ -796,7 +801,7 @@
     </p:spTree>
     <p:extLst>
       <p:ext uri="{BB962C8B-B14F-4D97-AF65-F5344CB8AC3E}">
-        <p14:creationId xmlns:p14="http://schemas.microsoft.com/office/powerpoint/2010/main" val="3214066712"/>
+        <p14:creationId xmlns:p14="http://schemas.microsoft.com/office/powerpoint/2010/main" val="3640755039"/>
       </p:ext>
     </p:extLst>
   </p:cSld>
@@ -871,7 +876,7 @@
           <a:p>
             <a:fld id="{8E56A5B0-A2AA-0E4F-BF3A-A5C158D54A12}" type="slidenum">
               <a:rPr lang="en-US" smtClean="0"/>
-              <a:t>7</a:t>
+              <a:t>12</a:t>
             </a:fld>
             <a:endParaRPr lang="en-US"/>
           </a:p>
@@ -880,7 +885,7 @@
     </p:spTree>
     <p:extLst>
       <p:ext uri="{BB962C8B-B14F-4D97-AF65-F5344CB8AC3E}">
-        <p14:creationId xmlns:p14="http://schemas.microsoft.com/office/powerpoint/2010/main" val="2122261329"/>
+        <p14:creationId xmlns:p14="http://schemas.microsoft.com/office/powerpoint/2010/main" val="3214066712"/>
       </p:ext>
     </p:extLst>
   </p:cSld>
@@ -1037,7 +1042,7 @@
           <a:p>
             <a:fld id="{49F24598-E0FC-E241-BAA2-BE1A2687DE9E}" type="datetimeFigureOut">
               <a:rPr lang="en-US" smtClean="0"/>
-              <a:t>7/9/24</a:t>
+              <a:t>7/15/24</a:t>
             </a:fld>
             <a:endParaRPr lang="en-US"/>
           </a:p>
@@ -1235,7 +1240,7 @@
           <a:p>
             <a:fld id="{49F24598-E0FC-E241-BAA2-BE1A2687DE9E}" type="datetimeFigureOut">
               <a:rPr lang="en-US" smtClean="0"/>
-              <a:t>7/9/24</a:t>
+              <a:t>7/15/24</a:t>
             </a:fld>
             <a:endParaRPr lang="en-US"/>
           </a:p>
@@ -1443,7 +1448,7 @@
           <a:p>
             <a:fld id="{49F24598-E0FC-E241-BAA2-BE1A2687DE9E}" type="datetimeFigureOut">
               <a:rPr lang="en-US" smtClean="0"/>
-              <a:t>7/9/24</a:t>
+              <a:t>7/15/24</a:t>
             </a:fld>
             <a:endParaRPr lang="en-US"/>
           </a:p>
@@ -1641,7 +1646,7 @@
           <a:p>
             <a:fld id="{49F24598-E0FC-E241-BAA2-BE1A2687DE9E}" type="datetimeFigureOut">
               <a:rPr lang="en-US" smtClean="0"/>
-              <a:t>7/9/24</a:t>
+              <a:t>7/15/24</a:t>
             </a:fld>
             <a:endParaRPr lang="en-US"/>
           </a:p>
@@ -1916,7 +1921,7 @@
           <a:p>
             <a:fld id="{49F24598-E0FC-E241-BAA2-BE1A2687DE9E}" type="datetimeFigureOut">
               <a:rPr lang="en-US" smtClean="0"/>
-              <a:t>7/9/24</a:t>
+              <a:t>7/15/24</a:t>
             </a:fld>
             <a:endParaRPr lang="en-US"/>
           </a:p>
@@ -2181,7 +2186,7 @@
           <a:p>
             <a:fld id="{49F24598-E0FC-E241-BAA2-BE1A2687DE9E}" type="datetimeFigureOut">
               <a:rPr lang="en-US" smtClean="0"/>
-              <a:t>7/9/24</a:t>
+              <a:t>7/15/24</a:t>
             </a:fld>
             <a:endParaRPr lang="en-US"/>
           </a:p>
@@ -2593,7 +2598,7 @@
           <a:p>
             <a:fld id="{49F24598-E0FC-E241-BAA2-BE1A2687DE9E}" type="datetimeFigureOut">
               <a:rPr lang="en-US" smtClean="0"/>
-              <a:t>7/9/24</a:t>
+              <a:t>7/15/24</a:t>
             </a:fld>
             <a:endParaRPr lang="en-US"/>
           </a:p>
@@ -2734,7 +2739,7 @@
           <a:p>
             <a:fld id="{49F24598-E0FC-E241-BAA2-BE1A2687DE9E}" type="datetimeFigureOut">
               <a:rPr lang="en-US" smtClean="0"/>
-              <a:t>7/9/24</a:t>
+              <a:t>7/15/24</a:t>
             </a:fld>
             <a:endParaRPr lang="en-US"/>
           </a:p>
@@ -2847,7 +2852,7 @@
           <a:p>
             <a:fld id="{49F24598-E0FC-E241-BAA2-BE1A2687DE9E}" type="datetimeFigureOut">
               <a:rPr lang="en-US" smtClean="0"/>
-              <a:t>7/9/24</a:t>
+              <a:t>7/15/24</a:t>
             </a:fld>
             <a:endParaRPr lang="en-US"/>
           </a:p>
@@ -3158,7 +3163,7 @@
           <a:p>
             <a:fld id="{49F24598-E0FC-E241-BAA2-BE1A2687DE9E}" type="datetimeFigureOut">
               <a:rPr lang="en-US" smtClean="0"/>
-              <a:t>7/9/24</a:t>
+              <a:t>7/15/24</a:t>
             </a:fld>
             <a:endParaRPr lang="en-US"/>
           </a:p>
@@ -3446,7 +3451,7 @@
           <a:p>
             <a:fld id="{49F24598-E0FC-E241-BAA2-BE1A2687DE9E}" type="datetimeFigureOut">
               <a:rPr lang="en-US" smtClean="0"/>
-              <a:t>7/9/24</a:t>
+              <a:t>7/15/24</a:t>
             </a:fld>
             <a:endParaRPr lang="en-US"/>
           </a:p>
@@ -3687,7 +3692,7 @@
           <a:p>
             <a:fld id="{49F24598-E0FC-E241-BAA2-BE1A2687DE9E}" type="datetimeFigureOut">
               <a:rPr lang="en-US" smtClean="0"/>
-              <a:t>7/9/24</a:t>
+              <a:t>7/15/24</a:t>
             </a:fld>
             <a:endParaRPr lang="en-US"/>
           </a:p>
@@ -4175,6 +4180,918 @@
 </p:sld>
 </file>
 
+<file path=ppt/slides/slide10.xml><?xml version="1.0" encoding="utf-8"?>
+<p:sld xmlns:a="http://schemas.openxmlformats.org/drawingml/2006/main" xmlns:r="http://schemas.openxmlformats.org/officeDocument/2006/relationships" xmlns:p="http://schemas.openxmlformats.org/presentationml/2006/main">
+  <p:cSld>
+    <p:spTree>
+      <p:nvGrpSpPr>
+        <p:cNvPr id="1" name=""/>
+        <p:cNvGrpSpPr/>
+        <p:nvPr/>
+      </p:nvGrpSpPr>
+      <p:grpSpPr>
+        <a:xfrm>
+          <a:off x="0" y="0"/>
+          <a:ext cx="0" cy="0"/>
+          <a:chOff x="0" y="0"/>
+          <a:chExt cx="0" cy="0"/>
+        </a:xfrm>
+      </p:grpSpPr>
+      <p:sp>
+        <p:nvSpPr>
+          <p:cNvPr id="2" name="Title 1">
+            <a:extLst>
+              <a:ext uri="{FF2B5EF4-FFF2-40B4-BE49-F238E27FC236}">
+                <a16:creationId xmlns:a16="http://schemas.microsoft.com/office/drawing/2014/main" id="{6BDAB852-1ACC-74C7-6228-9D23450376E0}"/>
+              </a:ext>
+            </a:extLst>
+          </p:cNvPr>
+          <p:cNvSpPr>
+            <a:spLocks noGrp="1"/>
+          </p:cNvSpPr>
+          <p:nvPr>
+            <p:ph type="title"/>
+          </p:nvPr>
+        </p:nvSpPr>
+        <p:spPr/>
+        <p:txBody>
+          <a:bodyPr/>
+          <a:lstStyle/>
+          <a:p>
+            <a:r>
+              <a:rPr lang="en-US" dirty="0"/>
+              <a:t>2c4y Phi &amp; Gamma Graphs</a:t>
+            </a:r>
+          </a:p>
+        </p:txBody>
+      </p:sp>
+      <p:sp>
+        <p:nvSpPr>
+          <p:cNvPr id="5" name="TextBox 4">
+            <a:extLst>
+              <a:ext uri="{FF2B5EF4-FFF2-40B4-BE49-F238E27FC236}">
+                <a16:creationId xmlns:a16="http://schemas.microsoft.com/office/drawing/2014/main" id="{B105CE69-AD9E-B41F-3C2D-429C7D534E7E}"/>
+              </a:ext>
+            </a:extLst>
+          </p:cNvPr>
+          <p:cNvSpPr txBox="1"/>
+          <p:nvPr/>
+        </p:nvSpPr>
+        <p:spPr>
+          <a:xfrm>
+            <a:off x="766913" y="2274516"/>
+            <a:ext cx="2539221" cy="369332"/>
+          </a:xfrm>
+          <a:prstGeom prst="rect">
+            <a:avLst/>
+          </a:prstGeom>
+          <a:noFill/>
+        </p:spPr>
+        <p:txBody>
+          <a:bodyPr wrap="none" rtlCol="0">
+            <a:spAutoFit/>
+          </a:bodyPr>
+          <a:lstStyle/>
+          <a:p>
+            <a:r>
+              <a:rPr lang="en-US" dirty="0"/>
+              <a:t>Gamma Randomization</a:t>
+            </a:r>
+          </a:p>
+        </p:txBody>
+      </p:sp>
+      <p:sp>
+        <p:nvSpPr>
+          <p:cNvPr id="6" name="TextBox 5">
+            <a:extLst>
+              <a:ext uri="{FF2B5EF4-FFF2-40B4-BE49-F238E27FC236}">
+                <a16:creationId xmlns:a16="http://schemas.microsoft.com/office/drawing/2014/main" id="{04EB601B-F26A-FA8B-BB61-73D43C5F55B0}"/>
+              </a:ext>
+            </a:extLst>
+          </p:cNvPr>
+          <p:cNvSpPr txBox="1"/>
+          <p:nvPr/>
+        </p:nvSpPr>
+        <p:spPr>
+          <a:xfrm>
+            <a:off x="5424726" y="2274516"/>
+            <a:ext cx="1342547" cy="369332"/>
+          </a:xfrm>
+          <a:prstGeom prst="rect">
+            <a:avLst/>
+          </a:prstGeom>
+          <a:noFill/>
+        </p:spPr>
+        <p:txBody>
+          <a:bodyPr wrap="none" rtlCol="0">
+            <a:spAutoFit/>
+          </a:bodyPr>
+          <a:lstStyle/>
+          <a:p>
+            <a:r>
+              <a:rPr lang="en-US" dirty="0"/>
+              <a:t>Phis Native</a:t>
+            </a:r>
+          </a:p>
+        </p:txBody>
+      </p:sp>
+      <p:sp>
+        <p:nvSpPr>
+          <p:cNvPr id="7" name="TextBox 6">
+            <a:extLst>
+              <a:ext uri="{FF2B5EF4-FFF2-40B4-BE49-F238E27FC236}">
+                <a16:creationId xmlns:a16="http://schemas.microsoft.com/office/drawing/2014/main" id="{A2439339-BB0C-1909-D306-569CB9330556}"/>
+              </a:ext>
+            </a:extLst>
+          </p:cNvPr>
+          <p:cNvSpPr txBox="1"/>
+          <p:nvPr/>
+        </p:nvSpPr>
+        <p:spPr>
+          <a:xfrm>
+            <a:off x="9511231" y="2274516"/>
+            <a:ext cx="1288494" cy="369332"/>
+          </a:xfrm>
+          <a:prstGeom prst="rect">
+            <a:avLst/>
+          </a:prstGeom>
+          <a:noFill/>
+        </p:spPr>
+        <p:txBody>
+          <a:bodyPr wrap="none" rtlCol="0">
+            <a:spAutoFit/>
+          </a:bodyPr>
+          <a:lstStyle/>
+          <a:p>
+            <a:r>
+              <a:rPr lang="en-US" dirty="0"/>
+              <a:t>Phis Decoy</a:t>
+            </a:r>
+          </a:p>
+        </p:txBody>
+      </p:sp>
+      <p:pic>
+        <p:nvPicPr>
+          <p:cNvPr id="1026" name="Picture 2">
+            <a:extLst>
+              <a:ext uri="{FF2B5EF4-FFF2-40B4-BE49-F238E27FC236}">
+                <a16:creationId xmlns:a16="http://schemas.microsoft.com/office/drawing/2014/main" id="{82244686-DD0D-1D19-64D6-2515C8F873E6}"/>
+              </a:ext>
+            </a:extLst>
+          </p:cNvPr>
+          <p:cNvPicPr>
+            <a:picLocks noChangeAspect="1" noChangeArrowheads="1"/>
+          </p:cNvPicPr>
+          <p:nvPr/>
+        </p:nvPicPr>
+        <p:blipFill>
+          <a:blip r:embed="rId3">
+            <a:extLst>
+              <a:ext uri="{28A0092B-C50C-407E-A947-70E740481C1C}">
+                <a14:useLocalDpi xmlns:a14="http://schemas.microsoft.com/office/drawing/2010/main" val="0"/>
+              </a:ext>
+            </a:extLst>
+          </a:blip>
+          <a:srcRect/>
+          <a:stretch>
+            <a:fillRect/>
+          </a:stretch>
+        </p:blipFill>
+        <p:spPr bwMode="auto">
+          <a:xfrm>
+            <a:off x="188105" y="3018355"/>
+            <a:ext cx="3938596" cy="3265198"/>
+          </a:xfrm>
+          <a:prstGeom prst="rect">
+            <a:avLst/>
+          </a:prstGeom>
+          <a:noFill/>
+          <a:extLst>
+            <a:ext uri="{909E8E84-426E-40DD-AFC4-6F175D3DCCD1}">
+              <a14:hiddenFill xmlns:a14="http://schemas.microsoft.com/office/drawing/2010/main">
+                <a:solidFill>
+                  <a:srgbClr val="FFFFFF"/>
+                </a:solidFill>
+              </a14:hiddenFill>
+            </a:ext>
+          </a:extLst>
+        </p:spPr>
+      </p:pic>
+      <p:pic>
+        <p:nvPicPr>
+          <p:cNvPr id="1028" name="Picture 4">
+            <a:extLst>
+              <a:ext uri="{FF2B5EF4-FFF2-40B4-BE49-F238E27FC236}">
+                <a16:creationId xmlns:a16="http://schemas.microsoft.com/office/drawing/2014/main" id="{004D53E1-2AE7-78F5-396B-9EDC3B707978}"/>
+              </a:ext>
+            </a:extLst>
+          </p:cNvPr>
+          <p:cNvPicPr>
+            <a:picLocks noChangeAspect="1" noChangeArrowheads="1"/>
+          </p:cNvPicPr>
+          <p:nvPr/>
+        </p:nvPicPr>
+        <p:blipFill>
+          <a:blip r:embed="rId4">
+            <a:extLst>
+              <a:ext uri="{28A0092B-C50C-407E-A947-70E740481C1C}">
+                <a14:useLocalDpi xmlns:a14="http://schemas.microsoft.com/office/drawing/2010/main" val="0"/>
+              </a:ext>
+            </a:extLst>
+          </a:blip>
+          <a:srcRect/>
+          <a:stretch>
+            <a:fillRect/>
+          </a:stretch>
+        </p:blipFill>
+        <p:spPr bwMode="auto">
+          <a:xfrm>
+            <a:off x="4126701" y="3018355"/>
+            <a:ext cx="3938596" cy="3265198"/>
+          </a:xfrm>
+          <a:prstGeom prst="rect">
+            <a:avLst/>
+          </a:prstGeom>
+          <a:noFill/>
+          <a:extLst>
+            <a:ext uri="{909E8E84-426E-40DD-AFC4-6F175D3DCCD1}">
+              <a14:hiddenFill xmlns:a14="http://schemas.microsoft.com/office/drawing/2010/main">
+                <a:solidFill>
+                  <a:srgbClr val="FFFFFF"/>
+                </a:solidFill>
+              </a14:hiddenFill>
+            </a:ext>
+          </a:extLst>
+        </p:spPr>
+      </p:pic>
+      <p:pic>
+        <p:nvPicPr>
+          <p:cNvPr id="1030" name="Picture 6">
+            <a:extLst>
+              <a:ext uri="{FF2B5EF4-FFF2-40B4-BE49-F238E27FC236}">
+                <a16:creationId xmlns:a16="http://schemas.microsoft.com/office/drawing/2014/main" id="{DAFB51BE-F525-C7E6-3923-19DBB513C348}"/>
+              </a:ext>
+            </a:extLst>
+          </p:cNvPr>
+          <p:cNvPicPr>
+            <a:picLocks noChangeAspect="1" noChangeArrowheads="1"/>
+          </p:cNvPicPr>
+          <p:nvPr/>
+        </p:nvPicPr>
+        <p:blipFill>
+          <a:blip r:embed="rId5">
+            <a:extLst>
+              <a:ext uri="{28A0092B-C50C-407E-A947-70E740481C1C}">
+                <a14:useLocalDpi xmlns:a14="http://schemas.microsoft.com/office/drawing/2010/main" val="0"/>
+              </a:ext>
+            </a:extLst>
+          </a:blip>
+          <a:srcRect/>
+          <a:stretch>
+            <a:fillRect/>
+          </a:stretch>
+        </p:blipFill>
+        <p:spPr bwMode="auto">
+          <a:xfrm>
+            <a:off x="8186180" y="3018355"/>
+            <a:ext cx="3938596" cy="3265198"/>
+          </a:xfrm>
+          <a:prstGeom prst="rect">
+            <a:avLst/>
+          </a:prstGeom>
+          <a:noFill/>
+          <a:extLst>
+            <a:ext uri="{909E8E84-426E-40DD-AFC4-6F175D3DCCD1}">
+              <a14:hiddenFill xmlns:a14="http://schemas.microsoft.com/office/drawing/2010/main">
+                <a:solidFill>
+                  <a:srgbClr val="FFFFFF"/>
+                </a:solidFill>
+              </a14:hiddenFill>
+            </a:ext>
+          </a:extLst>
+        </p:spPr>
+      </p:pic>
+    </p:spTree>
+    <p:extLst>
+      <p:ext uri="{BB962C8B-B14F-4D97-AF65-F5344CB8AC3E}">
+        <p14:creationId xmlns:p14="http://schemas.microsoft.com/office/powerpoint/2010/main" val="2662783371"/>
+      </p:ext>
+    </p:extLst>
+  </p:cSld>
+  <p:clrMapOvr>
+    <a:masterClrMapping/>
+  </p:clrMapOvr>
+</p:sld>
+</file>
+
+<file path=ppt/slides/slide11.xml><?xml version="1.0" encoding="utf-8"?>
+<p:sld xmlns:a="http://schemas.openxmlformats.org/drawingml/2006/main" xmlns:r="http://schemas.openxmlformats.org/officeDocument/2006/relationships" xmlns:p="http://schemas.openxmlformats.org/presentationml/2006/main">
+  <p:cSld>
+    <p:spTree>
+      <p:nvGrpSpPr>
+        <p:cNvPr id="1" name=""/>
+        <p:cNvGrpSpPr/>
+        <p:nvPr/>
+      </p:nvGrpSpPr>
+      <p:grpSpPr>
+        <a:xfrm>
+          <a:off x="0" y="0"/>
+          <a:ext cx="0" cy="0"/>
+          <a:chOff x="0" y="0"/>
+          <a:chExt cx="0" cy="0"/>
+        </a:xfrm>
+      </p:grpSpPr>
+      <p:sp>
+        <p:nvSpPr>
+          <p:cNvPr id="2" name="Title 1">
+            <a:extLst>
+              <a:ext uri="{FF2B5EF4-FFF2-40B4-BE49-F238E27FC236}">
+                <a16:creationId xmlns:a16="http://schemas.microsoft.com/office/drawing/2014/main" id="{6BDAB852-1ACC-74C7-6228-9D23450376E0}"/>
+              </a:ext>
+            </a:extLst>
+          </p:cNvPr>
+          <p:cNvSpPr>
+            <a:spLocks noGrp="1"/>
+          </p:cNvSpPr>
+          <p:nvPr>
+            <p:ph type="title"/>
+          </p:nvPr>
+        </p:nvSpPr>
+        <p:spPr/>
+        <p:txBody>
+          <a:bodyPr/>
+          <a:lstStyle/>
+          <a:p>
+            <a:r>
+              <a:rPr lang="en-US" dirty="0"/>
+              <a:t>2c4z Phi &amp; Gamma Graphs</a:t>
+            </a:r>
+          </a:p>
+        </p:txBody>
+      </p:sp>
+      <p:sp>
+        <p:nvSpPr>
+          <p:cNvPr id="5" name="TextBox 4">
+            <a:extLst>
+              <a:ext uri="{FF2B5EF4-FFF2-40B4-BE49-F238E27FC236}">
+                <a16:creationId xmlns:a16="http://schemas.microsoft.com/office/drawing/2014/main" id="{B105CE69-AD9E-B41F-3C2D-429C7D534E7E}"/>
+              </a:ext>
+            </a:extLst>
+          </p:cNvPr>
+          <p:cNvSpPr txBox="1"/>
+          <p:nvPr/>
+        </p:nvSpPr>
+        <p:spPr>
+          <a:xfrm>
+            <a:off x="766913" y="2274516"/>
+            <a:ext cx="2539221" cy="369332"/>
+          </a:xfrm>
+          <a:prstGeom prst="rect">
+            <a:avLst/>
+          </a:prstGeom>
+          <a:noFill/>
+        </p:spPr>
+        <p:txBody>
+          <a:bodyPr wrap="none" rtlCol="0">
+            <a:spAutoFit/>
+          </a:bodyPr>
+          <a:lstStyle/>
+          <a:p>
+            <a:r>
+              <a:rPr lang="en-US" dirty="0"/>
+              <a:t>Gamma Randomization</a:t>
+            </a:r>
+          </a:p>
+        </p:txBody>
+      </p:sp>
+      <p:sp>
+        <p:nvSpPr>
+          <p:cNvPr id="6" name="TextBox 5">
+            <a:extLst>
+              <a:ext uri="{FF2B5EF4-FFF2-40B4-BE49-F238E27FC236}">
+                <a16:creationId xmlns:a16="http://schemas.microsoft.com/office/drawing/2014/main" id="{04EB601B-F26A-FA8B-BB61-73D43C5F55B0}"/>
+              </a:ext>
+            </a:extLst>
+          </p:cNvPr>
+          <p:cNvSpPr txBox="1"/>
+          <p:nvPr/>
+        </p:nvSpPr>
+        <p:spPr>
+          <a:xfrm>
+            <a:off x="5460708" y="2274516"/>
+            <a:ext cx="1342547" cy="369332"/>
+          </a:xfrm>
+          <a:prstGeom prst="rect">
+            <a:avLst/>
+          </a:prstGeom>
+          <a:noFill/>
+        </p:spPr>
+        <p:txBody>
+          <a:bodyPr wrap="none" rtlCol="0">
+            <a:spAutoFit/>
+          </a:bodyPr>
+          <a:lstStyle/>
+          <a:p>
+            <a:r>
+              <a:rPr lang="en-US" dirty="0"/>
+              <a:t>Phis Native</a:t>
+            </a:r>
+          </a:p>
+        </p:txBody>
+      </p:sp>
+      <p:sp>
+        <p:nvSpPr>
+          <p:cNvPr id="7" name="TextBox 6">
+            <a:extLst>
+              <a:ext uri="{FF2B5EF4-FFF2-40B4-BE49-F238E27FC236}">
+                <a16:creationId xmlns:a16="http://schemas.microsoft.com/office/drawing/2014/main" id="{A2439339-BB0C-1909-D306-569CB9330556}"/>
+              </a:ext>
+            </a:extLst>
+          </p:cNvPr>
+          <p:cNvSpPr txBox="1"/>
+          <p:nvPr/>
+        </p:nvSpPr>
+        <p:spPr>
+          <a:xfrm>
+            <a:off x="9511231" y="2274516"/>
+            <a:ext cx="1288494" cy="369332"/>
+          </a:xfrm>
+          <a:prstGeom prst="rect">
+            <a:avLst/>
+          </a:prstGeom>
+          <a:noFill/>
+        </p:spPr>
+        <p:txBody>
+          <a:bodyPr wrap="none" rtlCol="0">
+            <a:spAutoFit/>
+          </a:bodyPr>
+          <a:lstStyle/>
+          <a:p>
+            <a:r>
+              <a:rPr lang="en-US" dirty="0"/>
+              <a:t>Phis Decoy</a:t>
+            </a:r>
+          </a:p>
+        </p:txBody>
+      </p:sp>
+      <p:pic>
+        <p:nvPicPr>
+          <p:cNvPr id="4098" name="Picture 2">
+            <a:extLst>
+              <a:ext uri="{FF2B5EF4-FFF2-40B4-BE49-F238E27FC236}">
+                <a16:creationId xmlns:a16="http://schemas.microsoft.com/office/drawing/2014/main" id="{C7B8D0EF-3D10-127F-EFBD-778C791B2DA6}"/>
+              </a:ext>
+            </a:extLst>
+          </p:cNvPr>
+          <p:cNvPicPr>
+            <a:picLocks noChangeAspect="1" noChangeArrowheads="1"/>
+          </p:cNvPicPr>
+          <p:nvPr/>
+        </p:nvPicPr>
+        <p:blipFill>
+          <a:blip r:embed="rId3">
+            <a:extLst>
+              <a:ext uri="{28A0092B-C50C-407E-A947-70E740481C1C}">
+                <a14:useLocalDpi xmlns:a14="http://schemas.microsoft.com/office/drawing/2010/main" val="0"/>
+              </a:ext>
+            </a:extLst>
+          </a:blip>
+          <a:srcRect/>
+          <a:stretch>
+            <a:fillRect/>
+          </a:stretch>
+        </p:blipFill>
+        <p:spPr bwMode="auto">
+          <a:xfrm>
+            <a:off x="0" y="2943600"/>
+            <a:ext cx="4072417" cy="3376139"/>
+          </a:xfrm>
+          <a:prstGeom prst="rect">
+            <a:avLst/>
+          </a:prstGeom>
+          <a:noFill/>
+          <a:extLst>
+            <a:ext uri="{909E8E84-426E-40DD-AFC4-6F175D3DCCD1}">
+              <a14:hiddenFill xmlns:a14="http://schemas.microsoft.com/office/drawing/2010/main">
+                <a:solidFill>
+                  <a:srgbClr val="FFFFFF"/>
+                </a:solidFill>
+              </a14:hiddenFill>
+            </a:ext>
+          </a:extLst>
+        </p:spPr>
+      </p:pic>
+      <p:pic>
+        <p:nvPicPr>
+          <p:cNvPr id="4100" name="Picture 4">
+            <a:extLst>
+              <a:ext uri="{FF2B5EF4-FFF2-40B4-BE49-F238E27FC236}">
+                <a16:creationId xmlns:a16="http://schemas.microsoft.com/office/drawing/2014/main" id="{A2434711-F78B-7E30-991B-42002927C565}"/>
+              </a:ext>
+            </a:extLst>
+          </p:cNvPr>
+          <p:cNvPicPr>
+            <a:picLocks noChangeAspect="1" noChangeArrowheads="1"/>
+          </p:cNvPicPr>
+          <p:nvPr/>
+        </p:nvPicPr>
+        <p:blipFill>
+          <a:blip r:embed="rId4">
+            <a:extLst>
+              <a:ext uri="{28A0092B-C50C-407E-A947-70E740481C1C}">
+                <a14:useLocalDpi xmlns:a14="http://schemas.microsoft.com/office/drawing/2010/main" val="0"/>
+              </a:ext>
+            </a:extLst>
+          </a:blip>
+          <a:srcRect/>
+          <a:stretch>
+            <a:fillRect/>
+          </a:stretch>
+        </p:blipFill>
+        <p:spPr bwMode="auto">
+          <a:xfrm>
+            <a:off x="4092462" y="2943599"/>
+            <a:ext cx="4079043" cy="3381632"/>
+          </a:xfrm>
+          <a:prstGeom prst="rect">
+            <a:avLst/>
+          </a:prstGeom>
+          <a:noFill/>
+          <a:extLst>
+            <a:ext uri="{909E8E84-426E-40DD-AFC4-6F175D3DCCD1}">
+              <a14:hiddenFill xmlns:a14="http://schemas.microsoft.com/office/drawing/2010/main">
+                <a:solidFill>
+                  <a:srgbClr val="FFFFFF"/>
+                </a:solidFill>
+              </a14:hiddenFill>
+            </a:ext>
+          </a:extLst>
+        </p:spPr>
+      </p:pic>
+      <p:pic>
+        <p:nvPicPr>
+          <p:cNvPr id="4102" name="Picture 6">
+            <a:extLst>
+              <a:ext uri="{FF2B5EF4-FFF2-40B4-BE49-F238E27FC236}">
+                <a16:creationId xmlns:a16="http://schemas.microsoft.com/office/drawing/2014/main" id="{C3FFD33C-5D6F-03B3-7E69-7E7B24995C39}"/>
+              </a:ext>
+            </a:extLst>
+          </p:cNvPr>
+          <p:cNvPicPr>
+            <a:picLocks noChangeAspect="1" noChangeArrowheads="1"/>
+          </p:cNvPicPr>
+          <p:nvPr/>
+        </p:nvPicPr>
+        <p:blipFill>
+          <a:blip r:embed="rId5">
+            <a:extLst>
+              <a:ext uri="{28A0092B-C50C-407E-A947-70E740481C1C}">
+                <a14:useLocalDpi xmlns:a14="http://schemas.microsoft.com/office/drawing/2010/main" val="0"/>
+              </a:ext>
+            </a:extLst>
+          </a:blip>
+          <a:srcRect/>
+          <a:stretch>
+            <a:fillRect/>
+          </a:stretch>
+        </p:blipFill>
+        <p:spPr bwMode="auto">
+          <a:xfrm>
+            <a:off x="8191549" y="2943599"/>
+            <a:ext cx="4072418" cy="3376140"/>
+          </a:xfrm>
+          <a:prstGeom prst="rect">
+            <a:avLst/>
+          </a:prstGeom>
+          <a:noFill/>
+          <a:extLst>
+            <a:ext uri="{909E8E84-426E-40DD-AFC4-6F175D3DCCD1}">
+              <a14:hiddenFill xmlns:a14="http://schemas.microsoft.com/office/drawing/2010/main">
+                <a:solidFill>
+                  <a:srgbClr val="FFFFFF"/>
+                </a:solidFill>
+              </a14:hiddenFill>
+            </a:ext>
+          </a:extLst>
+        </p:spPr>
+      </p:pic>
+    </p:spTree>
+    <p:extLst>
+      <p:ext uri="{BB962C8B-B14F-4D97-AF65-F5344CB8AC3E}">
+        <p14:creationId xmlns:p14="http://schemas.microsoft.com/office/powerpoint/2010/main" val="2090209067"/>
+      </p:ext>
+    </p:extLst>
+  </p:cSld>
+  <p:clrMapOvr>
+    <a:masterClrMapping/>
+  </p:clrMapOvr>
+</p:sld>
+</file>
+
+<file path=ppt/slides/slide12.xml><?xml version="1.0" encoding="utf-8"?>
+<p:sld xmlns:a="http://schemas.openxmlformats.org/drawingml/2006/main" xmlns:r="http://schemas.openxmlformats.org/officeDocument/2006/relationships" xmlns:p="http://schemas.openxmlformats.org/presentationml/2006/main">
+  <p:cSld>
+    <p:spTree>
+      <p:nvGrpSpPr>
+        <p:cNvPr id="1" name=""/>
+        <p:cNvGrpSpPr/>
+        <p:nvPr/>
+      </p:nvGrpSpPr>
+      <p:grpSpPr>
+        <a:xfrm>
+          <a:off x="0" y="0"/>
+          <a:ext cx="0" cy="0"/>
+          <a:chOff x="0" y="0"/>
+          <a:chExt cx="0" cy="0"/>
+        </a:xfrm>
+      </p:grpSpPr>
+      <p:sp>
+        <p:nvSpPr>
+          <p:cNvPr id="2" name="Title 1">
+            <a:extLst>
+              <a:ext uri="{FF2B5EF4-FFF2-40B4-BE49-F238E27FC236}">
+                <a16:creationId xmlns:a16="http://schemas.microsoft.com/office/drawing/2014/main" id="{6BDAB852-1ACC-74C7-6228-9D23450376E0}"/>
+              </a:ext>
+            </a:extLst>
+          </p:cNvPr>
+          <p:cNvSpPr>
+            <a:spLocks noGrp="1"/>
+          </p:cNvSpPr>
+          <p:nvPr>
+            <p:ph type="title"/>
+          </p:nvPr>
+        </p:nvSpPr>
+        <p:spPr/>
+        <p:txBody>
+          <a:bodyPr/>
+          <a:lstStyle/>
+          <a:p>
+            <a:r>
+              <a:rPr lang="en-US" dirty="0"/>
+              <a:t>2bu1, 2c4q, 2c4y, 2c4z Phi &amp; Gamma Graphs</a:t>
+            </a:r>
+          </a:p>
+        </p:txBody>
+      </p:sp>
+      <p:sp>
+        <p:nvSpPr>
+          <p:cNvPr id="5" name="TextBox 4">
+            <a:extLst>
+              <a:ext uri="{FF2B5EF4-FFF2-40B4-BE49-F238E27FC236}">
+                <a16:creationId xmlns:a16="http://schemas.microsoft.com/office/drawing/2014/main" id="{B105CE69-AD9E-B41F-3C2D-429C7D534E7E}"/>
+              </a:ext>
+            </a:extLst>
+          </p:cNvPr>
+          <p:cNvSpPr txBox="1"/>
+          <p:nvPr/>
+        </p:nvSpPr>
+        <p:spPr>
+          <a:xfrm>
+            <a:off x="766913" y="2274516"/>
+            <a:ext cx="2539221" cy="369332"/>
+          </a:xfrm>
+          <a:prstGeom prst="rect">
+            <a:avLst/>
+          </a:prstGeom>
+          <a:noFill/>
+        </p:spPr>
+        <p:txBody>
+          <a:bodyPr wrap="none" rtlCol="0">
+            <a:spAutoFit/>
+          </a:bodyPr>
+          <a:lstStyle/>
+          <a:p>
+            <a:r>
+              <a:rPr lang="en-US" dirty="0"/>
+              <a:t>Gamma Randomization</a:t>
+            </a:r>
+          </a:p>
+        </p:txBody>
+      </p:sp>
+      <p:sp>
+        <p:nvSpPr>
+          <p:cNvPr id="6" name="TextBox 5">
+            <a:extLst>
+              <a:ext uri="{FF2B5EF4-FFF2-40B4-BE49-F238E27FC236}">
+                <a16:creationId xmlns:a16="http://schemas.microsoft.com/office/drawing/2014/main" id="{04EB601B-F26A-FA8B-BB61-73D43C5F55B0}"/>
+              </a:ext>
+            </a:extLst>
+          </p:cNvPr>
+          <p:cNvSpPr txBox="1"/>
+          <p:nvPr/>
+        </p:nvSpPr>
+        <p:spPr>
+          <a:xfrm>
+            <a:off x="5460708" y="2274516"/>
+            <a:ext cx="1342547" cy="369332"/>
+          </a:xfrm>
+          <a:prstGeom prst="rect">
+            <a:avLst/>
+          </a:prstGeom>
+          <a:noFill/>
+        </p:spPr>
+        <p:txBody>
+          <a:bodyPr wrap="none" rtlCol="0">
+            <a:spAutoFit/>
+          </a:bodyPr>
+          <a:lstStyle/>
+          <a:p>
+            <a:r>
+              <a:rPr lang="en-US" dirty="0"/>
+              <a:t>Phis Native</a:t>
+            </a:r>
+          </a:p>
+        </p:txBody>
+      </p:sp>
+      <p:sp>
+        <p:nvSpPr>
+          <p:cNvPr id="7" name="TextBox 6">
+            <a:extLst>
+              <a:ext uri="{FF2B5EF4-FFF2-40B4-BE49-F238E27FC236}">
+                <a16:creationId xmlns:a16="http://schemas.microsoft.com/office/drawing/2014/main" id="{A2439339-BB0C-1909-D306-569CB9330556}"/>
+              </a:ext>
+            </a:extLst>
+          </p:cNvPr>
+          <p:cNvSpPr txBox="1"/>
+          <p:nvPr/>
+        </p:nvSpPr>
+        <p:spPr>
+          <a:xfrm>
+            <a:off x="9511231" y="2274516"/>
+            <a:ext cx="1288494" cy="369332"/>
+          </a:xfrm>
+          <a:prstGeom prst="rect">
+            <a:avLst/>
+          </a:prstGeom>
+          <a:noFill/>
+        </p:spPr>
+        <p:txBody>
+          <a:bodyPr wrap="none" rtlCol="0">
+            <a:spAutoFit/>
+          </a:bodyPr>
+          <a:lstStyle/>
+          <a:p>
+            <a:r>
+              <a:rPr lang="en-US" dirty="0"/>
+              <a:t>Phis Decoy</a:t>
+            </a:r>
+          </a:p>
+        </p:txBody>
+      </p:sp>
+      <p:pic>
+        <p:nvPicPr>
+          <p:cNvPr id="7170" name="Picture 2">
+            <a:extLst>
+              <a:ext uri="{FF2B5EF4-FFF2-40B4-BE49-F238E27FC236}">
+                <a16:creationId xmlns:a16="http://schemas.microsoft.com/office/drawing/2014/main" id="{A64F1EBF-E821-D65B-25D4-B58FB49A235B}"/>
+              </a:ext>
+            </a:extLst>
+          </p:cNvPr>
+          <p:cNvPicPr>
+            <a:picLocks noChangeAspect="1" noChangeArrowheads="1"/>
+          </p:cNvPicPr>
+          <p:nvPr/>
+        </p:nvPicPr>
+        <p:blipFill>
+          <a:blip r:embed="rId3">
+            <a:extLst>
+              <a:ext uri="{28A0092B-C50C-407E-A947-70E740481C1C}">
+                <a14:useLocalDpi xmlns:a14="http://schemas.microsoft.com/office/drawing/2010/main" val="0"/>
+              </a:ext>
+            </a:extLst>
+          </a:blip>
+          <a:srcRect/>
+          <a:stretch>
+            <a:fillRect/>
+          </a:stretch>
+        </p:blipFill>
+        <p:spPr bwMode="auto">
+          <a:xfrm>
+            <a:off x="170963" y="2961202"/>
+            <a:ext cx="3875041" cy="3212509"/>
+          </a:xfrm>
+          <a:prstGeom prst="rect">
+            <a:avLst/>
+          </a:prstGeom>
+          <a:noFill/>
+          <a:extLst>
+            <a:ext uri="{909E8E84-426E-40DD-AFC4-6F175D3DCCD1}">
+              <a14:hiddenFill xmlns:a14="http://schemas.microsoft.com/office/drawing/2010/main">
+                <a:solidFill>
+                  <a:srgbClr val="FFFFFF"/>
+                </a:solidFill>
+              </a14:hiddenFill>
+            </a:ext>
+          </a:extLst>
+        </p:spPr>
+      </p:pic>
+      <p:pic>
+        <p:nvPicPr>
+          <p:cNvPr id="7172" name="Picture 4">
+            <a:extLst>
+              <a:ext uri="{FF2B5EF4-FFF2-40B4-BE49-F238E27FC236}">
+                <a16:creationId xmlns:a16="http://schemas.microsoft.com/office/drawing/2014/main" id="{E5F8137B-9755-C129-A611-0ABAA50415E4}"/>
+              </a:ext>
+            </a:extLst>
+          </p:cNvPr>
+          <p:cNvPicPr>
+            <a:picLocks noChangeAspect="1" noChangeArrowheads="1"/>
+          </p:cNvPicPr>
+          <p:nvPr/>
+        </p:nvPicPr>
+        <p:blipFill>
+          <a:blip r:embed="rId4">
+            <a:extLst>
+              <a:ext uri="{28A0092B-C50C-407E-A947-70E740481C1C}">
+                <a14:useLocalDpi xmlns:a14="http://schemas.microsoft.com/office/drawing/2010/main" val="0"/>
+              </a:ext>
+            </a:extLst>
+          </a:blip>
+          <a:srcRect/>
+          <a:stretch>
+            <a:fillRect/>
+          </a:stretch>
+        </p:blipFill>
+        <p:spPr bwMode="auto">
+          <a:xfrm>
+            <a:off x="4194460" y="2961203"/>
+            <a:ext cx="3875041" cy="3212509"/>
+          </a:xfrm>
+          <a:prstGeom prst="rect">
+            <a:avLst/>
+          </a:prstGeom>
+          <a:noFill/>
+          <a:extLst>
+            <a:ext uri="{909E8E84-426E-40DD-AFC4-6F175D3DCCD1}">
+              <a14:hiddenFill xmlns:a14="http://schemas.microsoft.com/office/drawing/2010/main">
+                <a:solidFill>
+                  <a:srgbClr val="FFFFFF"/>
+                </a:solidFill>
+              </a14:hiddenFill>
+            </a:ext>
+          </a:extLst>
+        </p:spPr>
+      </p:pic>
+      <p:pic>
+        <p:nvPicPr>
+          <p:cNvPr id="7174" name="Picture 6">
+            <a:extLst>
+              <a:ext uri="{FF2B5EF4-FFF2-40B4-BE49-F238E27FC236}">
+                <a16:creationId xmlns:a16="http://schemas.microsoft.com/office/drawing/2014/main" id="{693CCC14-47FE-06A9-E3D2-F6257F93F67A}"/>
+              </a:ext>
+            </a:extLst>
+          </p:cNvPr>
+          <p:cNvPicPr>
+            <a:picLocks noChangeAspect="1" noChangeArrowheads="1"/>
+          </p:cNvPicPr>
+          <p:nvPr/>
+        </p:nvPicPr>
+        <p:blipFill>
+          <a:blip r:embed="rId5">
+            <a:extLst>
+              <a:ext uri="{28A0092B-C50C-407E-A947-70E740481C1C}">
+                <a14:useLocalDpi xmlns:a14="http://schemas.microsoft.com/office/drawing/2010/main" val="0"/>
+              </a:ext>
+            </a:extLst>
+          </a:blip>
+          <a:srcRect/>
+          <a:stretch>
+            <a:fillRect/>
+          </a:stretch>
+        </p:blipFill>
+        <p:spPr bwMode="auto">
+          <a:xfrm>
+            <a:off x="8217957" y="2961203"/>
+            <a:ext cx="3875041" cy="3212509"/>
+          </a:xfrm>
+          <a:prstGeom prst="rect">
+            <a:avLst/>
+          </a:prstGeom>
+          <a:noFill/>
+          <a:extLst>
+            <a:ext uri="{909E8E84-426E-40DD-AFC4-6F175D3DCCD1}">
+              <a14:hiddenFill xmlns:a14="http://schemas.microsoft.com/office/drawing/2010/main">
+                <a:solidFill>
+                  <a:srgbClr val="FFFFFF"/>
+                </a:solidFill>
+              </a14:hiddenFill>
+            </a:ext>
+          </a:extLst>
+        </p:spPr>
+      </p:pic>
+    </p:spTree>
+    <p:extLst>
+      <p:ext uri="{BB962C8B-B14F-4D97-AF65-F5344CB8AC3E}">
+        <p14:creationId xmlns:p14="http://schemas.microsoft.com/office/powerpoint/2010/main" val="3013806526"/>
+      </p:ext>
+    </p:extLst>
+  </p:cSld>
+  <p:clrMapOvr>
+    <a:masterClrMapping/>
+  </p:clrMapOvr>
+</p:sld>
+</file>
+
 <file path=ppt/slides/slide2.xml><?xml version="1.0" encoding="utf-8"?>
 <p:sld xmlns:a="http://schemas.openxmlformats.org/drawingml/2006/main" xmlns:r="http://schemas.openxmlformats.org/officeDocument/2006/relationships" xmlns:p="http://schemas.openxmlformats.org/presentationml/2006/main">
   <p:cSld>
@@ -4197,7 +5114,7 @@
           <p:cNvPr id="2" name="Title 1">
             <a:extLst>
               <a:ext uri="{FF2B5EF4-FFF2-40B4-BE49-F238E27FC236}">
-                <a16:creationId xmlns:a16="http://schemas.microsoft.com/office/drawing/2014/main" id="{6BDAB852-1ACC-74C7-6228-9D23450376E0}"/>
+                <a16:creationId xmlns:a16="http://schemas.microsoft.com/office/drawing/2014/main" id="{FF84B9D3-5E68-7964-8BA2-32C8F055AA33}"/>
               </a:ext>
             </a:extLst>
           </p:cNvPr>
@@ -4208,24 +5125,31 @@
             <p:ph type="title"/>
           </p:nvPr>
         </p:nvSpPr>
-        <p:spPr/>
-        <p:txBody>
-          <a:bodyPr/>
-          <a:lstStyle/>
-          <a:p>
-            <a:r>
-              <a:rPr lang="en-US" dirty="0"/>
-              <a:t>2bu1 Phi &amp; Gamma Graphs</a:t>
-            </a:r>
-          </a:p>
-        </p:txBody>
-      </p:sp>
-      <p:sp>
-        <p:nvSpPr>
-          <p:cNvPr id="5" name="TextBox 4">
-            <a:extLst>
-              <a:ext uri="{FF2B5EF4-FFF2-40B4-BE49-F238E27FC236}">
-                <a16:creationId xmlns:a16="http://schemas.microsoft.com/office/drawing/2014/main" id="{B105CE69-AD9E-B41F-3C2D-429C7D534E7E}"/>
+        <p:spPr>
+          <a:xfrm>
+            <a:off x="451027" y="189931"/>
+            <a:ext cx="10515600" cy="1325563"/>
+          </a:xfrm>
+        </p:spPr>
+        <p:txBody>
+          <a:bodyPr>
+            <a:normAutofit/>
+          </a:bodyPr>
+          <a:lstStyle/>
+          <a:p>
+            <a:r>
+              <a:rPr lang="en-US" sz="4000" dirty="0"/>
+              <a:t>2bu1, 2c4q, 2c4y, 2c4z – MS2 Protein Complex </a:t>
+            </a:r>
+          </a:p>
+        </p:txBody>
+      </p:sp>
+      <p:sp>
+        <p:nvSpPr>
+          <p:cNvPr id="4" name="TextBox 3">
+            <a:extLst>
+              <a:ext uri="{FF2B5EF4-FFF2-40B4-BE49-F238E27FC236}">
+                <a16:creationId xmlns:a16="http://schemas.microsoft.com/office/drawing/2014/main" id="{43C8D717-0111-6127-1798-6633245E67A0}"/>
               </a:ext>
             </a:extLst>
           </p:cNvPr>
@@ -4234,8 +5158,8 @@
         </p:nvSpPr>
         <p:spPr>
           <a:xfrm>
-            <a:off x="741872" y="2251494"/>
-            <a:ext cx="2539221" cy="369332"/>
+            <a:off x="2718104" y="1522248"/>
+            <a:ext cx="989373" cy="369332"/>
           </a:xfrm>
           <a:prstGeom prst="rect">
             <a:avLst/>
@@ -4250,17 +5174,17 @@
           <a:p>
             <a:r>
               <a:rPr lang="en-US" dirty="0"/>
-              <a:t>Gamma Randomization</a:t>
-            </a:r>
-          </a:p>
-        </p:txBody>
-      </p:sp>
-      <p:sp>
-        <p:nvSpPr>
-          <p:cNvPr id="6" name="TextBox 5">
-            <a:extLst>
-              <a:ext uri="{FF2B5EF4-FFF2-40B4-BE49-F238E27FC236}">
-                <a16:creationId xmlns:a16="http://schemas.microsoft.com/office/drawing/2014/main" id="{04EB601B-F26A-FA8B-BB61-73D43C5F55B0}"/>
+              <a:t>Gamma</a:t>
+            </a:r>
+          </a:p>
+        </p:txBody>
+      </p:sp>
+      <p:sp>
+        <p:nvSpPr>
+          <p:cNvPr id="5" name="TextBox 4">
+            <a:extLst>
+              <a:ext uri="{FF2B5EF4-FFF2-40B4-BE49-F238E27FC236}">
+                <a16:creationId xmlns:a16="http://schemas.microsoft.com/office/drawing/2014/main" id="{ACE6581E-3A66-43EE-8844-22F43DF960DB}"/>
               </a:ext>
             </a:extLst>
           </p:cNvPr>
@@ -4269,7 +5193,7 @@
         </p:nvSpPr>
         <p:spPr>
           <a:xfrm>
-            <a:off x="4548116" y="2251494"/>
+            <a:off x="5708827" y="1525814"/>
             <a:ext cx="1342547" cy="369332"/>
           </a:xfrm>
           <a:prstGeom prst="rect">
@@ -4292,10 +5216,10 @@
       </p:sp>
       <p:sp>
         <p:nvSpPr>
-          <p:cNvPr id="7" name="TextBox 6">
-            <a:extLst>
-              <a:ext uri="{FF2B5EF4-FFF2-40B4-BE49-F238E27FC236}">
-                <a16:creationId xmlns:a16="http://schemas.microsoft.com/office/drawing/2014/main" id="{A2439339-BB0C-1909-D306-569CB9330556}"/>
+          <p:cNvPr id="6" name="TextBox 5">
+            <a:extLst>
+              <a:ext uri="{FF2B5EF4-FFF2-40B4-BE49-F238E27FC236}">
+                <a16:creationId xmlns:a16="http://schemas.microsoft.com/office/drawing/2014/main" id="{E7A4C8FB-B7D4-CCA9-8AB5-CF7F22EAFADC}"/>
               </a:ext>
             </a:extLst>
           </p:cNvPr>
@@ -4304,7 +5228,7 @@
         </p:nvSpPr>
         <p:spPr>
           <a:xfrm>
-            <a:off x="8582403" y="2251494"/>
+            <a:off x="9052724" y="1522248"/>
             <a:ext cx="1288494" cy="369332"/>
           </a:xfrm>
           <a:prstGeom prst="rect">
@@ -4325,12 +5249,47 @@
           </a:p>
         </p:txBody>
       </p:sp>
+      <p:sp>
+        <p:nvSpPr>
+          <p:cNvPr id="7" name="TextBox 6">
+            <a:extLst>
+              <a:ext uri="{FF2B5EF4-FFF2-40B4-BE49-F238E27FC236}">
+                <a16:creationId xmlns:a16="http://schemas.microsoft.com/office/drawing/2014/main" id="{EE0CC675-1EEB-9EBA-CCB2-21EA9CCB0C48}"/>
+              </a:ext>
+            </a:extLst>
+          </p:cNvPr>
+          <p:cNvSpPr txBox="1"/>
+          <p:nvPr/>
+        </p:nvSpPr>
+        <p:spPr>
+          <a:xfrm>
+            <a:off x="738709" y="2431284"/>
+            <a:ext cx="689612" cy="369332"/>
+          </a:xfrm>
+          <a:prstGeom prst="rect">
+            <a:avLst/>
+          </a:prstGeom>
+          <a:noFill/>
+        </p:spPr>
+        <p:txBody>
+          <a:bodyPr wrap="none" rtlCol="0">
+            <a:spAutoFit/>
+          </a:bodyPr>
+          <a:lstStyle/>
+          <a:p>
+            <a:r>
+              <a:rPr lang="en-US" dirty="0"/>
+              <a:t>2bu1</a:t>
+            </a:r>
+          </a:p>
+        </p:txBody>
+      </p:sp>
       <p:pic>
         <p:nvPicPr>
-          <p:cNvPr id="11266" name="Picture 2">
-            <a:extLst>
-              <a:ext uri="{FF2B5EF4-FFF2-40B4-BE49-F238E27FC236}">
-                <a16:creationId xmlns:a16="http://schemas.microsoft.com/office/drawing/2014/main" id="{25B1818C-8430-AD68-B698-BDC5EF17997F}"/>
+          <p:cNvPr id="8" name="Picture 2">
+            <a:extLst>
+              <a:ext uri="{FF2B5EF4-FFF2-40B4-BE49-F238E27FC236}">
+                <a16:creationId xmlns:a16="http://schemas.microsoft.com/office/drawing/2014/main" id="{5DA28C85-AF1B-CE9F-846C-5B8DF0A837F2}"/>
               </a:ext>
             </a:extLst>
           </p:cNvPr>
@@ -4339,23 +5298,21 @@
           </p:cNvPicPr>
           <p:nvPr/>
         </p:nvPicPr>
-        <p:blipFill>
-          <a:blip r:embed="rId2">
+        <p:blipFill rotWithShape="1">
+          <a:blip r:embed="rId3">
             <a:extLst>
               <a:ext uri="{28A0092B-C50C-407E-A947-70E740481C1C}">
                 <a14:useLocalDpi xmlns:a14="http://schemas.microsoft.com/office/drawing/2010/main" val="0"/>
               </a:ext>
             </a:extLst>
           </a:blip>
-          <a:srcRect/>
-          <a:stretch>
-            <a:fillRect/>
-          </a:stretch>
+          <a:srcRect r="27403" b="78415"/>
+          <a:stretch/>
         </p:blipFill>
         <p:spPr bwMode="auto">
           <a:xfrm>
-            <a:off x="176200" y="2814008"/>
-            <a:ext cx="3969680" cy="3290967"/>
+            <a:off x="1791134" y="2133538"/>
+            <a:ext cx="2881893" cy="710368"/>
           </a:xfrm>
           <a:prstGeom prst="rect">
             <a:avLst/>
@@ -4374,10 +5331,10 @@
       </p:pic>
       <p:pic>
         <p:nvPicPr>
-          <p:cNvPr id="11270" name="Picture 6">
-            <a:extLst>
-              <a:ext uri="{FF2B5EF4-FFF2-40B4-BE49-F238E27FC236}">
-                <a16:creationId xmlns:a16="http://schemas.microsoft.com/office/drawing/2014/main" id="{B3196352-BBA7-678D-D7A9-FAA265BDEDE8}"/>
+          <p:cNvPr id="9" name="Picture 6">
+            <a:extLst>
+              <a:ext uri="{FF2B5EF4-FFF2-40B4-BE49-F238E27FC236}">
+                <a16:creationId xmlns:a16="http://schemas.microsoft.com/office/drawing/2014/main" id="{C2652A91-62A1-21C4-8BC7-FE1936439B30}"/>
               </a:ext>
             </a:extLst>
           </p:cNvPr>
@@ -4386,23 +5343,21 @@
           </p:cNvPicPr>
           <p:nvPr/>
         </p:nvPicPr>
-        <p:blipFill>
-          <a:blip r:embed="rId3">
+        <p:blipFill rotWithShape="1">
+          <a:blip r:embed="rId4">
             <a:extLst>
               <a:ext uri="{28A0092B-C50C-407E-A947-70E740481C1C}">
                 <a14:useLocalDpi xmlns:a14="http://schemas.microsoft.com/office/drawing/2010/main" val="0"/>
               </a:ext>
             </a:extLst>
           </a:blip>
-          <a:srcRect/>
-          <a:stretch>
-            <a:fillRect/>
-          </a:stretch>
+          <a:srcRect r="27403" b="78415"/>
+          <a:stretch/>
         </p:blipFill>
         <p:spPr bwMode="auto">
           <a:xfrm>
-            <a:off x="8131486" y="2814007"/>
-            <a:ext cx="3969680" cy="3290968"/>
+            <a:off x="8464909" y="2090248"/>
+            <a:ext cx="2817941" cy="694604"/>
           </a:xfrm>
           <a:prstGeom prst="rect">
             <a:avLst/>
@@ -4421,10 +5376,10 @@
       </p:pic>
       <p:pic>
         <p:nvPicPr>
-          <p:cNvPr id="11272" name="Picture 8">
-            <a:extLst>
-              <a:ext uri="{FF2B5EF4-FFF2-40B4-BE49-F238E27FC236}">
-                <a16:creationId xmlns:a16="http://schemas.microsoft.com/office/drawing/2014/main" id="{32E9CBBD-BC17-9817-8891-C3227AB3042B}"/>
+          <p:cNvPr id="10" name="Picture 8">
+            <a:extLst>
+              <a:ext uri="{FF2B5EF4-FFF2-40B4-BE49-F238E27FC236}">
+                <a16:creationId xmlns:a16="http://schemas.microsoft.com/office/drawing/2014/main" id="{AD5896A8-1961-349E-3D19-4886C83894DA}"/>
               </a:ext>
             </a:extLst>
           </p:cNvPr>
@@ -4433,23 +5388,21 @@
           </p:cNvPicPr>
           <p:nvPr/>
         </p:nvPicPr>
-        <p:blipFill>
-          <a:blip r:embed="rId4">
+        <p:blipFill rotWithShape="1">
+          <a:blip r:embed="rId5">
             <a:extLst>
               <a:ext uri="{28A0092B-C50C-407E-A947-70E740481C1C}">
                 <a14:useLocalDpi xmlns:a14="http://schemas.microsoft.com/office/drawing/2010/main" val="0"/>
               </a:ext>
             </a:extLst>
           </a:blip>
-          <a:srcRect/>
-          <a:stretch>
-            <a:fillRect/>
-          </a:stretch>
+          <a:srcRect r="27403" b="78415"/>
+          <a:stretch/>
         </p:blipFill>
         <p:spPr bwMode="auto">
           <a:xfrm>
-            <a:off x="4153843" y="2814007"/>
-            <a:ext cx="3969680" cy="3290967"/>
+            <a:off x="5061590" y="2090248"/>
+            <a:ext cx="2881893" cy="710368"/>
           </a:xfrm>
           <a:prstGeom prst="rect">
             <a:avLst/>
@@ -4466,10 +5419,1210 @@
           </a:extLst>
         </p:spPr>
       </p:pic>
+      <p:sp>
+        <p:nvSpPr>
+          <p:cNvPr id="11" name="TextBox 10">
+            <a:extLst>
+              <a:ext uri="{FF2B5EF4-FFF2-40B4-BE49-F238E27FC236}">
+                <a16:creationId xmlns:a16="http://schemas.microsoft.com/office/drawing/2014/main" id="{809143BC-F939-A558-8732-D6BF9E8A0F4C}"/>
+              </a:ext>
+            </a:extLst>
+          </p:cNvPr>
+          <p:cNvSpPr txBox="1"/>
+          <p:nvPr/>
+        </p:nvSpPr>
+        <p:spPr>
+          <a:xfrm>
+            <a:off x="741915" y="3286137"/>
+            <a:ext cx="683200" cy="369332"/>
+          </a:xfrm>
+          <a:prstGeom prst="rect">
+            <a:avLst/>
+          </a:prstGeom>
+          <a:noFill/>
+        </p:spPr>
+        <p:txBody>
+          <a:bodyPr wrap="none" rtlCol="0">
+            <a:spAutoFit/>
+          </a:bodyPr>
+          <a:lstStyle/>
+          <a:p>
+            <a:r>
+              <a:rPr lang="en-US" dirty="0"/>
+              <a:t>2c4q</a:t>
+            </a:r>
+          </a:p>
+        </p:txBody>
+      </p:sp>
+      <p:pic>
+        <p:nvPicPr>
+          <p:cNvPr id="12" name="Picture 2">
+            <a:extLst>
+              <a:ext uri="{FF2B5EF4-FFF2-40B4-BE49-F238E27FC236}">
+                <a16:creationId xmlns:a16="http://schemas.microsoft.com/office/drawing/2014/main" id="{9130F86A-4D92-29C1-6D29-E9F795616152}"/>
+              </a:ext>
+            </a:extLst>
+          </p:cNvPr>
+          <p:cNvPicPr>
+            <a:picLocks noChangeAspect="1" noChangeArrowheads="1"/>
+          </p:cNvPicPr>
+          <p:nvPr/>
+        </p:nvPicPr>
+        <p:blipFill rotWithShape="1">
+          <a:blip r:embed="rId6">
+            <a:extLst>
+              <a:ext uri="{28A0092B-C50C-407E-A947-70E740481C1C}">
+                <a14:useLocalDpi xmlns:a14="http://schemas.microsoft.com/office/drawing/2010/main" val="0"/>
+              </a:ext>
+            </a:extLst>
+          </a:blip>
+          <a:srcRect r="27159" b="78482"/>
+          <a:stretch/>
+        </p:blipFill>
+        <p:spPr bwMode="auto">
+          <a:xfrm>
+            <a:off x="1791134" y="3033503"/>
+            <a:ext cx="2881893" cy="705800"/>
+          </a:xfrm>
+          <a:prstGeom prst="rect">
+            <a:avLst/>
+          </a:prstGeom>
+          <a:noFill/>
+          <a:extLst>
+            <a:ext uri="{909E8E84-426E-40DD-AFC4-6F175D3DCCD1}">
+              <a14:hiddenFill xmlns:a14="http://schemas.microsoft.com/office/drawing/2010/main">
+                <a:solidFill>
+                  <a:srgbClr val="FFFFFF"/>
+                </a:solidFill>
+              </a14:hiddenFill>
+            </a:ext>
+          </a:extLst>
+        </p:spPr>
+      </p:pic>
+      <p:pic>
+        <p:nvPicPr>
+          <p:cNvPr id="13" name="Picture 4">
+            <a:extLst>
+              <a:ext uri="{FF2B5EF4-FFF2-40B4-BE49-F238E27FC236}">
+                <a16:creationId xmlns:a16="http://schemas.microsoft.com/office/drawing/2014/main" id="{EB0DF79C-EC61-17C3-96DC-54C7E18FD5FE}"/>
+              </a:ext>
+            </a:extLst>
+          </p:cNvPr>
+          <p:cNvPicPr>
+            <a:picLocks noChangeAspect="1" noChangeArrowheads="1"/>
+          </p:cNvPicPr>
+          <p:nvPr/>
+        </p:nvPicPr>
+        <p:blipFill rotWithShape="1">
+          <a:blip r:embed="rId7">
+            <a:extLst>
+              <a:ext uri="{28A0092B-C50C-407E-A947-70E740481C1C}">
+                <a14:useLocalDpi xmlns:a14="http://schemas.microsoft.com/office/drawing/2010/main" val="0"/>
+              </a:ext>
+            </a:extLst>
+          </a:blip>
+          <a:srcRect r="27159" b="78482"/>
+          <a:stretch/>
+        </p:blipFill>
+        <p:spPr bwMode="auto">
+          <a:xfrm>
+            <a:off x="5061590" y="3016252"/>
+            <a:ext cx="2881894" cy="705799"/>
+          </a:xfrm>
+          <a:prstGeom prst="rect">
+            <a:avLst/>
+          </a:prstGeom>
+          <a:noFill/>
+          <a:extLst>
+            <a:ext uri="{909E8E84-426E-40DD-AFC4-6F175D3DCCD1}">
+              <a14:hiddenFill xmlns:a14="http://schemas.microsoft.com/office/drawing/2010/main">
+                <a:solidFill>
+                  <a:srgbClr val="FFFFFF"/>
+                </a:solidFill>
+              </a14:hiddenFill>
+            </a:ext>
+          </a:extLst>
+        </p:spPr>
+      </p:pic>
+      <p:pic>
+        <p:nvPicPr>
+          <p:cNvPr id="14" name="Picture 6">
+            <a:extLst>
+              <a:ext uri="{FF2B5EF4-FFF2-40B4-BE49-F238E27FC236}">
+                <a16:creationId xmlns:a16="http://schemas.microsoft.com/office/drawing/2014/main" id="{484569FC-7295-1109-948A-E600A16C9AD3}"/>
+              </a:ext>
+            </a:extLst>
+          </p:cNvPr>
+          <p:cNvPicPr>
+            <a:picLocks noChangeAspect="1" noChangeArrowheads="1"/>
+          </p:cNvPicPr>
+          <p:nvPr/>
+        </p:nvPicPr>
+        <p:blipFill rotWithShape="1">
+          <a:blip r:embed="rId8">
+            <a:extLst>
+              <a:ext uri="{28A0092B-C50C-407E-A947-70E740481C1C}">
+                <a14:useLocalDpi xmlns:a14="http://schemas.microsoft.com/office/drawing/2010/main" val="0"/>
+              </a:ext>
+            </a:extLst>
+          </a:blip>
+          <a:srcRect r="27159" b="78482"/>
+          <a:stretch/>
+        </p:blipFill>
+        <p:spPr bwMode="auto">
+          <a:xfrm>
+            <a:off x="8464909" y="3019939"/>
+            <a:ext cx="2817941" cy="690138"/>
+          </a:xfrm>
+          <a:prstGeom prst="rect">
+            <a:avLst/>
+          </a:prstGeom>
+          <a:noFill/>
+          <a:extLst>
+            <a:ext uri="{909E8E84-426E-40DD-AFC4-6F175D3DCCD1}">
+              <a14:hiddenFill xmlns:a14="http://schemas.microsoft.com/office/drawing/2010/main">
+                <a:solidFill>
+                  <a:srgbClr val="FFFFFF"/>
+                </a:solidFill>
+              </a14:hiddenFill>
+            </a:ext>
+          </a:extLst>
+        </p:spPr>
+      </p:pic>
+      <p:sp>
+        <p:nvSpPr>
+          <p:cNvPr id="15" name="TextBox 14">
+            <a:extLst>
+              <a:ext uri="{FF2B5EF4-FFF2-40B4-BE49-F238E27FC236}">
+                <a16:creationId xmlns:a16="http://schemas.microsoft.com/office/drawing/2014/main" id="{39BFB00C-CC77-0344-49A3-DFD72214F6AE}"/>
+              </a:ext>
+            </a:extLst>
+          </p:cNvPr>
+          <p:cNvSpPr txBox="1"/>
+          <p:nvPr/>
+        </p:nvSpPr>
+        <p:spPr>
+          <a:xfrm>
+            <a:off x="741915" y="4102106"/>
+            <a:ext cx="683200" cy="369332"/>
+          </a:xfrm>
+          <a:prstGeom prst="rect">
+            <a:avLst/>
+          </a:prstGeom>
+          <a:noFill/>
+        </p:spPr>
+        <p:txBody>
+          <a:bodyPr wrap="none" rtlCol="0">
+            <a:spAutoFit/>
+          </a:bodyPr>
+          <a:lstStyle/>
+          <a:p>
+            <a:r>
+              <a:rPr lang="en-US" dirty="0"/>
+              <a:t>2c4y</a:t>
+            </a:r>
+          </a:p>
+        </p:txBody>
+      </p:sp>
+      <p:pic>
+        <p:nvPicPr>
+          <p:cNvPr id="19" name="Picture 2">
+            <a:extLst>
+              <a:ext uri="{FF2B5EF4-FFF2-40B4-BE49-F238E27FC236}">
+                <a16:creationId xmlns:a16="http://schemas.microsoft.com/office/drawing/2014/main" id="{00B1071B-E08C-CBEB-D040-E5659230C0F3}"/>
+              </a:ext>
+            </a:extLst>
+          </p:cNvPr>
+          <p:cNvPicPr>
+            <a:picLocks noChangeAspect="1" noChangeArrowheads="1"/>
+          </p:cNvPicPr>
+          <p:nvPr/>
+        </p:nvPicPr>
+        <p:blipFill rotWithShape="1">
+          <a:blip r:embed="rId9">
+            <a:extLst>
+              <a:ext uri="{28A0092B-C50C-407E-A947-70E740481C1C}">
+                <a14:useLocalDpi xmlns:a14="http://schemas.microsoft.com/office/drawing/2010/main" val="0"/>
+              </a:ext>
+            </a:extLst>
+          </a:blip>
+          <a:srcRect r="27138" b="79094"/>
+          <a:stretch/>
+        </p:blipFill>
+        <p:spPr bwMode="auto">
+          <a:xfrm>
+            <a:off x="1791134" y="4851494"/>
+            <a:ext cx="2879875" cy="685014"/>
+          </a:xfrm>
+          <a:prstGeom prst="rect">
+            <a:avLst/>
+          </a:prstGeom>
+          <a:noFill/>
+          <a:extLst>
+            <a:ext uri="{909E8E84-426E-40DD-AFC4-6F175D3DCCD1}">
+              <a14:hiddenFill xmlns:a14="http://schemas.microsoft.com/office/drawing/2010/main">
+                <a:solidFill>
+                  <a:srgbClr val="FFFFFF"/>
+                </a:solidFill>
+              </a14:hiddenFill>
+            </a:ext>
+          </a:extLst>
+        </p:spPr>
+      </p:pic>
+      <p:pic>
+        <p:nvPicPr>
+          <p:cNvPr id="20" name="Picture 4">
+            <a:extLst>
+              <a:ext uri="{FF2B5EF4-FFF2-40B4-BE49-F238E27FC236}">
+                <a16:creationId xmlns:a16="http://schemas.microsoft.com/office/drawing/2014/main" id="{0FA015F4-A633-9106-6595-53C7C5F10B69}"/>
+              </a:ext>
+            </a:extLst>
+          </p:cNvPr>
+          <p:cNvPicPr>
+            <a:picLocks noChangeAspect="1" noChangeArrowheads="1"/>
+          </p:cNvPicPr>
+          <p:nvPr/>
+        </p:nvPicPr>
+        <p:blipFill rotWithShape="1">
+          <a:blip r:embed="rId10">
+            <a:extLst>
+              <a:ext uri="{28A0092B-C50C-407E-A947-70E740481C1C}">
+                <a14:useLocalDpi xmlns:a14="http://schemas.microsoft.com/office/drawing/2010/main" val="0"/>
+              </a:ext>
+            </a:extLst>
+          </a:blip>
+          <a:srcRect r="27256" b="79128"/>
+          <a:stretch/>
+        </p:blipFill>
+        <p:spPr bwMode="auto">
+          <a:xfrm>
+            <a:off x="5061590" y="4869252"/>
+            <a:ext cx="2817941" cy="670282"/>
+          </a:xfrm>
+          <a:prstGeom prst="rect">
+            <a:avLst/>
+          </a:prstGeom>
+          <a:noFill/>
+          <a:extLst>
+            <a:ext uri="{909E8E84-426E-40DD-AFC4-6F175D3DCCD1}">
+              <a14:hiddenFill xmlns:a14="http://schemas.microsoft.com/office/drawing/2010/main">
+                <a:solidFill>
+                  <a:srgbClr val="FFFFFF"/>
+                </a:solidFill>
+              </a14:hiddenFill>
+            </a:ext>
+          </a:extLst>
+        </p:spPr>
+      </p:pic>
+      <p:pic>
+        <p:nvPicPr>
+          <p:cNvPr id="21" name="Picture 6">
+            <a:extLst>
+              <a:ext uri="{FF2B5EF4-FFF2-40B4-BE49-F238E27FC236}">
+                <a16:creationId xmlns:a16="http://schemas.microsoft.com/office/drawing/2014/main" id="{EC1F79F4-2711-9CF5-4C36-6174B7DE0664}"/>
+              </a:ext>
+            </a:extLst>
+          </p:cNvPr>
+          <p:cNvPicPr>
+            <a:picLocks noChangeAspect="1" noChangeArrowheads="1"/>
+          </p:cNvPicPr>
+          <p:nvPr/>
+        </p:nvPicPr>
+        <p:blipFill rotWithShape="1">
+          <a:blip r:embed="rId11">
+            <a:extLst>
+              <a:ext uri="{28A0092B-C50C-407E-A947-70E740481C1C}">
+                <a14:useLocalDpi xmlns:a14="http://schemas.microsoft.com/office/drawing/2010/main" val="0"/>
+              </a:ext>
+            </a:extLst>
+          </a:blip>
+          <a:srcRect r="27244" b="79094"/>
+          <a:stretch/>
+        </p:blipFill>
+        <p:spPr bwMode="auto">
+          <a:xfrm>
+            <a:off x="8464909" y="4855182"/>
+            <a:ext cx="2817941" cy="671263"/>
+          </a:xfrm>
+          <a:prstGeom prst="rect">
+            <a:avLst/>
+          </a:prstGeom>
+          <a:noFill/>
+          <a:extLst>
+            <a:ext uri="{909E8E84-426E-40DD-AFC4-6F175D3DCCD1}">
+              <a14:hiddenFill xmlns:a14="http://schemas.microsoft.com/office/drawing/2010/main">
+                <a:solidFill>
+                  <a:srgbClr val="FFFFFF"/>
+                </a:solidFill>
+              </a14:hiddenFill>
+            </a:ext>
+          </a:extLst>
+        </p:spPr>
+      </p:pic>
+      <p:sp>
+        <p:nvSpPr>
+          <p:cNvPr id="22" name="TextBox 21">
+            <a:extLst>
+              <a:ext uri="{FF2B5EF4-FFF2-40B4-BE49-F238E27FC236}">
+                <a16:creationId xmlns:a16="http://schemas.microsoft.com/office/drawing/2014/main" id="{C9BF4DCB-56F3-B044-4540-F3D9EE973C63}"/>
+              </a:ext>
+            </a:extLst>
+          </p:cNvPr>
+          <p:cNvSpPr txBox="1"/>
+          <p:nvPr/>
+        </p:nvSpPr>
+        <p:spPr>
+          <a:xfrm>
+            <a:off x="756342" y="5080758"/>
+            <a:ext cx="654346" cy="369332"/>
+          </a:xfrm>
+          <a:prstGeom prst="rect">
+            <a:avLst/>
+          </a:prstGeom>
+          <a:noFill/>
+        </p:spPr>
+        <p:txBody>
+          <a:bodyPr wrap="none" rtlCol="0">
+            <a:spAutoFit/>
+          </a:bodyPr>
+          <a:lstStyle/>
+          <a:p>
+            <a:r>
+              <a:rPr lang="en-US" dirty="0"/>
+              <a:t>2c4z</a:t>
+            </a:r>
+          </a:p>
+        </p:txBody>
+      </p:sp>
+      <p:sp>
+        <p:nvSpPr>
+          <p:cNvPr id="23" name="TextBox 22">
+            <a:extLst>
+              <a:ext uri="{FF2B5EF4-FFF2-40B4-BE49-F238E27FC236}">
+                <a16:creationId xmlns:a16="http://schemas.microsoft.com/office/drawing/2014/main" id="{CA6AB460-0A82-79DD-B185-E74A677EBED3}"/>
+              </a:ext>
+            </a:extLst>
+          </p:cNvPr>
+          <p:cNvSpPr txBox="1"/>
+          <p:nvPr/>
+        </p:nvSpPr>
+        <p:spPr>
+          <a:xfrm>
+            <a:off x="367735" y="5810510"/>
+            <a:ext cx="1431560" cy="646331"/>
+          </a:xfrm>
+          <a:prstGeom prst="rect">
+            <a:avLst/>
+          </a:prstGeom>
+          <a:noFill/>
+        </p:spPr>
+        <p:txBody>
+          <a:bodyPr wrap="square" rtlCol="0">
+            <a:spAutoFit/>
+          </a:bodyPr>
+          <a:lstStyle/>
+          <a:p>
+            <a:r>
+              <a:rPr lang="en-US" dirty="0"/>
+              <a:t>2bu1, 2c4q, 2c4y, 2c4z</a:t>
+            </a:r>
+          </a:p>
+        </p:txBody>
+      </p:sp>
+      <p:pic>
+        <p:nvPicPr>
+          <p:cNvPr id="24" name="Picture 2">
+            <a:extLst>
+              <a:ext uri="{FF2B5EF4-FFF2-40B4-BE49-F238E27FC236}">
+                <a16:creationId xmlns:a16="http://schemas.microsoft.com/office/drawing/2014/main" id="{04493734-15C1-8DA9-39A7-B997E1143192}"/>
+              </a:ext>
+            </a:extLst>
+          </p:cNvPr>
+          <p:cNvPicPr>
+            <a:picLocks noChangeAspect="1" noChangeArrowheads="1"/>
+          </p:cNvPicPr>
+          <p:nvPr/>
+        </p:nvPicPr>
+        <p:blipFill rotWithShape="1">
+          <a:blip r:embed="rId12">
+            <a:extLst>
+              <a:ext uri="{28A0092B-C50C-407E-A947-70E740481C1C}">
+                <a14:useLocalDpi xmlns:a14="http://schemas.microsoft.com/office/drawing/2010/main" val="0"/>
+              </a:ext>
+            </a:extLst>
+          </a:blip>
+          <a:srcRect l="-1" r="27319" b="78209"/>
+          <a:stretch/>
+        </p:blipFill>
+        <p:spPr bwMode="auto">
+          <a:xfrm>
+            <a:off x="1791135" y="5748330"/>
+            <a:ext cx="2878756" cy="699752"/>
+          </a:xfrm>
+          <a:prstGeom prst="rect">
+            <a:avLst/>
+          </a:prstGeom>
+          <a:noFill/>
+          <a:extLst>
+            <a:ext uri="{909E8E84-426E-40DD-AFC4-6F175D3DCCD1}">
+              <a14:hiddenFill xmlns:a14="http://schemas.microsoft.com/office/drawing/2010/main">
+                <a:solidFill>
+                  <a:srgbClr val="FFFFFF"/>
+                </a:solidFill>
+              </a14:hiddenFill>
+            </a:ext>
+          </a:extLst>
+        </p:spPr>
+      </p:pic>
+      <p:pic>
+        <p:nvPicPr>
+          <p:cNvPr id="25" name="Picture 4">
+            <a:extLst>
+              <a:ext uri="{FF2B5EF4-FFF2-40B4-BE49-F238E27FC236}">
+                <a16:creationId xmlns:a16="http://schemas.microsoft.com/office/drawing/2014/main" id="{1498BE4E-07BE-E549-B696-895F8B58D6D9}"/>
+              </a:ext>
+            </a:extLst>
+          </p:cNvPr>
+          <p:cNvPicPr>
+            <a:picLocks noChangeAspect="1" noChangeArrowheads="1"/>
+          </p:cNvPicPr>
+          <p:nvPr/>
+        </p:nvPicPr>
+        <p:blipFill rotWithShape="1">
+          <a:blip r:embed="rId13">
+            <a:extLst>
+              <a:ext uri="{28A0092B-C50C-407E-A947-70E740481C1C}">
+                <a14:useLocalDpi xmlns:a14="http://schemas.microsoft.com/office/drawing/2010/main" val="0"/>
+              </a:ext>
+            </a:extLst>
+          </a:blip>
+          <a:srcRect r="25682" b="78030"/>
+          <a:stretch/>
+        </p:blipFill>
+        <p:spPr bwMode="auto">
+          <a:xfrm>
+            <a:off x="5061590" y="5737733"/>
+            <a:ext cx="2879876" cy="705800"/>
+          </a:xfrm>
+          <a:prstGeom prst="rect">
+            <a:avLst/>
+          </a:prstGeom>
+          <a:noFill/>
+          <a:extLst>
+            <a:ext uri="{909E8E84-426E-40DD-AFC4-6F175D3DCCD1}">
+              <a14:hiddenFill xmlns:a14="http://schemas.microsoft.com/office/drawing/2010/main">
+                <a:solidFill>
+                  <a:srgbClr val="FFFFFF"/>
+                </a:solidFill>
+              </a14:hiddenFill>
+            </a:ext>
+          </a:extLst>
+        </p:spPr>
+      </p:pic>
+      <p:pic>
+        <p:nvPicPr>
+          <p:cNvPr id="26" name="Picture 6">
+            <a:extLst>
+              <a:ext uri="{FF2B5EF4-FFF2-40B4-BE49-F238E27FC236}">
+                <a16:creationId xmlns:a16="http://schemas.microsoft.com/office/drawing/2014/main" id="{3DC999CF-98BE-EFDD-2181-D7ACC583A5FD}"/>
+              </a:ext>
+            </a:extLst>
+          </p:cNvPr>
+          <p:cNvPicPr>
+            <a:picLocks noChangeAspect="1" noChangeArrowheads="1"/>
+          </p:cNvPicPr>
+          <p:nvPr/>
+        </p:nvPicPr>
+        <p:blipFill rotWithShape="1">
+          <a:blip r:embed="rId14">
+            <a:extLst>
+              <a:ext uri="{28A0092B-C50C-407E-A947-70E740481C1C}">
+                <a14:useLocalDpi xmlns:a14="http://schemas.microsoft.com/office/drawing/2010/main" val="0"/>
+              </a:ext>
+            </a:extLst>
+          </a:blip>
+          <a:srcRect r="25630" b="78030"/>
+          <a:stretch/>
+        </p:blipFill>
+        <p:spPr bwMode="auto">
+          <a:xfrm>
+            <a:off x="8464909" y="5735645"/>
+            <a:ext cx="2817941" cy="690137"/>
+          </a:xfrm>
+          <a:prstGeom prst="rect">
+            <a:avLst/>
+          </a:prstGeom>
+          <a:noFill/>
+          <a:extLst>
+            <a:ext uri="{909E8E84-426E-40DD-AFC4-6F175D3DCCD1}">
+              <a14:hiddenFill xmlns:a14="http://schemas.microsoft.com/office/drawing/2010/main">
+                <a:solidFill>
+                  <a:srgbClr val="FFFFFF"/>
+                </a:solidFill>
+              </a14:hiddenFill>
+            </a:ext>
+          </a:extLst>
+        </p:spPr>
+      </p:pic>
+      <p:pic>
+        <p:nvPicPr>
+          <p:cNvPr id="3" name="Picture 2">
+            <a:extLst>
+              <a:ext uri="{FF2B5EF4-FFF2-40B4-BE49-F238E27FC236}">
+                <a16:creationId xmlns:a16="http://schemas.microsoft.com/office/drawing/2014/main" id="{BDF4DE53-2D8E-7B83-E84E-D8D3E277A6D9}"/>
+              </a:ext>
+            </a:extLst>
+          </p:cNvPr>
+          <p:cNvPicPr>
+            <a:picLocks noChangeAspect="1" noChangeArrowheads="1"/>
+          </p:cNvPicPr>
+          <p:nvPr/>
+        </p:nvPicPr>
+        <p:blipFill rotWithShape="1">
+          <a:blip r:embed="rId15">
+            <a:extLst>
+              <a:ext uri="{28A0092B-C50C-407E-A947-70E740481C1C}">
+                <a14:useLocalDpi xmlns:a14="http://schemas.microsoft.com/office/drawing/2010/main" val="0"/>
+              </a:ext>
+            </a:extLst>
+          </a:blip>
+          <a:srcRect r="26909" b="79021"/>
+          <a:stretch/>
+        </p:blipFill>
+        <p:spPr bwMode="auto">
+          <a:xfrm>
+            <a:off x="1791134" y="3921088"/>
+            <a:ext cx="2878757" cy="685015"/>
+          </a:xfrm>
+          <a:prstGeom prst="rect">
+            <a:avLst/>
+          </a:prstGeom>
+          <a:noFill/>
+          <a:extLst>
+            <a:ext uri="{909E8E84-426E-40DD-AFC4-6F175D3DCCD1}">
+              <a14:hiddenFill xmlns:a14="http://schemas.microsoft.com/office/drawing/2010/main">
+                <a:solidFill>
+                  <a:srgbClr val="FFFFFF"/>
+                </a:solidFill>
+              </a14:hiddenFill>
+            </a:ext>
+          </a:extLst>
+        </p:spPr>
+      </p:pic>
+      <p:pic>
+        <p:nvPicPr>
+          <p:cNvPr id="27" name="Picture 4">
+            <a:extLst>
+              <a:ext uri="{FF2B5EF4-FFF2-40B4-BE49-F238E27FC236}">
+                <a16:creationId xmlns:a16="http://schemas.microsoft.com/office/drawing/2014/main" id="{15DEE40A-77A2-C9CC-B496-0CFC852FBDA3}"/>
+              </a:ext>
+            </a:extLst>
+          </p:cNvPr>
+          <p:cNvPicPr>
+            <a:picLocks noChangeAspect="1" noChangeArrowheads="1"/>
+          </p:cNvPicPr>
+          <p:nvPr/>
+        </p:nvPicPr>
+        <p:blipFill rotWithShape="1">
+          <a:blip r:embed="rId16">
+            <a:extLst>
+              <a:ext uri="{28A0092B-C50C-407E-A947-70E740481C1C}">
+                <a14:useLocalDpi xmlns:a14="http://schemas.microsoft.com/office/drawing/2010/main" val="0"/>
+              </a:ext>
+            </a:extLst>
+          </a:blip>
+          <a:srcRect r="26909" b="78244"/>
+          <a:stretch/>
+        </p:blipFill>
+        <p:spPr bwMode="auto">
+          <a:xfrm>
+            <a:off x="5061590" y="3931588"/>
+            <a:ext cx="2878757" cy="710368"/>
+          </a:xfrm>
+          <a:prstGeom prst="rect">
+            <a:avLst/>
+          </a:prstGeom>
+          <a:noFill/>
+          <a:extLst>
+            <a:ext uri="{909E8E84-426E-40DD-AFC4-6F175D3DCCD1}">
+              <a14:hiddenFill xmlns:a14="http://schemas.microsoft.com/office/drawing/2010/main">
+                <a:solidFill>
+                  <a:srgbClr val="FFFFFF"/>
+                </a:solidFill>
+              </a14:hiddenFill>
+            </a:ext>
+          </a:extLst>
+        </p:spPr>
+      </p:pic>
+      <p:pic>
+        <p:nvPicPr>
+          <p:cNvPr id="28" name="Picture 6">
+            <a:extLst>
+              <a:ext uri="{FF2B5EF4-FFF2-40B4-BE49-F238E27FC236}">
+                <a16:creationId xmlns:a16="http://schemas.microsoft.com/office/drawing/2014/main" id="{E5AFA259-00AB-3150-C96E-3BF225C61F68}"/>
+              </a:ext>
+            </a:extLst>
+          </p:cNvPr>
+          <p:cNvPicPr>
+            <a:picLocks noChangeAspect="1" noChangeArrowheads="1"/>
+          </p:cNvPicPr>
+          <p:nvPr/>
+        </p:nvPicPr>
+        <p:blipFill rotWithShape="1">
+          <a:blip r:embed="rId17">
+            <a:extLst>
+              <a:ext uri="{28A0092B-C50C-407E-A947-70E740481C1C}">
+                <a14:useLocalDpi xmlns:a14="http://schemas.microsoft.com/office/drawing/2010/main" val="0"/>
+              </a:ext>
+            </a:extLst>
+          </a:blip>
+          <a:srcRect r="26829" b="78864"/>
+          <a:stretch/>
+        </p:blipFill>
+        <p:spPr bwMode="auto">
+          <a:xfrm>
+            <a:off x="8464909" y="3915966"/>
+            <a:ext cx="2881894" cy="690137"/>
+          </a:xfrm>
+          <a:prstGeom prst="rect">
+            <a:avLst/>
+          </a:prstGeom>
+          <a:noFill/>
+          <a:extLst>
+            <a:ext uri="{909E8E84-426E-40DD-AFC4-6F175D3DCCD1}">
+              <a14:hiddenFill xmlns:a14="http://schemas.microsoft.com/office/drawing/2010/main">
+                <a:solidFill>
+                  <a:srgbClr val="FFFFFF"/>
+                </a:solidFill>
+              </a14:hiddenFill>
+            </a:ext>
+          </a:extLst>
+        </p:spPr>
+      </p:pic>
+      <p:sp>
+        <p:nvSpPr>
+          <p:cNvPr id="16" name="Oval 15">
+            <a:extLst>
+              <a:ext uri="{FF2B5EF4-FFF2-40B4-BE49-F238E27FC236}">
+                <a16:creationId xmlns:a16="http://schemas.microsoft.com/office/drawing/2014/main" id="{B51D4CFA-DA88-834C-A63A-BAA01B86F7C5}"/>
+              </a:ext>
+            </a:extLst>
+          </p:cNvPr>
+          <p:cNvSpPr/>
+          <p:nvPr/>
+        </p:nvSpPr>
+        <p:spPr>
+          <a:xfrm>
+            <a:off x="1966126" y="5838421"/>
+            <a:ext cx="356612" cy="699752"/>
+          </a:xfrm>
+          <a:prstGeom prst="ellipse">
+            <a:avLst/>
+          </a:prstGeom>
+          <a:noFill/>
+          <a:ln w="38100">
+            <a:solidFill>
+              <a:srgbClr val="FF0000"/>
+            </a:solidFill>
+          </a:ln>
+        </p:spPr>
+        <p:style>
+          <a:lnRef idx="2">
+            <a:schemeClr val="accent1">
+              <a:shade val="15000"/>
+            </a:schemeClr>
+          </a:lnRef>
+          <a:fillRef idx="1">
+            <a:schemeClr val="accent1"/>
+          </a:fillRef>
+          <a:effectRef idx="0">
+            <a:schemeClr val="accent1"/>
+          </a:effectRef>
+          <a:fontRef idx="minor">
+            <a:schemeClr val="lt1"/>
+          </a:fontRef>
+        </p:style>
+        <p:txBody>
+          <a:bodyPr rtlCol="0" anchor="ctr"/>
+          <a:lstStyle/>
+          <a:p>
+            <a:pPr algn="ctr"/>
+            <a:endParaRPr lang="en-US"/>
+          </a:p>
+        </p:txBody>
+      </p:sp>
+      <p:sp>
+        <p:nvSpPr>
+          <p:cNvPr id="17" name="Oval 16">
+            <a:extLst>
+              <a:ext uri="{FF2B5EF4-FFF2-40B4-BE49-F238E27FC236}">
+                <a16:creationId xmlns:a16="http://schemas.microsoft.com/office/drawing/2014/main" id="{012EA8AF-30A5-1CD8-BFD4-C54C98B4BC5E}"/>
+              </a:ext>
+            </a:extLst>
+          </p:cNvPr>
+          <p:cNvSpPr/>
+          <p:nvPr/>
+        </p:nvSpPr>
+        <p:spPr>
+          <a:xfrm>
+            <a:off x="3640349" y="4984195"/>
+            <a:ext cx="603848" cy="220198"/>
+          </a:xfrm>
+          <a:prstGeom prst="ellipse">
+            <a:avLst/>
+          </a:prstGeom>
+          <a:noFill/>
+          <a:ln w="38100">
+            <a:solidFill>
+              <a:srgbClr val="FF0000"/>
+            </a:solidFill>
+          </a:ln>
+        </p:spPr>
+        <p:style>
+          <a:lnRef idx="2">
+            <a:schemeClr val="accent1">
+              <a:shade val="15000"/>
+            </a:schemeClr>
+          </a:lnRef>
+          <a:fillRef idx="1">
+            <a:schemeClr val="accent1"/>
+          </a:fillRef>
+          <a:effectRef idx="0">
+            <a:schemeClr val="accent1"/>
+          </a:effectRef>
+          <a:fontRef idx="minor">
+            <a:schemeClr val="lt1"/>
+          </a:fontRef>
+        </p:style>
+        <p:txBody>
+          <a:bodyPr rtlCol="0" anchor="ctr"/>
+          <a:lstStyle/>
+          <a:p>
+            <a:pPr algn="ctr"/>
+            <a:endParaRPr lang="en-US"/>
+          </a:p>
+        </p:txBody>
+      </p:sp>
+      <p:sp>
+        <p:nvSpPr>
+          <p:cNvPr id="18" name="Oval 17">
+            <a:extLst>
+              <a:ext uri="{FF2B5EF4-FFF2-40B4-BE49-F238E27FC236}">
+                <a16:creationId xmlns:a16="http://schemas.microsoft.com/office/drawing/2014/main" id="{D8753718-F177-C008-BFDC-EB2EB31A29A7}"/>
+              </a:ext>
+            </a:extLst>
+          </p:cNvPr>
+          <p:cNvSpPr/>
+          <p:nvPr/>
+        </p:nvSpPr>
+        <p:spPr>
+          <a:xfrm>
+            <a:off x="3640348" y="4083412"/>
+            <a:ext cx="544450" cy="220198"/>
+          </a:xfrm>
+          <a:prstGeom prst="ellipse">
+            <a:avLst/>
+          </a:prstGeom>
+          <a:noFill/>
+          <a:ln w="38100">
+            <a:solidFill>
+              <a:srgbClr val="FF0000"/>
+            </a:solidFill>
+          </a:ln>
+        </p:spPr>
+        <p:style>
+          <a:lnRef idx="2">
+            <a:schemeClr val="accent1">
+              <a:shade val="15000"/>
+            </a:schemeClr>
+          </a:lnRef>
+          <a:fillRef idx="1">
+            <a:schemeClr val="accent1"/>
+          </a:fillRef>
+          <a:effectRef idx="0">
+            <a:schemeClr val="accent1"/>
+          </a:effectRef>
+          <a:fontRef idx="minor">
+            <a:schemeClr val="lt1"/>
+          </a:fontRef>
+        </p:style>
+        <p:txBody>
+          <a:bodyPr rtlCol="0" anchor="ctr"/>
+          <a:lstStyle/>
+          <a:p>
+            <a:pPr algn="ctr"/>
+            <a:endParaRPr lang="en-US"/>
+          </a:p>
+        </p:txBody>
+      </p:sp>
+      <p:sp>
+        <p:nvSpPr>
+          <p:cNvPr id="29" name="Oval 28">
+            <a:extLst>
+              <a:ext uri="{FF2B5EF4-FFF2-40B4-BE49-F238E27FC236}">
+                <a16:creationId xmlns:a16="http://schemas.microsoft.com/office/drawing/2014/main" id="{6F98D04E-FCB7-B550-6C55-AE720E9A5EB1}"/>
+              </a:ext>
+            </a:extLst>
+          </p:cNvPr>
+          <p:cNvSpPr/>
+          <p:nvPr/>
+        </p:nvSpPr>
+        <p:spPr>
+          <a:xfrm>
+            <a:off x="3640349" y="3176038"/>
+            <a:ext cx="559306" cy="220198"/>
+          </a:xfrm>
+          <a:prstGeom prst="ellipse">
+            <a:avLst/>
+          </a:prstGeom>
+          <a:noFill/>
+          <a:ln w="38100">
+            <a:solidFill>
+              <a:srgbClr val="FF0000"/>
+            </a:solidFill>
+          </a:ln>
+        </p:spPr>
+        <p:style>
+          <a:lnRef idx="2">
+            <a:schemeClr val="accent1">
+              <a:shade val="15000"/>
+            </a:schemeClr>
+          </a:lnRef>
+          <a:fillRef idx="1">
+            <a:schemeClr val="accent1"/>
+          </a:fillRef>
+          <a:effectRef idx="0">
+            <a:schemeClr val="accent1"/>
+          </a:effectRef>
+          <a:fontRef idx="minor">
+            <a:schemeClr val="lt1"/>
+          </a:fontRef>
+        </p:style>
+        <p:txBody>
+          <a:bodyPr rtlCol="0" anchor="ctr"/>
+          <a:lstStyle/>
+          <a:p>
+            <a:pPr algn="ctr"/>
+            <a:endParaRPr lang="en-US"/>
+          </a:p>
+        </p:txBody>
+      </p:sp>
+      <p:sp>
+        <p:nvSpPr>
+          <p:cNvPr id="30" name="Oval 29">
+            <a:extLst>
+              <a:ext uri="{FF2B5EF4-FFF2-40B4-BE49-F238E27FC236}">
+                <a16:creationId xmlns:a16="http://schemas.microsoft.com/office/drawing/2014/main" id="{FA7A265F-6861-A857-526B-BD2F802D9966}"/>
+              </a:ext>
+            </a:extLst>
+          </p:cNvPr>
+          <p:cNvSpPr/>
+          <p:nvPr/>
+        </p:nvSpPr>
+        <p:spPr>
+          <a:xfrm>
+            <a:off x="3640348" y="2281020"/>
+            <a:ext cx="559307" cy="220198"/>
+          </a:xfrm>
+          <a:prstGeom prst="ellipse">
+            <a:avLst/>
+          </a:prstGeom>
+          <a:noFill/>
+          <a:ln w="38100">
+            <a:solidFill>
+              <a:srgbClr val="FF0000"/>
+            </a:solidFill>
+          </a:ln>
+        </p:spPr>
+        <p:style>
+          <a:lnRef idx="2">
+            <a:schemeClr val="accent1">
+              <a:shade val="15000"/>
+            </a:schemeClr>
+          </a:lnRef>
+          <a:fillRef idx="1">
+            <a:schemeClr val="accent1"/>
+          </a:fillRef>
+          <a:effectRef idx="0">
+            <a:schemeClr val="accent1"/>
+          </a:effectRef>
+          <a:fontRef idx="minor">
+            <a:schemeClr val="lt1"/>
+          </a:fontRef>
+        </p:style>
+        <p:txBody>
+          <a:bodyPr rtlCol="0" anchor="ctr"/>
+          <a:lstStyle/>
+          <a:p>
+            <a:pPr algn="ctr"/>
+            <a:endParaRPr lang="en-US"/>
+          </a:p>
+        </p:txBody>
+      </p:sp>
+      <p:sp>
+        <p:nvSpPr>
+          <p:cNvPr id="31" name="Oval 30">
+            <a:extLst>
+              <a:ext uri="{FF2B5EF4-FFF2-40B4-BE49-F238E27FC236}">
+                <a16:creationId xmlns:a16="http://schemas.microsoft.com/office/drawing/2014/main" id="{07DF594B-7653-11D0-C111-6987AAFA48F2}"/>
+              </a:ext>
+            </a:extLst>
+          </p:cNvPr>
+          <p:cNvSpPr/>
+          <p:nvPr/>
+        </p:nvSpPr>
+        <p:spPr>
+          <a:xfrm>
+            <a:off x="2901680" y="5356560"/>
+            <a:ext cx="205810" cy="224994"/>
+          </a:xfrm>
+          <a:prstGeom prst="ellipse">
+            <a:avLst/>
+          </a:prstGeom>
+          <a:noFill/>
+          <a:ln w="38100">
+            <a:solidFill>
+              <a:srgbClr val="FF0000"/>
+            </a:solidFill>
+          </a:ln>
+        </p:spPr>
+        <p:style>
+          <a:lnRef idx="2">
+            <a:schemeClr val="accent1">
+              <a:shade val="15000"/>
+            </a:schemeClr>
+          </a:lnRef>
+          <a:fillRef idx="1">
+            <a:schemeClr val="accent1"/>
+          </a:fillRef>
+          <a:effectRef idx="0">
+            <a:schemeClr val="accent1"/>
+          </a:effectRef>
+          <a:fontRef idx="minor">
+            <a:schemeClr val="lt1"/>
+          </a:fontRef>
+        </p:style>
+        <p:txBody>
+          <a:bodyPr rtlCol="0" anchor="ctr"/>
+          <a:lstStyle/>
+          <a:p>
+            <a:pPr algn="ctr"/>
+            <a:endParaRPr lang="en-US"/>
+          </a:p>
+        </p:txBody>
+      </p:sp>
+      <p:sp>
+        <p:nvSpPr>
+          <p:cNvPr id="32" name="Oval 31">
+            <a:extLst>
+              <a:ext uri="{FF2B5EF4-FFF2-40B4-BE49-F238E27FC236}">
+                <a16:creationId xmlns:a16="http://schemas.microsoft.com/office/drawing/2014/main" id="{49A091F2-7BED-0B3B-4A11-2C04F78D3C86}"/>
+              </a:ext>
+            </a:extLst>
+          </p:cNvPr>
+          <p:cNvSpPr/>
+          <p:nvPr/>
+        </p:nvSpPr>
+        <p:spPr>
+          <a:xfrm>
+            <a:off x="2901680" y="4440674"/>
+            <a:ext cx="205810" cy="224994"/>
+          </a:xfrm>
+          <a:prstGeom prst="ellipse">
+            <a:avLst/>
+          </a:prstGeom>
+          <a:noFill/>
+          <a:ln w="38100">
+            <a:solidFill>
+              <a:srgbClr val="FF0000"/>
+            </a:solidFill>
+          </a:ln>
+        </p:spPr>
+        <p:style>
+          <a:lnRef idx="2">
+            <a:schemeClr val="accent1">
+              <a:shade val="15000"/>
+            </a:schemeClr>
+          </a:lnRef>
+          <a:fillRef idx="1">
+            <a:schemeClr val="accent1"/>
+          </a:fillRef>
+          <a:effectRef idx="0">
+            <a:schemeClr val="accent1"/>
+          </a:effectRef>
+          <a:fontRef idx="minor">
+            <a:schemeClr val="lt1"/>
+          </a:fontRef>
+        </p:style>
+        <p:txBody>
+          <a:bodyPr rtlCol="0" anchor="ctr"/>
+          <a:lstStyle/>
+          <a:p>
+            <a:pPr algn="ctr"/>
+            <a:endParaRPr lang="en-US"/>
+          </a:p>
+        </p:txBody>
+      </p:sp>
+      <p:sp>
+        <p:nvSpPr>
+          <p:cNvPr id="33" name="Oval 32">
+            <a:extLst>
+              <a:ext uri="{FF2B5EF4-FFF2-40B4-BE49-F238E27FC236}">
+                <a16:creationId xmlns:a16="http://schemas.microsoft.com/office/drawing/2014/main" id="{5A246587-8E12-98DF-E428-1C86AF14D70E}"/>
+              </a:ext>
+            </a:extLst>
+          </p:cNvPr>
+          <p:cNvSpPr/>
+          <p:nvPr/>
+        </p:nvSpPr>
+        <p:spPr>
+          <a:xfrm>
+            <a:off x="2901680" y="3527483"/>
+            <a:ext cx="205810" cy="224994"/>
+          </a:xfrm>
+          <a:prstGeom prst="ellipse">
+            <a:avLst/>
+          </a:prstGeom>
+          <a:noFill/>
+          <a:ln w="38100">
+            <a:solidFill>
+              <a:srgbClr val="FF0000"/>
+            </a:solidFill>
+          </a:ln>
+        </p:spPr>
+        <p:style>
+          <a:lnRef idx="2">
+            <a:schemeClr val="accent1">
+              <a:shade val="15000"/>
+            </a:schemeClr>
+          </a:lnRef>
+          <a:fillRef idx="1">
+            <a:schemeClr val="accent1"/>
+          </a:fillRef>
+          <a:effectRef idx="0">
+            <a:schemeClr val="accent1"/>
+          </a:effectRef>
+          <a:fontRef idx="minor">
+            <a:schemeClr val="lt1"/>
+          </a:fontRef>
+        </p:style>
+        <p:txBody>
+          <a:bodyPr rtlCol="0" anchor="ctr"/>
+          <a:lstStyle/>
+          <a:p>
+            <a:pPr algn="ctr"/>
+            <a:endParaRPr lang="en-US"/>
+          </a:p>
+        </p:txBody>
+      </p:sp>
+      <p:sp>
+        <p:nvSpPr>
+          <p:cNvPr id="34" name="Oval 33">
+            <a:extLst>
+              <a:ext uri="{FF2B5EF4-FFF2-40B4-BE49-F238E27FC236}">
+                <a16:creationId xmlns:a16="http://schemas.microsoft.com/office/drawing/2014/main" id="{47FF3850-4B22-7966-8F54-B2780C3B114C}"/>
+              </a:ext>
+            </a:extLst>
+          </p:cNvPr>
+          <p:cNvSpPr/>
+          <p:nvPr/>
+        </p:nvSpPr>
+        <p:spPr>
+          <a:xfrm>
+            <a:off x="2910680" y="2649512"/>
+            <a:ext cx="205810" cy="224994"/>
+          </a:xfrm>
+          <a:prstGeom prst="ellipse">
+            <a:avLst/>
+          </a:prstGeom>
+          <a:noFill/>
+          <a:ln w="38100">
+            <a:solidFill>
+              <a:srgbClr val="FF0000"/>
+            </a:solidFill>
+          </a:ln>
+        </p:spPr>
+        <p:style>
+          <a:lnRef idx="2">
+            <a:schemeClr val="accent1">
+              <a:shade val="15000"/>
+            </a:schemeClr>
+          </a:lnRef>
+          <a:fillRef idx="1">
+            <a:schemeClr val="accent1"/>
+          </a:fillRef>
+          <a:effectRef idx="0">
+            <a:schemeClr val="accent1"/>
+          </a:effectRef>
+          <a:fontRef idx="minor">
+            <a:schemeClr val="lt1"/>
+          </a:fontRef>
+        </p:style>
+        <p:txBody>
+          <a:bodyPr rtlCol="0" anchor="ctr"/>
+          <a:lstStyle/>
+          <a:p>
+            <a:pPr algn="ctr"/>
+            <a:endParaRPr lang="en-US"/>
+          </a:p>
+        </p:txBody>
+      </p:sp>
+      <p:sp>
+        <p:nvSpPr>
+          <p:cNvPr id="35" name="Oval 34">
+            <a:extLst>
+              <a:ext uri="{FF2B5EF4-FFF2-40B4-BE49-F238E27FC236}">
+                <a16:creationId xmlns:a16="http://schemas.microsoft.com/office/drawing/2014/main" id="{DD5D3760-4ECB-3C66-4F17-1618AAC9A28A}"/>
+              </a:ext>
+            </a:extLst>
+          </p:cNvPr>
+          <p:cNvSpPr/>
+          <p:nvPr/>
+        </p:nvSpPr>
+        <p:spPr>
+          <a:xfrm>
+            <a:off x="2910680" y="6258609"/>
+            <a:ext cx="205810" cy="224994"/>
+          </a:xfrm>
+          <a:prstGeom prst="ellipse">
+            <a:avLst/>
+          </a:prstGeom>
+          <a:noFill/>
+          <a:ln w="38100">
+            <a:solidFill>
+              <a:srgbClr val="FF0000"/>
+            </a:solidFill>
+          </a:ln>
+        </p:spPr>
+        <p:style>
+          <a:lnRef idx="2">
+            <a:schemeClr val="accent1">
+              <a:shade val="15000"/>
+            </a:schemeClr>
+          </a:lnRef>
+          <a:fillRef idx="1">
+            <a:schemeClr val="accent1"/>
+          </a:fillRef>
+          <a:effectRef idx="0">
+            <a:schemeClr val="accent1"/>
+          </a:effectRef>
+          <a:fontRef idx="minor">
+            <a:schemeClr val="lt1"/>
+          </a:fontRef>
+        </p:style>
+        <p:txBody>
+          <a:bodyPr rtlCol="0" anchor="ctr"/>
+          <a:lstStyle/>
+          <a:p>
+            <a:pPr algn="ctr"/>
+            <a:endParaRPr lang="en-US"/>
+          </a:p>
+        </p:txBody>
+      </p:sp>
     </p:spTree>
     <p:extLst>
       <p:ext uri="{BB962C8B-B14F-4D97-AF65-F5344CB8AC3E}">
-        <p14:creationId xmlns:p14="http://schemas.microsoft.com/office/powerpoint/2010/main" val="1467754732"/>
+        <p14:creationId xmlns:p14="http://schemas.microsoft.com/office/powerpoint/2010/main" val="298736433"/>
       </p:ext>
     </p:extLst>
   </p:cSld>
@@ -4501,7 +6654,7 @@
           <p:cNvPr id="2" name="Title 1">
             <a:extLst>
               <a:ext uri="{FF2B5EF4-FFF2-40B4-BE49-F238E27FC236}">
-                <a16:creationId xmlns:a16="http://schemas.microsoft.com/office/drawing/2014/main" id="{6BDAB852-1ACC-74C7-6228-9D23450376E0}"/>
+                <a16:creationId xmlns:a16="http://schemas.microsoft.com/office/drawing/2014/main" id="{187F0C08-FC98-1A64-D6CB-6631A898A06B}"/>
               </a:ext>
             </a:extLst>
           </p:cNvPr>
@@ -4519,17 +6672,17 @@
           <a:p>
             <a:r>
               <a:rPr lang="en-US" dirty="0"/>
-              <a:t>2c4q Phi &amp; Gamma Graphs</a:t>
-            </a:r>
-          </a:p>
-        </p:txBody>
-      </p:sp>
-      <p:sp>
-        <p:nvSpPr>
-          <p:cNvPr id="5" name="TextBox 4">
-            <a:extLst>
-              <a:ext uri="{FF2B5EF4-FFF2-40B4-BE49-F238E27FC236}">
-                <a16:creationId xmlns:a16="http://schemas.microsoft.com/office/drawing/2014/main" id="{B105CE69-AD9E-B41F-3C2D-429C7D534E7E}"/>
+              <a:t>1_Mutations: 2c4q, 2bu1, 2c4y, 2c4z</a:t>
+            </a:r>
+          </a:p>
+        </p:txBody>
+      </p:sp>
+      <p:sp>
+        <p:nvSpPr>
+          <p:cNvPr id="18" name="TextBox 17">
+            <a:extLst>
+              <a:ext uri="{FF2B5EF4-FFF2-40B4-BE49-F238E27FC236}">
+                <a16:creationId xmlns:a16="http://schemas.microsoft.com/office/drawing/2014/main" id="{748269DC-3F61-36ED-D5F6-BD5A53F77A44}"/>
               </a:ext>
             </a:extLst>
           </p:cNvPr>
@@ -4538,103 +6691,33 @@
         </p:nvSpPr>
         <p:spPr>
           <a:xfrm>
-            <a:off x="766913" y="2274516"/>
-            <a:ext cx="2539221" cy="369332"/>
-          </a:xfrm>
-          <a:prstGeom prst="rect">
-            <a:avLst/>
-          </a:prstGeom>
-          <a:noFill/>
-        </p:spPr>
-        <p:txBody>
-          <a:bodyPr wrap="none" rtlCol="0">
+            <a:off x="1164345" y="2648595"/>
+            <a:ext cx="762000" cy="369332"/>
+          </a:xfrm>
+          <a:prstGeom prst="rect">
+            <a:avLst/>
+          </a:prstGeom>
+          <a:noFill/>
+        </p:spPr>
+        <p:txBody>
+          <a:bodyPr wrap="square" rtlCol="0">
             <a:spAutoFit/>
           </a:bodyPr>
           <a:lstStyle/>
           <a:p>
             <a:r>
               <a:rPr lang="en-US" dirty="0"/>
-              <a:t>Gamma Randomization</a:t>
-            </a:r>
-          </a:p>
-        </p:txBody>
-      </p:sp>
-      <p:sp>
-        <p:nvSpPr>
-          <p:cNvPr id="6" name="TextBox 5">
-            <a:extLst>
-              <a:ext uri="{FF2B5EF4-FFF2-40B4-BE49-F238E27FC236}">
-                <a16:creationId xmlns:a16="http://schemas.microsoft.com/office/drawing/2014/main" id="{04EB601B-F26A-FA8B-BB61-73D43C5F55B0}"/>
-              </a:ext>
-            </a:extLst>
-          </p:cNvPr>
-          <p:cNvSpPr txBox="1"/>
-          <p:nvPr/>
-        </p:nvSpPr>
-        <p:spPr>
-          <a:xfrm>
-            <a:off x="5424726" y="2274516"/>
-            <a:ext cx="1342547" cy="369332"/>
-          </a:xfrm>
-          <a:prstGeom prst="rect">
-            <a:avLst/>
-          </a:prstGeom>
-          <a:noFill/>
-        </p:spPr>
-        <p:txBody>
-          <a:bodyPr wrap="none" rtlCol="0">
-            <a:spAutoFit/>
-          </a:bodyPr>
-          <a:lstStyle/>
-          <a:p>
-            <a:r>
-              <a:rPr lang="en-US" dirty="0"/>
-              <a:t>Phis Native</a:t>
-            </a:r>
-          </a:p>
-        </p:txBody>
-      </p:sp>
-      <p:sp>
-        <p:nvSpPr>
-          <p:cNvPr id="7" name="TextBox 6">
-            <a:extLst>
-              <a:ext uri="{FF2B5EF4-FFF2-40B4-BE49-F238E27FC236}">
-                <a16:creationId xmlns:a16="http://schemas.microsoft.com/office/drawing/2014/main" id="{A2439339-BB0C-1909-D306-569CB9330556}"/>
-              </a:ext>
-            </a:extLst>
-          </p:cNvPr>
-          <p:cNvSpPr txBox="1"/>
-          <p:nvPr/>
-        </p:nvSpPr>
-        <p:spPr>
-          <a:xfrm>
-            <a:off x="9511231" y="2274516"/>
-            <a:ext cx="1288494" cy="369332"/>
-          </a:xfrm>
-          <a:prstGeom prst="rect">
-            <a:avLst/>
-          </a:prstGeom>
-          <a:noFill/>
-        </p:spPr>
-        <p:txBody>
-          <a:bodyPr wrap="none" rtlCol="0">
-            <a:spAutoFit/>
-          </a:bodyPr>
-          <a:lstStyle/>
-          <a:p>
-            <a:r>
-              <a:rPr lang="en-US" dirty="0"/>
-              <a:t>Phis Decoy</a:t>
+              <a:t>2bu1</a:t>
             </a:r>
           </a:p>
         </p:txBody>
       </p:sp>
       <p:pic>
         <p:nvPicPr>
-          <p:cNvPr id="1026" name="Picture 2">
-            <a:extLst>
-              <a:ext uri="{FF2B5EF4-FFF2-40B4-BE49-F238E27FC236}">
-                <a16:creationId xmlns:a16="http://schemas.microsoft.com/office/drawing/2014/main" id="{828BA61C-0A76-09BF-A1E1-AAFE0659454C}"/>
+          <p:cNvPr id="19" name="Picture 2">
+            <a:extLst>
+              <a:ext uri="{FF2B5EF4-FFF2-40B4-BE49-F238E27FC236}">
+                <a16:creationId xmlns:a16="http://schemas.microsoft.com/office/drawing/2014/main" id="{AA9E4CBD-324F-1AD2-E3FA-3D545D6B2E9A}"/>
               </a:ext>
             </a:extLst>
           </p:cNvPr>
@@ -4644,7 +6727,7 @@
           <p:nvPr/>
         </p:nvPicPr>
         <p:blipFill>
-          <a:blip r:embed="rId3">
+          <a:blip r:embed="rId2">
             <a:extLst>
               <a:ext uri="{28A0092B-C50C-407E-A947-70E740481C1C}">
                 <a14:useLocalDpi xmlns:a14="http://schemas.microsoft.com/office/drawing/2010/main" val="0"/>
@@ -4658,8 +6741,8 @@
         </p:blipFill>
         <p:spPr bwMode="auto">
           <a:xfrm>
-            <a:off x="-27439" y="2909127"/>
-            <a:ext cx="4127927" cy="3422158"/>
+            <a:off x="7401498" y="1651111"/>
+            <a:ext cx="3325326" cy="2364299"/>
           </a:xfrm>
           <a:prstGeom prst="rect">
             <a:avLst/>
@@ -4678,10 +6761,10 @@
       </p:pic>
       <p:pic>
         <p:nvPicPr>
-          <p:cNvPr id="1028" name="Picture 4">
-            <a:extLst>
-              <a:ext uri="{FF2B5EF4-FFF2-40B4-BE49-F238E27FC236}">
-                <a16:creationId xmlns:a16="http://schemas.microsoft.com/office/drawing/2014/main" id="{0F67F769-A994-E5C4-EE76-1994B88EC7F0}"/>
+          <p:cNvPr id="20" name="Picture 2">
+            <a:extLst>
+              <a:ext uri="{FF2B5EF4-FFF2-40B4-BE49-F238E27FC236}">
+                <a16:creationId xmlns:a16="http://schemas.microsoft.com/office/drawing/2014/main" id="{C3B6338D-0D99-94F2-1840-E2E45F995DF1}"/>
               </a:ext>
             </a:extLst>
           </p:cNvPr>
@@ -4691,7 +6774,7 @@
           <p:nvPr/>
         </p:nvPicPr>
         <p:blipFill>
-          <a:blip r:embed="rId4">
+          <a:blip r:embed="rId3">
             <a:extLst>
               <a:ext uri="{28A0092B-C50C-407E-A947-70E740481C1C}">
                 <a14:useLocalDpi xmlns:a14="http://schemas.microsoft.com/office/drawing/2010/main" val="0"/>
@@ -4705,8 +6788,8 @@
         </p:blipFill>
         <p:spPr bwMode="auto">
           <a:xfrm>
-            <a:off x="4032036" y="2909128"/>
-            <a:ext cx="4127928" cy="3422159"/>
+            <a:off x="2298921" y="1651112"/>
+            <a:ext cx="3325327" cy="2364299"/>
           </a:xfrm>
           <a:prstGeom prst="rect">
             <a:avLst/>
@@ -4723,12 +6806,47 @@
           </a:extLst>
         </p:spPr>
       </p:pic>
+      <p:sp>
+        <p:nvSpPr>
+          <p:cNvPr id="21" name="TextBox 20">
+            <a:extLst>
+              <a:ext uri="{FF2B5EF4-FFF2-40B4-BE49-F238E27FC236}">
+                <a16:creationId xmlns:a16="http://schemas.microsoft.com/office/drawing/2014/main" id="{97BAFC09-AEC1-79CD-0A33-B33A18A31A41}"/>
+              </a:ext>
+            </a:extLst>
+          </p:cNvPr>
+          <p:cNvSpPr txBox="1"/>
+          <p:nvPr/>
+        </p:nvSpPr>
+        <p:spPr>
+          <a:xfrm>
+            <a:off x="6457950" y="2648595"/>
+            <a:ext cx="762000" cy="369332"/>
+          </a:xfrm>
+          <a:prstGeom prst="rect">
+            <a:avLst/>
+          </a:prstGeom>
+          <a:noFill/>
+        </p:spPr>
+        <p:txBody>
+          <a:bodyPr wrap="square" rtlCol="0">
+            <a:spAutoFit/>
+          </a:bodyPr>
+          <a:lstStyle/>
+          <a:p>
+            <a:r>
+              <a:rPr lang="en-US" dirty="0"/>
+              <a:t>2c4q</a:t>
+            </a:r>
+          </a:p>
+        </p:txBody>
+      </p:sp>
       <p:pic>
         <p:nvPicPr>
-          <p:cNvPr id="1030" name="Picture 6">
-            <a:extLst>
-              <a:ext uri="{FF2B5EF4-FFF2-40B4-BE49-F238E27FC236}">
-                <a16:creationId xmlns:a16="http://schemas.microsoft.com/office/drawing/2014/main" id="{78FA1D81-9BA2-67EE-7A73-533E75CA78F5}"/>
+          <p:cNvPr id="22" name="Picture 21">
+            <a:extLst>
+              <a:ext uri="{FF2B5EF4-FFF2-40B4-BE49-F238E27FC236}">
+                <a16:creationId xmlns:a16="http://schemas.microsoft.com/office/drawing/2014/main" id="{127031E9-F371-32D7-072E-2B4C9CFFD64F}"/>
               </a:ext>
             </a:extLst>
           </p:cNvPr>
@@ -4738,7 +6856,7 @@
           <p:nvPr/>
         </p:nvPicPr>
         <p:blipFill>
-          <a:blip r:embed="rId5">
+          <a:blip r:embed="rId4">
             <a:extLst>
               <a:ext uri="{28A0092B-C50C-407E-A947-70E740481C1C}">
                 <a14:useLocalDpi xmlns:a14="http://schemas.microsoft.com/office/drawing/2010/main" val="0"/>
@@ -4752,8 +6870,8 @@
         </p:blipFill>
         <p:spPr bwMode="auto">
           <a:xfrm>
-            <a:off x="8091514" y="2909127"/>
-            <a:ext cx="4127928" cy="3422159"/>
+            <a:off x="2298921" y="4128576"/>
+            <a:ext cx="3325327" cy="2364299"/>
           </a:xfrm>
           <a:prstGeom prst="rect">
             <a:avLst/>
@@ -4770,10 +6888,127 @@
           </a:extLst>
         </p:spPr>
       </p:pic>
+      <p:sp>
+        <p:nvSpPr>
+          <p:cNvPr id="23" name="TextBox 22">
+            <a:extLst>
+              <a:ext uri="{FF2B5EF4-FFF2-40B4-BE49-F238E27FC236}">
+                <a16:creationId xmlns:a16="http://schemas.microsoft.com/office/drawing/2014/main" id="{8CAD4C56-2AF7-C68A-64D5-BD8002EC2A83}"/>
+              </a:ext>
+            </a:extLst>
+          </p:cNvPr>
+          <p:cNvSpPr txBox="1"/>
+          <p:nvPr/>
+        </p:nvSpPr>
+        <p:spPr>
+          <a:xfrm>
+            <a:off x="1164345" y="5126059"/>
+            <a:ext cx="762000" cy="369332"/>
+          </a:xfrm>
+          <a:prstGeom prst="rect">
+            <a:avLst/>
+          </a:prstGeom>
+          <a:noFill/>
+        </p:spPr>
+        <p:txBody>
+          <a:bodyPr wrap="square" rtlCol="0">
+            <a:spAutoFit/>
+          </a:bodyPr>
+          <a:lstStyle/>
+          <a:p>
+            <a:r>
+              <a:rPr lang="en-US" dirty="0"/>
+              <a:t>2c4y</a:t>
+            </a:r>
+          </a:p>
+        </p:txBody>
+      </p:sp>
+      <p:pic>
+        <p:nvPicPr>
+          <p:cNvPr id="24" name="Picture 23">
+            <a:extLst>
+              <a:ext uri="{FF2B5EF4-FFF2-40B4-BE49-F238E27FC236}">
+                <a16:creationId xmlns:a16="http://schemas.microsoft.com/office/drawing/2014/main" id="{E90EA9CC-80EA-56AD-6250-EC0652239092}"/>
+              </a:ext>
+            </a:extLst>
+          </p:cNvPr>
+          <p:cNvPicPr>
+            <a:picLocks noChangeAspect="1" noChangeArrowheads="1"/>
+          </p:cNvPicPr>
+          <p:nvPr/>
+        </p:nvPicPr>
+        <p:blipFill>
+          <a:blip r:embed="rId5">
+            <a:extLst>
+              <a:ext uri="{28A0092B-C50C-407E-A947-70E740481C1C}">
+                <a14:useLocalDpi xmlns:a14="http://schemas.microsoft.com/office/drawing/2010/main" val="0"/>
+              </a:ext>
+            </a:extLst>
+          </a:blip>
+          <a:srcRect/>
+          <a:stretch>
+            <a:fillRect/>
+          </a:stretch>
+        </p:blipFill>
+        <p:spPr bwMode="auto">
+          <a:xfrm>
+            <a:off x="7401497" y="4128576"/>
+            <a:ext cx="3325327" cy="2364299"/>
+          </a:xfrm>
+          <a:prstGeom prst="rect">
+            <a:avLst/>
+          </a:prstGeom>
+          <a:noFill/>
+          <a:extLst>
+            <a:ext uri="{909E8E84-426E-40DD-AFC4-6F175D3DCCD1}">
+              <a14:hiddenFill xmlns:a14="http://schemas.microsoft.com/office/drawing/2010/main">
+                <a:solidFill>
+                  <a:srgbClr val="FFFFFF"/>
+                </a:solidFill>
+              </a14:hiddenFill>
+            </a:ext>
+          </a:extLst>
+        </p:spPr>
+      </p:pic>
+      <p:sp>
+        <p:nvSpPr>
+          <p:cNvPr id="25" name="TextBox 24">
+            <a:extLst>
+              <a:ext uri="{FF2B5EF4-FFF2-40B4-BE49-F238E27FC236}">
+                <a16:creationId xmlns:a16="http://schemas.microsoft.com/office/drawing/2014/main" id="{B0B1BF7C-F2F8-1F63-5495-AED69BF98EE4}"/>
+              </a:ext>
+            </a:extLst>
+          </p:cNvPr>
+          <p:cNvSpPr txBox="1"/>
+          <p:nvPr/>
+        </p:nvSpPr>
+        <p:spPr>
+          <a:xfrm>
+            <a:off x="6457950" y="5126059"/>
+            <a:ext cx="762000" cy="369332"/>
+          </a:xfrm>
+          <a:prstGeom prst="rect">
+            <a:avLst/>
+          </a:prstGeom>
+          <a:noFill/>
+        </p:spPr>
+        <p:txBody>
+          <a:bodyPr wrap="square" rtlCol="0">
+            <a:spAutoFit/>
+          </a:bodyPr>
+          <a:lstStyle/>
+          <a:p>
+            <a:r>
+              <a:rPr lang="en-US" dirty="0"/>
+              <a:t>2c4z</a:t>
+            </a:r>
+          </a:p>
+        </p:txBody>
+      </p:sp>
     </p:spTree>
     <p:extLst>
       <p:ext uri="{BB962C8B-B14F-4D97-AF65-F5344CB8AC3E}">
-        <p14:creationId xmlns:p14="http://schemas.microsoft.com/office/powerpoint/2010/main" val="1584959620"/>
+        <p14:creationId xmlns:p14="http://schemas.microsoft.com/office/powerpoint/2010/main" val="3722804746"/>
       </p:ext>
     </p:extLst>
   </p:cSld>
@@ -4805,7 +7040,7 @@
           <p:cNvPr id="2" name="Title 1">
             <a:extLst>
               <a:ext uri="{FF2B5EF4-FFF2-40B4-BE49-F238E27FC236}">
-                <a16:creationId xmlns:a16="http://schemas.microsoft.com/office/drawing/2014/main" id="{6BDAB852-1ACC-74C7-6228-9D23450376E0}"/>
+                <a16:creationId xmlns:a16="http://schemas.microsoft.com/office/drawing/2014/main" id="{187F0C08-FC98-1A64-D6CB-6631A898A06B}"/>
               </a:ext>
             </a:extLst>
           </p:cNvPr>
@@ -4823,122 +7058,17 @@
           <a:p>
             <a:r>
               <a:rPr lang="en-US" dirty="0"/>
-              <a:t>2c4y Phi &amp; Gamma Graphs</a:t>
-            </a:r>
-          </a:p>
-        </p:txBody>
-      </p:sp>
-      <p:sp>
-        <p:nvSpPr>
-          <p:cNvPr id="5" name="TextBox 4">
-            <a:extLst>
-              <a:ext uri="{FF2B5EF4-FFF2-40B4-BE49-F238E27FC236}">
-                <a16:creationId xmlns:a16="http://schemas.microsoft.com/office/drawing/2014/main" id="{B105CE69-AD9E-B41F-3C2D-429C7D534E7E}"/>
-              </a:ext>
-            </a:extLst>
-          </p:cNvPr>
-          <p:cNvSpPr txBox="1"/>
-          <p:nvPr/>
-        </p:nvSpPr>
-        <p:spPr>
-          <a:xfrm>
-            <a:off x="766913" y="2274516"/>
-            <a:ext cx="2539221" cy="369332"/>
-          </a:xfrm>
-          <a:prstGeom prst="rect">
-            <a:avLst/>
-          </a:prstGeom>
-          <a:noFill/>
-        </p:spPr>
-        <p:txBody>
-          <a:bodyPr wrap="none" rtlCol="0">
-            <a:spAutoFit/>
-          </a:bodyPr>
-          <a:lstStyle/>
-          <a:p>
-            <a:r>
-              <a:rPr lang="en-US" dirty="0"/>
-              <a:t>Gamma Randomization</a:t>
-            </a:r>
-          </a:p>
-        </p:txBody>
-      </p:sp>
-      <p:sp>
-        <p:nvSpPr>
-          <p:cNvPr id="6" name="TextBox 5">
-            <a:extLst>
-              <a:ext uri="{FF2B5EF4-FFF2-40B4-BE49-F238E27FC236}">
-                <a16:creationId xmlns:a16="http://schemas.microsoft.com/office/drawing/2014/main" id="{04EB601B-F26A-FA8B-BB61-73D43C5F55B0}"/>
-              </a:ext>
-            </a:extLst>
-          </p:cNvPr>
-          <p:cNvSpPr txBox="1"/>
-          <p:nvPr/>
-        </p:nvSpPr>
-        <p:spPr>
-          <a:xfrm>
-            <a:off x="5424726" y="2274516"/>
-            <a:ext cx="1342547" cy="369332"/>
-          </a:xfrm>
-          <a:prstGeom prst="rect">
-            <a:avLst/>
-          </a:prstGeom>
-          <a:noFill/>
-        </p:spPr>
-        <p:txBody>
-          <a:bodyPr wrap="none" rtlCol="0">
-            <a:spAutoFit/>
-          </a:bodyPr>
-          <a:lstStyle/>
-          <a:p>
-            <a:r>
-              <a:rPr lang="en-US" dirty="0"/>
-              <a:t>Phis Native</a:t>
-            </a:r>
-          </a:p>
-        </p:txBody>
-      </p:sp>
-      <p:sp>
-        <p:nvSpPr>
-          <p:cNvPr id="7" name="TextBox 6">
-            <a:extLst>
-              <a:ext uri="{FF2B5EF4-FFF2-40B4-BE49-F238E27FC236}">
-                <a16:creationId xmlns:a16="http://schemas.microsoft.com/office/drawing/2014/main" id="{A2439339-BB0C-1909-D306-569CB9330556}"/>
-              </a:ext>
-            </a:extLst>
-          </p:cNvPr>
-          <p:cNvSpPr txBox="1"/>
-          <p:nvPr/>
-        </p:nvSpPr>
-        <p:spPr>
-          <a:xfrm>
-            <a:off x="9511231" y="2274516"/>
-            <a:ext cx="1288494" cy="369332"/>
-          </a:xfrm>
-          <a:prstGeom prst="rect">
-            <a:avLst/>
-          </a:prstGeom>
-          <a:noFill/>
-        </p:spPr>
-        <p:txBody>
-          <a:bodyPr wrap="none" rtlCol="0">
-            <a:spAutoFit/>
-          </a:bodyPr>
-          <a:lstStyle/>
-          <a:p>
-            <a:r>
-              <a:rPr lang="en-US" dirty="0"/>
-              <a:t>Phis Decoy</a:t>
+              <a:t>2_Mutations: 2c4q, 2bu1, 2c4y, 2c4z</a:t>
             </a:r>
           </a:p>
         </p:txBody>
       </p:sp>
       <p:pic>
         <p:nvPicPr>
-          <p:cNvPr id="2050" name="Picture 2">
-            <a:extLst>
-              <a:ext uri="{FF2B5EF4-FFF2-40B4-BE49-F238E27FC236}">
-                <a16:creationId xmlns:a16="http://schemas.microsoft.com/office/drawing/2014/main" id="{C767D75F-FC1C-789E-59C4-B2D3188320BF}"/>
+          <p:cNvPr id="3" name="Picture 14">
+            <a:extLst>
+              <a:ext uri="{FF2B5EF4-FFF2-40B4-BE49-F238E27FC236}">
+                <a16:creationId xmlns:a16="http://schemas.microsoft.com/office/drawing/2014/main" id="{38C545FE-E4A4-D8F1-113C-82080EB65178}"/>
               </a:ext>
             </a:extLst>
           </p:cNvPr>
@@ -4948,7 +7078,7 @@
           <p:nvPr/>
         </p:nvPicPr>
         <p:blipFill>
-          <a:blip r:embed="rId3">
+          <a:blip r:embed="rId2">
             <a:extLst>
               <a:ext uri="{28A0092B-C50C-407E-A947-70E740481C1C}">
                 <a14:useLocalDpi xmlns:a14="http://schemas.microsoft.com/office/drawing/2010/main" val="0"/>
@@ -4962,8 +7092,8 @@
         </p:blipFill>
         <p:spPr bwMode="auto">
           <a:xfrm>
-            <a:off x="95871" y="3059668"/>
-            <a:ext cx="3887823" cy="3223106"/>
+            <a:off x="2437599" y="1805111"/>
+            <a:ext cx="3112911" cy="2227559"/>
           </a:xfrm>
           <a:prstGeom prst="rect">
             <a:avLst/>
@@ -4982,10 +7112,10 @@
       </p:pic>
       <p:pic>
         <p:nvPicPr>
-          <p:cNvPr id="2052" name="Picture 4">
-            <a:extLst>
-              <a:ext uri="{FF2B5EF4-FFF2-40B4-BE49-F238E27FC236}">
-                <a16:creationId xmlns:a16="http://schemas.microsoft.com/office/drawing/2014/main" id="{205714EA-112E-BC93-45D4-9BFF0162C0C2}"/>
+          <p:cNvPr id="4" name="Picture 3">
+            <a:extLst>
+              <a:ext uri="{FF2B5EF4-FFF2-40B4-BE49-F238E27FC236}">
+                <a16:creationId xmlns:a16="http://schemas.microsoft.com/office/drawing/2014/main" id="{8D725185-7CBF-3E91-C93B-B4682DFF8407}"/>
               </a:ext>
             </a:extLst>
           </p:cNvPr>
@@ -4995,7 +7125,7 @@
           <p:nvPr/>
         </p:nvPicPr>
         <p:blipFill>
-          <a:blip r:embed="rId4">
+          <a:blip r:embed="rId3">
             <a:extLst>
               <a:ext uri="{28A0092B-C50C-407E-A947-70E740481C1C}">
                 <a14:useLocalDpi xmlns:a14="http://schemas.microsoft.com/office/drawing/2010/main" val="0"/>
@@ -5009,8 +7139,8 @@
         </p:blipFill>
         <p:spPr bwMode="auto">
           <a:xfrm>
-            <a:off x="4152088" y="3059668"/>
-            <a:ext cx="3887823" cy="3223106"/>
+            <a:off x="7505700" y="1825684"/>
+            <a:ext cx="3112911" cy="2213272"/>
           </a:xfrm>
           <a:prstGeom prst="rect">
             <a:avLst/>
@@ -5027,12 +7157,82 @@
           </a:extLst>
         </p:spPr>
       </p:pic>
+      <p:sp>
+        <p:nvSpPr>
+          <p:cNvPr id="5" name="TextBox 4">
+            <a:extLst>
+              <a:ext uri="{FF2B5EF4-FFF2-40B4-BE49-F238E27FC236}">
+                <a16:creationId xmlns:a16="http://schemas.microsoft.com/office/drawing/2014/main" id="{63A9DDF7-2F2C-7133-3A71-5C869964F122}"/>
+              </a:ext>
+            </a:extLst>
+          </p:cNvPr>
+          <p:cNvSpPr txBox="1"/>
+          <p:nvPr/>
+        </p:nvSpPr>
+        <p:spPr>
+          <a:xfrm>
+            <a:off x="1363839" y="2732962"/>
+            <a:ext cx="762000" cy="369332"/>
+          </a:xfrm>
+          <a:prstGeom prst="rect">
+            <a:avLst/>
+          </a:prstGeom>
+          <a:noFill/>
+        </p:spPr>
+        <p:txBody>
+          <a:bodyPr wrap="square" rtlCol="0">
+            <a:spAutoFit/>
+          </a:bodyPr>
+          <a:lstStyle/>
+          <a:p>
+            <a:r>
+              <a:rPr lang="en-US" dirty="0"/>
+              <a:t>2bu1</a:t>
+            </a:r>
+          </a:p>
+        </p:txBody>
+      </p:sp>
+      <p:sp>
+        <p:nvSpPr>
+          <p:cNvPr id="6" name="TextBox 5">
+            <a:extLst>
+              <a:ext uri="{FF2B5EF4-FFF2-40B4-BE49-F238E27FC236}">
+                <a16:creationId xmlns:a16="http://schemas.microsoft.com/office/drawing/2014/main" id="{B753E676-5CB3-AC74-A7DE-051731462ABD}"/>
+              </a:ext>
+            </a:extLst>
+          </p:cNvPr>
+          <p:cNvSpPr txBox="1"/>
+          <p:nvPr/>
+        </p:nvSpPr>
+        <p:spPr>
+          <a:xfrm>
+            <a:off x="6473634" y="2732962"/>
+            <a:ext cx="762000" cy="369332"/>
+          </a:xfrm>
+          <a:prstGeom prst="rect">
+            <a:avLst/>
+          </a:prstGeom>
+          <a:noFill/>
+        </p:spPr>
+        <p:txBody>
+          <a:bodyPr wrap="square" rtlCol="0">
+            <a:spAutoFit/>
+          </a:bodyPr>
+          <a:lstStyle/>
+          <a:p>
+            <a:r>
+              <a:rPr lang="en-US" dirty="0"/>
+              <a:t>2c4q</a:t>
+            </a:r>
+          </a:p>
+        </p:txBody>
+      </p:sp>
       <p:pic>
         <p:nvPicPr>
-          <p:cNvPr id="2054" name="Picture 6">
-            <a:extLst>
-              <a:ext uri="{FF2B5EF4-FFF2-40B4-BE49-F238E27FC236}">
-                <a16:creationId xmlns:a16="http://schemas.microsoft.com/office/drawing/2014/main" id="{3A8EF7D3-7A06-70DD-0A63-7A2675300243}"/>
+          <p:cNvPr id="7" name="Picture 6">
+            <a:extLst>
+              <a:ext uri="{FF2B5EF4-FFF2-40B4-BE49-F238E27FC236}">
+                <a16:creationId xmlns:a16="http://schemas.microsoft.com/office/drawing/2014/main" id="{B1A2D755-9D53-6A9A-B031-A700EC241CE8}"/>
               </a:ext>
             </a:extLst>
           </p:cNvPr>
@@ -5042,7 +7242,7 @@
           <p:nvPr/>
         </p:nvPicPr>
         <p:blipFill>
-          <a:blip r:embed="rId5">
+          <a:blip r:embed="rId4">
             <a:extLst>
               <a:ext uri="{28A0092B-C50C-407E-A947-70E740481C1C}">
                 <a14:useLocalDpi xmlns:a14="http://schemas.microsoft.com/office/drawing/2010/main" val="0"/>
@@ -5056,8 +7256,8 @@
         </p:blipFill>
         <p:spPr bwMode="auto">
           <a:xfrm>
-            <a:off x="8304177" y="3059668"/>
-            <a:ext cx="3887823" cy="3223106"/>
+            <a:off x="2391494" y="4173952"/>
+            <a:ext cx="3205122" cy="2227560"/>
           </a:xfrm>
           <a:prstGeom prst="rect">
             <a:avLst/>
@@ -5074,10 +7274,127 @@
           </a:extLst>
         </p:spPr>
       </p:pic>
+      <p:sp>
+        <p:nvSpPr>
+          <p:cNvPr id="8" name="TextBox 7">
+            <a:extLst>
+              <a:ext uri="{FF2B5EF4-FFF2-40B4-BE49-F238E27FC236}">
+                <a16:creationId xmlns:a16="http://schemas.microsoft.com/office/drawing/2014/main" id="{069A37FF-21A8-BB5A-20C3-3AC2455265D9}"/>
+              </a:ext>
+            </a:extLst>
+          </p:cNvPr>
+          <p:cNvSpPr txBox="1"/>
+          <p:nvPr/>
+        </p:nvSpPr>
+        <p:spPr>
+          <a:xfrm>
+            <a:off x="1363839" y="5103066"/>
+            <a:ext cx="762000" cy="369332"/>
+          </a:xfrm>
+          <a:prstGeom prst="rect">
+            <a:avLst/>
+          </a:prstGeom>
+          <a:noFill/>
+        </p:spPr>
+        <p:txBody>
+          <a:bodyPr wrap="square" rtlCol="0">
+            <a:spAutoFit/>
+          </a:bodyPr>
+          <a:lstStyle/>
+          <a:p>
+            <a:r>
+              <a:rPr lang="en-US" dirty="0"/>
+              <a:t>2c4y</a:t>
+            </a:r>
+          </a:p>
+        </p:txBody>
+      </p:sp>
+      <p:pic>
+        <p:nvPicPr>
+          <p:cNvPr id="9" name="Picture 8">
+            <a:extLst>
+              <a:ext uri="{FF2B5EF4-FFF2-40B4-BE49-F238E27FC236}">
+                <a16:creationId xmlns:a16="http://schemas.microsoft.com/office/drawing/2014/main" id="{AA492DCD-C2E9-723A-83EF-053E075EB25D}"/>
+              </a:ext>
+            </a:extLst>
+          </p:cNvPr>
+          <p:cNvPicPr>
+            <a:picLocks noChangeAspect="1" noChangeArrowheads="1"/>
+          </p:cNvPicPr>
+          <p:nvPr/>
+        </p:nvPicPr>
+        <p:blipFill>
+          <a:blip r:embed="rId5">
+            <a:extLst>
+              <a:ext uri="{28A0092B-C50C-407E-A947-70E740481C1C}">
+                <a14:useLocalDpi xmlns:a14="http://schemas.microsoft.com/office/drawing/2010/main" val="0"/>
+              </a:ext>
+            </a:extLst>
+          </a:blip>
+          <a:srcRect/>
+          <a:stretch>
+            <a:fillRect/>
+          </a:stretch>
+        </p:blipFill>
+        <p:spPr bwMode="auto">
+          <a:xfrm>
+            <a:off x="7505700" y="4173952"/>
+            <a:ext cx="3205122" cy="2227560"/>
+          </a:xfrm>
+          <a:prstGeom prst="rect">
+            <a:avLst/>
+          </a:prstGeom>
+          <a:noFill/>
+          <a:extLst>
+            <a:ext uri="{909E8E84-426E-40DD-AFC4-6F175D3DCCD1}">
+              <a14:hiddenFill xmlns:a14="http://schemas.microsoft.com/office/drawing/2010/main">
+                <a:solidFill>
+                  <a:srgbClr val="FFFFFF"/>
+                </a:solidFill>
+              </a14:hiddenFill>
+            </a:ext>
+          </a:extLst>
+        </p:spPr>
+      </p:pic>
+      <p:sp>
+        <p:nvSpPr>
+          <p:cNvPr id="10" name="TextBox 9">
+            <a:extLst>
+              <a:ext uri="{FF2B5EF4-FFF2-40B4-BE49-F238E27FC236}">
+                <a16:creationId xmlns:a16="http://schemas.microsoft.com/office/drawing/2014/main" id="{1D31C83D-D1EA-A444-B1AD-C1340CAB9515}"/>
+              </a:ext>
+            </a:extLst>
+          </p:cNvPr>
+          <p:cNvSpPr txBox="1"/>
+          <p:nvPr/>
+        </p:nvSpPr>
+        <p:spPr>
+          <a:xfrm>
+            <a:off x="6473634" y="5103066"/>
+            <a:ext cx="762000" cy="369332"/>
+          </a:xfrm>
+          <a:prstGeom prst="rect">
+            <a:avLst/>
+          </a:prstGeom>
+          <a:noFill/>
+        </p:spPr>
+        <p:txBody>
+          <a:bodyPr wrap="square" rtlCol="0">
+            <a:spAutoFit/>
+          </a:bodyPr>
+          <a:lstStyle/>
+          <a:p>
+            <a:r>
+              <a:rPr lang="en-US" dirty="0"/>
+              <a:t>2c4z</a:t>
+            </a:r>
+          </a:p>
+        </p:txBody>
+      </p:sp>
     </p:spTree>
     <p:extLst>
       <p:ext uri="{BB962C8B-B14F-4D97-AF65-F5344CB8AC3E}">
-        <p14:creationId xmlns:p14="http://schemas.microsoft.com/office/powerpoint/2010/main" val="2662783371"/>
+        <p14:creationId xmlns:p14="http://schemas.microsoft.com/office/powerpoint/2010/main" val="4014481805"/>
       </p:ext>
     </p:extLst>
   </p:cSld>
@@ -5109,7 +7426,7 @@
           <p:cNvPr id="2" name="Title 1">
             <a:extLst>
               <a:ext uri="{FF2B5EF4-FFF2-40B4-BE49-F238E27FC236}">
-                <a16:creationId xmlns:a16="http://schemas.microsoft.com/office/drawing/2014/main" id="{6BDAB852-1ACC-74C7-6228-9D23450376E0}"/>
+                <a16:creationId xmlns:a16="http://schemas.microsoft.com/office/drawing/2014/main" id="{187F0C08-FC98-1A64-D6CB-6631A898A06B}"/>
               </a:ext>
             </a:extLst>
           </p:cNvPr>
@@ -5127,122 +7444,17 @@
           <a:p>
             <a:r>
               <a:rPr lang="en-US" dirty="0"/>
-              <a:t>2c4z Phi &amp; Gamma Graphs</a:t>
-            </a:r>
-          </a:p>
-        </p:txBody>
-      </p:sp>
-      <p:sp>
-        <p:nvSpPr>
-          <p:cNvPr id="5" name="TextBox 4">
-            <a:extLst>
-              <a:ext uri="{FF2B5EF4-FFF2-40B4-BE49-F238E27FC236}">
-                <a16:creationId xmlns:a16="http://schemas.microsoft.com/office/drawing/2014/main" id="{B105CE69-AD9E-B41F-3C2D-429C7D534E7E}"/>
-              </a:ext>
-            </a:extLst>
-          </p:cNvPr>
-          <p:cNvSpPr txBox="1"/>
-          <p:nvPr/>
-        </p:nvSpPr>
-        <p:spPr>
-          <a:xfrm>
-            <a:off x="766913" y="2274516"/>
-            <a:ext cx="2539221" cy="369332"/>
-          </a:xfrm>
-          <a:prstGeom prst="rect">
-            <a:avLst/>
-          </a:prstGeom>
-          <a:noFill/>
-        </p:spPr>
-        <p:txBody>
-          <a:bodyPr wrap="none" rtlCol="0">
-            <a:spAutoFit/>
-          </a:bodyPr>
-          <a:lstStyle/>
-          <a:p>
-            <a:r>
-              <a:rPr lang="en-US" dirty="0"/>
-              <a:t>Gamma Randomization</a:t>
-            </a:r>
-          </a:p>
-        </p:txBody>
-      </p:sp>
-      <p:sp>
-        <p:nvSpPr>
-          <p:cNvPr id="6" name="TextBox 5">
-            <a:extLst>
-              <a:ext uri="{FF2B5EF4-FFF2-40B4-BE49-F238E27FC236}">
-                <a16:creationId xmlns:a16="http://schemas.microsoft.com/office/drawing/2014/main" id="{04EB601B-F26A-FA8B-BB61-73D43C5F55B0}"/>
-              </a:ext>
-            </a:extLst>
-          </p:cNvPr>
-          <p:cNvSpPr txBox="1"/>
-          <p:nvPr/>
-        </p:nvSpPr>
-        <p:spPr>
-          <a:xfrm>
-            <a:off x="5460708" y="2274516"/>
-            <a:ext cx="1342547" cy="369332"/>
-          </a:xfrm>
-          <a:prstGeom prst="rect">
-            <a:avLst/>
-          </a:prstGeom>
-          <a:noFill/>
-        </p:spPr>
-        <p:txBody>
-          <a:bodyPr wrap="none" rtlCol="0">
-            <a:spAutoFit/>
-          </a:bodyPr>
-          <a:lstStyle/>
-          <a:p>
-            <a:r>
-              <a:rPr lang="en-US" dirty="0"/>
-              <a:t>Phis Native</a:t>
-            </a:r>
-          </a:p>
-        </p:txBody>
-      </p:sp>
-      <p:sp>
-        <p:nvSpPr>
-          <p:cNvPr id="7" name="TextBox 6">
-            <a:extLst>
-              <a:ext uri="{FF2B5EF4-FFF2-40B4-BE49-F238E27FC236}">
-                <a16:creationId xmlns:a16="http://schemas.microsoft.com/office/drawing/2014/main" id="{A2439339-BB0C-1909-D306-569CB9330556}"/>
-              </a:ext>
-            </a:extLst>
-          </p:cNvPr>
-          <p:cNvSpPr txBox="1"/>
-          <p:nvPr/>
-        </p:nvSpPr>
-        <p:spPr>
-          <a:xfrm>
-            <a:off x="9511231" y="2274516"/>
-            <a:ext cx="1288494" cy="369332"/>
-          </a:xfrm>
-          <a:prstGeom prst="rect">
-            <a:avLst/>
-          </a:prstGeom>
-          <a:noFill/>
-        </p:spPr>
-        <p:txBody>
-          <a:bodyPr wrap="none" rtlCol="0">
-            <a:spAutoFit/>
-          </a:bodyPr>
-          <a:lstStyle/>
-          <a:p>
-            <a:r>
-              <a:rPr lang="en-US" dirty="0"/>
-              <a:t>Phis Decoy</a:t>
+              <a:t>3_Mutations: 2c4q, 2bu1, 2c4y, 2c4z</a:t>
             </a:r>
           </a:p>
         </p:txBody>
       </p:sp>
       <p:pic>
         <p:nvPicPr>
-          <p:cNvPr id="4098" name="Picture 2">
-            <a:extLst>
-              <a:ext uri="{FF2B5EF4-FFF2-40B4-BE49-F238E27FC236}">
-                <a16:creationId xmlns:a16="http://schemas.microsoft.com/office/drawing/2014/main" id="{C7B8D0EF-3D10-127F-EFBD-778C791B2DA6}"/>
+          <p:cNvPr id="3" name="Picture 8">
+            <a:extLst>
+              <a:ext uri="{FF2B5EF4-FFF2-40B4-BE49-F238E27FC236}">
+                <a16:creationId xmlns:a16="http://schemas.microsoft.com/office/drawing/2014/main" id="{22C2C564-E782-E1DE-E898-39A1A2C5C492}"/>
               </a:ext>
             </a:extLst>
           </p:cNvPr>
@@ -5252,7 +7464,7 @@
           <p:nvPr/>
         </p:nvPicPr>
         <p:blipFill>
-          <a:blip r:embed="rId3">
+          <a:blip r:embed="rId2">
             <a:extLst>
               <a:ext uri="{28A0092B-C50C-407E-A947-70E740481C1C}">
                 <a14:useLocalDpi xmlns:a14="http://schemas.microsoft.com/office/drawing/2010/main" val="0"/>
@@ -5266,8 +7478,8 @@
         </p:blipFill>
         <p:spPr bwMode="auto">
           <a:xfrm>
-            <a:off x="0" y="2943600"/>
-            <a:ext cx="4072417" cy="3376139"/>
+            <a:off x="2390011" y="1690688"/>
+            <a:ext cx="3324990" cy="2364059"/>
           </a:xfrm>
           <a:prstGeom prst="rect">
             <a:avLst/>
@@ -5286,10 +7498,10 @@
       </p:pic>
       <p:pic>
         <p:nvPicPr>
-          <p:cNvPr id="4100" name="Picture 4">
-            <a:extLst>
-              <a:ext uri="{FF2B5EF4-FFF2-40B4-BE49-F238E27FC236}">
-                <a16:creationId xmlns:a16="http://schemas.microsoft.com/office/drawing/2014/main" id="{A2434711-F78B-7E30-991B-42002927C565}"/>
+          <p:cNvPr id="4" name="Picture 2">
+            <a:extLst>
+              <a:ext uri="{FF2B5EF4-FFF2-40B4-BE49-F238E27FC236}">
+                <a16:creationId xmlns:a16="http://schemas.microsoft.com/office/drawing/2014/main" id="{2874E447-AE22-EF98-AE05-6413E554789F}"/>
               </a:ext>
             </a:extLst>
           </p:cNvPr>
@@ -5299,7 +7511,7 @@
           <p:nvPr/>
         </p:nvPicPr>
         <p:blipFill>
-          <a:blip r:embed="rId4">
+          <a:blip r:embed="rId3">
             <a:extLst>
               <a:ext uri="{28A0092B-C50C-407E-A947-70E740481C1C}">
                 <a14:useLocalDpi xmlns:a14="http://schemas.microsoft.com/office/drawing/2010/main" val="0"/>
@@ -5313,8 +7525,8 @@
         </p:blipFill>
         <p:spPr bwMode="auto">
           <a:xfrm>
-            <a:off x="4092462" y="2943599"/>
-            <a:ext cx="4079043" cy="3381632"/>
+            <a:off x="7239001" y="1690687"/>
+            <a:ext cx="3324990" cy="2364059"/>
           </a:xfrm>
           <a:prstGeom prst="rect">
             <a:avLst/>
@@ -5331,12 +7543,82 @@
           </a:extLst>
         </p:spPr>
       </p:pic>
+      <p:sp>
+        <p:nvSpPr>
+          <p:cNvPr id="6" name="TextBox 5">
+            <a:extLst>
+              <a:ext uri="{FF2B5EF4-FFF2-40B4-BE49-F238E27FC236}">
+                <a16:creationId xmlns:a16="http://schemas.microsoft.com/office/drawing/2014/main" id="{49B06B29-94D5-8E14-B651-D9340B365E92}"/>
+              </a:ext>
+            </a:extLst>
+          </p:cNvPr>
+          <p:cNvSpPr txBox="1"/>
+          <p:nvPr/>
+        </p:nvSpPr>
+        <p:spPr>
+          <a:xfrm>
+            <a:off x="1233106" y="2692409"/>
+            <a:ext cx="762000" cy="369332"/>
+          </a:xfrm>
+          <a:prstGeom prst="rect">
+            <a:avLst/>
+          </a:prstGeom>
+          <a:noFill/>
+        </p:spPr>
+        <p:txBody>
+          <a:bodyPr wrap="square" rtlCol="0">
+            <a:spAutoFit/>
+          </a:bodyPr>
+          <a:lstStyle/>
+          <a:p>
+            <a:r>
+              <a:rPr lang="en-US" dirty="0"/>
+              <a:t>2bu1</a:t>
+            </a:r>
+          </a:p>
+        </p:txBody>
+      </p:sp>
+      <p:sp>
+        <p:nvSpPr>
+          <p:cNvPr id="7" name="TextBox 6">
+            <a:extLst>
+              <a:ext uri="{FF2B5EF4-FFF2-40B4-BE49-F238E27FC236}">
+                <a16:creationId xmlns:a16="http://schemas.microsoft.com/office/drawing/2014/main" id="{3B221072-64C2-E5B8-1C46-62EC9D5FE528}"/>
+              </a:ext>
+            </a:extLst>
+          </p:cNvPr>
+          <p:cNvSpPr txBox="1"/>
+          <p:nvPr/>
+        </p:nvSpPr>
+        <p:spPr>
+          <a:xfrm>
+            <a:off x="6477001" y="2692409"/>
+            <a:ext cx="762000" cy="369332"/>
+          </a:xfrm>
+          <a:prstGeom prst="rect">
+            <a:avLst/>
+          </a:prstGeom>
+          <a:noFill/>
+        </p:spPr>
+        <p:txBody>
+          <a:bodyPr wrap="square" rtlCol="0">
+            <a:spAutoFit/>
+          </a:bodyPr>
+          <a:lstStyle/>
+          <a:p>
+            <a:r>
+              <a:rPr lang="en-US" dirty="0"/>
+              <a:t>2c4q</a:t>
+            </a:r>
+          </a:p>
+        </p:txBody>
+      </p:sp>
       <p:pic>
         <p:nvPicPr>
-          <p:cNvPr id="4102" name="Picture 6">
-            <a:extLst>
-              <a:ext uri="{FF2B5EF4-FFF2-40B4-BE49-F238E27FC236}">
-                <a16:creationId xmlns:a16="http://schemas.microsoft.com/office/drawing/2014/main" id="{C3FFD33C-5D6F-03B3-7E69-7E7B24995C39}"/>
+          <p:cNvPr id="8" name="Picture 2">
+            <a:extLst>
+              <a:ext uri="{FF2B5EF4-FFF2-40B4-BE49-F238E27FC236}">
+                <a16:creationId xmlns:a16="http://schemas.microsoft.com/office/drawing/2014/main" id="{2C36634D-CC80-4FEB-F82E-637AB394D33E}"/>
               </a:ext>
             </a:extLst>
           </p:cNvPr>
@@ -5346,7 +7628,7 @@
           <p:nvPr/>
         </p:nvPicPr>
         <p:blipFill>
-          <a:blip r:embed="rId5">
+          <a:blip r:embed="rId4">
             <a:extLst>
               <a:ext uri="{28A0092B-C50C-407E-A947-70E740481C1C}">
                 <a14:useLocalDpi xmlns:a14="http://schemas.microsoft.com/office/drawing/2010/main" val="0"/>
@@ -5360,8 +7642,8 @@
         </p:blipFill>
         <p:spPr bwMode="auto">
           <a:xfrm>
-            <a:off x="8191549" y="2943599"/>
-            <a:ext cx="4072418" cy="3376140"/>
+            <a:off x="2390011" y="4224876"/>
+            <a:ext cx="3324990" cy="2310868"/>
           </a:xfrm>
           <a:prstGeom prst="rect">
             <a:avLst/>
@@ -5378,10 +7660,127 @@
           </a:extLst>
         </p:spPr>
       </p:pic>
+      <p:sp>
+        <p:nvSpPr>
+          <p:cNvPr id="9" name="TextBox 8">
+            <a:extLst>
+              <a:ext uri="{FF2B5EF4-FFF2-40B4-BE49-F238E27FC236}">
+                <a16:creationId xmlns:a16="http://schemas.microsoft.com/office/drawing/2014/main" id="{152209CF-273B-1CDB-6B17-6729DF2B9D7C}"/>
+              </a:ext>
+            </a:extLst>
+          </p:cNvPr>
+          <p:cNvSpPr txBox="1"/>
+          <p:nvPr/>
+        </p:nvSpPr>
+        <p:spPr>
+          <a:xfrm>
+            <a:off x="1363839" y="5103066"/>
+            <a:ext cx="762000" cy="369332"/>
+          </a:xfrm>
+          <a:prstGeom prst="rect">
+            <a:avLst/>
+          </a:prstGeom>
+          <a:noFill/>
+        </p:spPr>
+        <p:txBody>
+          <a:bodyPr wrap="square" rtlCol="0">
+            <a:spAutoFit/>
+          </a:bodyPr>
+          <a:lstStyle/>
+          <a:p>
+            <a:r>
+              <a:rPr lang="en-US" dirty="0"/>
+              <a:t>2c4y</a:t>
+            </a:r>
+          </a:p>
+        </p:txBody>
+      </p:sp>
+      <p:pic>
+        <p:nvPicPr>
+          <p:cNvPr id="10" name="Picture 2">
+            <a:extLst>
+              <a:ext uri="{FF2B5EF4-FFF2-40B4-BE49-F238E27FC236}">
+                <a16:creationId xmlns:a16="http://schemas.microsoft.com/office/drawing/2014/main" id="{0FAA3991-D35C-131A-A27B-0B1BA6076C44}"/>
+              </a:ext>
+            </a:extLst>
+          </p:cNvPr>
+          <p:cNvPicPr>
+            <a:picLocks noChangeAspect="1" noChangeArrowheads="1"/>
+          </p:cNvPicPr>
+          <p:nvPr/>
+        </p:nvPicPr>
+        <p:blipFill>
+          <a:blip r:embed="rId5">
+            <a:extLst>
+              <a:ext uri="{28A0092B-C50C-407E-A947-70E740481C1C}">
+                <a14:useLocalDpi xmlns:a14="http://schemas.microsoft.com/office/drawing/2010/main" val="0"/>
+              </a:ext>
+            </a:extLst>
+          </a:blip>
+          <a:srcRect/>
+          <a:stretch>
+            <a:fillRect/>
+          </a:stretch>
+        </p:blipFill>
+        <p:spPr bwMode="auto">
+          <a:xfrm>
+            <a:off x="7239001" y="4166922"/>
+            <a:ext cx="3324990" cy="2364060"/>
+          </a:xfrm>
+          <a:prstGeom prst="rect">
+            <a:avLst/>
+          </a:prstGeom>
+          <a:noFill/>
+          <a:extLst>
+            <a:ext uri="{909E8E84-426E-40DD-AFC4-6F175D3DCCD1}">
+              <a14:hiddenFill xmlns:a14="http://schemas.microsoft.com/office/drawing/2010/main">
+                <a:solidFill>
+                  <a:srgbClr val="FFFFFF"/>
+                </a:solidFill>
+              </a14:hiddenFill>
+            </a:ext>
+          </a:extLst>
+        </p:spPr>
+      </p:pic>
+      <p:sp>
+        <p:nvSpPr>
+          <p:cNvPr id="11" name="TextBox 10">
+            <a:extLst>
+              <a:ext uri="{FF2B5EF4-FFF2-40B4-BE49-F238E27FC236}">
+                <a16:creationId xmlns:a16="http://schemas.microsoft.com/office/drawing/2014/main" id="{0A93C5F2-49AC-E1FA-D5CC-58830770FA0B}"/>
+              </a:ext>
+            </a:extLst>
+          </p:cNvPr>
+          <p:cNvSpPr txBox="1"/>
+          <p:nvPr/>
+        </p:nvSpPr>
+        <p:spPr>
+          <a:xfrm>
+            <a:off x="6478765" y="5103066"/>
+            <a:ext cx="762000" cy="369332"/>
+          </a:xfrm>
+          <a:prstGeom prst="rect">
+            <a:avLst/>
+          </a:prstGeom>
+          <a:noFill/>
+        </p:spPr>
+        <p:txBody>
+          <a:bodyPr wrap="square" rtlCol="0">
+            <a:spAutoFit/>
+          </a:bodyPr>
+          <a:lstStyle/>
+          <a:p>
+            <a:r>
+              <a:rPr lang="en-US" dirty="0"/>
+              <a:t>2c4z</a:t>
+            </a:r>
+          </a:p>
+        </p:txBody>
+      </p:sp>
     </p:spTree>
     <p:extLst>
       <p:ext uri="{BB962C8B-B14F-4D97-AF65-F5344CB8AC3E}">
-        <p14:creationId xmlns:p14="http://schemas.microsoft.com/office/powerpoint/2010/main" val="2090209067"/>
+        <p14:creationId xmlns:p14="http://schemas.microsoft.com/office/powerpoint/2010/main" val="1480756213"/>
       </p:ext>
     </p:extLst>
   </p:cSld>
@@ -5413,7 +7812,7 @@
           <p:cNvPr id="2" name="Title 1">
             <a:extLst>
               <a:ext uri="{FF2B5EF4-FFF2-40B4-BE49-F238E27FC236}">
-                <a16:creationId xmlns:a16="http://schemas.microsoft.com/office/drawing/2014/main" id="{6BDAB852-1ACC-74C7-6228-9D23450376E0}"/>
+                <a16:creationId xmlns:a16="http://schemas.microsoft.com/office/drawing/2014/main" id="{187F0C08-FC98-1A64-D6CB-6631A898A06B}"/>
               </a:ext>
             </a:extLst>
           </p:cNvPr>
@@ -5431,122 +7830,17 @@
           <a:p>
             <a:r>
               <a:rPr lang="en-US" dirty="0"/>
-              <a:t>2bu1, 2c4q, 2c4y, 2c4z Phi &amp; Gamma Graphs</a:t>
-            </a:r>
-          </a:p>
-        </p:txBody>
-      </p:sp>
-      <p:sp>
-        <p:nvSpPr>
-          <p:cNvPr id="5" name="TextBox 4">
-            <a:extLst>
-              <a:ext uri="{FF2B5EF4-FFF2-40B4-BE49-F238E27FC236}">
-                <a16:creationId xmlns:a16="http://schemas.microsoft.com/office/drawing/2014/main" id="{B105CE69-AD9E-B41F-3C2D-429C7D534E7E}"/>
-              </a:ext>
-            </a:extLst>
-          </p:cNvPr>
-          <p:cNvSpPr txBox="1"/>
-          <p:nvPr/>
-        </p:nvSpPr>
-        <p:spPr>
-          <a:xfrm>
-            <a:off x="766913" y="2274516"/>
-            <a:ext cx="2539221" cy="369332"/>
-          </a:xfrm>
-          <a:prstGeom prst="rect">
-            <a:avLst/>
-          </a:prstGeom>
-          <a:noFill/>
-        </p:spPr>
-        <p:txBody>
-          <a:bodyPr wrap="none" rtlCol="0">
-            <a:spAutoFit/>
-          </a:bodyPr>
-          <a:lstStyle/>
-          <a:p>
-            <a:r>
-              <a:rPr lang="en-US" dirty="0"/>
-              <a:t>Gamma Randomization</a:t>
-            </a:r>
-          </a:p>
-        </p:txBody>
-      </p:sp>
-      <p:sp>
-        <p:nvSpPr>
-          <p:cNvPr id="6" name="TextBox 5">
-            <a:extLst>
-              <a:ext uri="{FF2B5EF4-FFF2-40B4-BE49-F238E27FC236}">
-                <a16:creationId xmlns:a16="http://schemas.microsoft.com/office/drawing/2014/main" id="{04EB601B-F26A-FA8B-BB61-73D43C5F55B0}"/>
-              </a:ext>
-            </a:extLst>
-          </p:cNvPr>
-          <p:cNvSpPr txBox="1"/>
-          <p:nvPr/>
-        </p:nvSpPr>
-        <p:spPr>
-          <a:xfrm>
-            <a:off x="5460708" y="2274516"/>
-            <a:ext cx="1342547" cy="369332"/>
-          </a:xfrm>
-          <a:prstGeom prst="rect">
-            <a:avLst/>
-          </a:prstGeom>
-          <a:noFill/>
-        </p:spPr>
-        <p:txBody>
-          <a:bodyPr wrap="none" rtlCol="0">
-            <a:spAutoFit/>
-          </a:bodyPr>
-          <a:lstStyle/>
-          <a:p>
-            <a:r>
-              <a:rPr lang="en-US" dirty="0"/>
-              <a:t>Phis Native</a:t>
-            </a:r>
-          </a:p>
-        </p:txBody>
-      </p:sp>
-      <p:sp>
-        <p:nvSpPr>
-          <p:cNvPr id="7" name="TextBox 6">
-            <a:extLst>
-              <a:ext uri="{FF2B5EF4-FFF2-40B4-BE49-F238E27FC236}">
-                <a16:creationId xmlns:a16="http://schemas.microsoft.com/office/drawing/2014/main" id="{A2439339-BB0C-1909-D306-569CB9330556}"/>
-              </a:ext>
-            </a:extLst>
-          </p:cNvPr>
-          <p:cNvSpPr txBox="1"/>
-          <p:nvPr/>
-        </p:nvSpPr>
-        <p:spPr>
-          <a:xfrm>
-            <a:off x="9511231" y="2274516"/>
-            <a:ext cx="1288494" cy="369332"/>
-          </a:xfrm>
-          <a:prstGeom prst="rect">
-            <a:avLst/>
-          </a:prstGeom>
-          <a:noFill/>
-        </p:spPr>
-        <p:txBody>
-          <a:bodyPr wrap="none" rtlCol="0">
-            <a:spAutoFit/>
-          </a:bodyPr>
-          <a:lstStyle/>
-          <a:p>
-            <a:r>
-              <a:rPr lang="en-US" dirty="0"/>
-              <a:t>Phis Decoy</a:t>
+              <a:t>4_Mutations: 2c4q, 2bu1, 2c4y, 2c4z</a:t>
             </a:r>
           </a:p>
         </p:txBody>
       </p:sp>
       <p:pic>
         <p:nvPicPr>
-          <p:cNvPr id="7170" name="Picture 2">
-            <a:extLst>
-              <a:ext uri="{FF2B5EF4-FFF2-40B4-BE49-F238E27FC236}">
-                <a16:creationId xmlns:a16="http://schemas.microsoft.com/office/drawing/2014/main" id="{A64F1EBF-E821-D65B-25D4-B58FB49A235B}"/>
+          <p:cNvPr id="3" name="Picture 2">
+            <a:extLst>
+              <a:ext uri="{FF2B5EF4-FFF2-40B4-BE49-F238E27FC236}">
+                <a16:creationId xmlns:a16="http://schemas.microsoft.com/office/drawing/2014/main" id="{411B1361-579C-FA1A-9FFF-5A613B8E59CB}"/>
               </a:ext>
             </a:extLst>
           </p:cNvPr>
@@ -5556,7 +7850,7 @@
           <p:nvPr/>
         </p:nvPicPr>
         <p:blipFill>
-          <a:blip r:embed="rId3">
+          <a:blip r:embed="rId2">
             <a:extLst>
               <a:ext uri="{28A0092B-C50C-407E-A947-70E740481C1C}">
                 <a14:useLocalDpi xmlns:a14="http://schemas.microsoft.com/office/drawing/2010/main" val="0"/>
@@ -5570,8 +7864,8 @@
         </p:blipFill>
         <p:spPr bwMode="auto">
           <a:xfrm>
-            <a:off x="170963" y="2961202"/>
-            <a:ext cx="3875041" cy="3212509"/>
+            <a:off x="2286521" y="1742285"/>
+            <a:ext cx="3171304" cy="2243315"/>
           </a:xfrm>
           <a:prstGeom prst="rect">
             <a:avLst/>
@@ -5588,12 +7882,82 @@
           </a:extLst>
         </p:spPr>
       </p:pic>
+      <p:sp>
+        <p:nvSpPr>
+          <p:cNvPr id="4" name="TextBox 3">
+            <a:extLst>
+              <a:ext uri="{FF2B5EF4-FFF2-40B4-BE49-F238E27FC236}">
+                <a16:creationId xmlns:a16="http://schemas.microsoft.com/office/drawing/2014/main" id="{40646AA2-F14E-3D64-20D5-985EC28BB942}"/>
+              </a:ext>
+            </a:extLst>
+          </p:cNvPr>
+          <p:cNvSpPr txBox="1"/>
+          <p:nvPr/>
+        </p:nvSpPr>
+        <p:spPr>
+          <a:xfrm>
+            <a:off x="1228725" y="2595055"/>
+            <a:ext cx="762000" cy="369332"/>
+          </a:xfrm>
+          <a:prstGeom prst="rect">
+            <a:avLst/>
+          </a:prstGeom>
+          <a:noFill/>
+        </p:spPr>
+        <p:txBody>
+          <a:bodyPr wrap="square" rtlCol="0">
+            <a:spAutoFit/>
+          </a:bodyPr>
+          <a:lstStyle/>
+          <a:p>
+            <a:r>
+              <a:rPr lang="en-US" dirty="0"/>
+              <a:t>2bu1</a:t>
+            </a:r>
+          </a:p>
+        </p:txBody>
+      </p:sp>
+      <p:sp>
+        <p:nvSpPr>
+          <p:cNvPr id="5" name="TextBox 4">
+            <a:extLst>
+              <a:ext uri="{FF2B5EF4-FFF2-40B4-BE49-F238E27FC236}">
+                <a16:creationId xmlns:a16="http://schemas.microsoft.com/office/drawing/2014/main" id="{B1C5F34F-9460-82B0-02C2-38B64AD1B7F6}"/>
+              </a:ext>
+            </a:extLst>
+          </p:cNvPr>
+          <p:cNvSpPr txBox="1"/>
+          <p:nvPr/>
+        </p:nvSpPr>
+        <p:spPr>
+          <a:xfrm>
+            <a:off x="6210302" y="2595055"/>
+            <a:ext cx="762000" cy="369332"/>
+          </a:xfrm>
+          <a:prstGeom prst="rect">
+            <a:avLst/>
+          </a:prstGeom>
+          <a:noFill/>
+        </p:spPr>
+        <p:txBody>
+          <a:bodyPr wrap="square" rtlCol="0">
+            <a:spAutoFit/>
+          </a:bodyPr>
+          <a:lstStyle/>
+          <a:p>
+            <a:r>
+              <a:rPr lang="en-US" dirty="0"/>
+              <a:t>2c4q</a:t>
+            </a:r>
+          </a:p>
+        </p:txBody>
+      </p:sp>
       <p:pic>
         <p:nvPicPr>
-          <p:cNvPr id="7172" name="Picture 4">
-            <a:extLst>
-              <a:ext uri="{FF2B5EF4-FFF2-40B4-BE49-F238E27FC236}">
-                <a16:creationId xmlns:a16="http://schemas.microsoft.com/office/drawing/2014/main" id="{E5F8137B-9755-C129-A611-0ABAA50415E4}"/>
+          <p:cNvPr id="6" name="Picture 2">
+            <a:extLst>
+              <a:ext uri="{FF2B5EF4-FFF2-40B4-BE49-F238E27FC236}">
+                <a16:creationId xmlns:a16="http://schemas.microsoft.com/office/drawing/2014/main" id="{81FAEC8D-C21C-7989-5261-60987420A98C}"/>
               </a:ext>
             </a:extLst>
           </p:cNvPr>
@@ -5603,7 +7967,7 @@
           <p:nvPr/>
         </p:nvPicPr>
         <p:blipFill>
-          <a:blip r:embed="rId4">
+          <a:blip r:embed="rId3">
             <a:extLst>
               <a:ext uri="{28A0092B-C50C-407E-A947-70E740481C1C}">
                 <a14:useLocalDpi xmlns:a14="http://schemas.microsoft.com/office/drawing/2010/main" val="0"/>
@@ -5617,8 +7981,8 @@
         </p:blipFill>
         <p:spPr bwMode="auto">
           <a:xfrm>
-            <a:off x="4194460" y="2961203"/>
-            <a:ext cx="3875041" cy="3212509"/>
+            <a:off x="7325246" y="1861778"/>
+            <a:ext cx="3171305" cy="2243315"/>
           </a:xfrm>
           <a:prstGeom prst="rect">
             <a:avLst/>
@@ -5637,10 +8001,10 @@
       </p:pic>
       <p:pic>
         <p:nvPicPr>
-          <p:cNvPr id="7174" name="Picture 6">
-            <a:extLst>
-              <a:ext uri="{FF2B5EF4-FFF2-40B4-BE49-F238E27FC236}">
-                <a16:creationId xmlns:a16="http://schemas.microsoft.com/office/drawing/2014/main" id="{693CCC14-47FE-06A9-E3D2-F6257F93F67A}"/>
+          <p:cNvPr id="7" name="Picture 6">
+            <a:extLst>
+              <a:ext uri="{FF2B5EF4-FFF2-40B4-BE49-F238E27FC236}">
+                <a16:creationId xmlns:a16="http://schemas.microsoft.com/office/drawing/2014/main" id="{8D2CC992-4D88-2235-B293-1441CF6FB2CA}"/>
               </a:ext>
             </a:extLst>
           </p:cNvPr>
@@ -5650,7 +8014,7 @@
           <p:nvPr/>
         </p:nvPicPr>
         <p:blipFill>
-          <a:blip r:embed="rId5">
+          <a:blip r:embed="rId4">
             <a:extLst>
               <a:ext uri="{28A0092B-C50C-407E-A947-70E740481C1C}">
                 <a14:useLocalDpi xmlns:a14="http://schemas.microsoft.com/office/drawing/2010/main" val="0"/>
@@ -5664,8 +8028,8 @@
         </p:blipFill>
         <p:spPr bwMode="auto">
           <a:xfrm>
-            <a:off x="8217957" y="2961203"/>
-            <a:ext cx="3875041" cy="3212509"/>
+            <a:off x="2286521" y="4204515"/>
+            <a:ext cx="3171304" cy="2243315"/>
           </a:xfrm>
           <a:prstGeom prst="rect">
             <a:avLst/>
@@ -5682,10 +8046,127 @@
           </a:extLst>
         </p:spPr>
       </p:pic>
+      <p:sp>
+        <p:nvSpPr>
+          <p:cNvPr id="8" name="TextBox 7">
+            <a:extLst>
+              <a:ext uri="{FF2B5EF4-FFF2-40B4-BE49-F238E27FC236}">
+                <a16:creationId xmlns:a16="http://schemas.microsoft.com/office/drawing/2014/main" id="{B4D8480D-1B70-0F0B-4D2C-F02F7D3CDC5F}"/>
+              </a:ext>
+            </a:extLst>
+          </p:cNvPr>
+          <p:cNvSpPr txBox="1"/>
+          <p:nvPr/>
+        </p:nvSpPr>
+        <p:spPr>
+          <a:xfrm>
+            <a:off x="1363839" y="5103066"/>
+            <a:ext cx="762000" cy="369332"/>
+          </a:xfrm>
+          <a:prstGeom prst="rect">
+            <a:avLst/>
+          </a:prstGeom>
+          <a:noFill/>
+        </p:spPr>
+        <p:txBody>
+          <a:bodyPr wrap="square" rtlCol="0">
+            <a:spAutoFit/>
+          </a:bodyPr>
+          <a:lstStyle/>
+          <a:p>
+            <a:r>
+              <a:rPr lang="en-US" dirty="0"/>
+              <a:t>2c4y</a:t>
+            </a:r>
+          </a:p>
+        </p:txBody>
+      </p:sp>
+      <p:pic>
+        <p:nvPicPr>
+          <p:cNvPr id="9" name="Picture 8">
+            <a:extLst>
+              <a:ext uri="{FF2B5EF4-FFF2-40B4-BE49-F238E27FC236}">
+                <a16:creationId xmlns:a16="http://schemas.microsoft.com/office/drawing/2014/main" id="{8544B48D-2D97-2320-0F78-3FD65D76293D}"/>
+              </a:ext>
+            </a:extLst>
+          </p:cNvPr>
+          <p:cNvPicPr>
+            <a:picLocks noChangeAspect="1" noChangeArrowheads="1"/>
+          </p:cNvPicPr>
+          <p:nvPr/>
+        </p:nvPicPr>
+        <p:blipFill>
+          <a:blip r:embed="rId5">
+            <a:extLst>
+              <a:ext uri="{28A0092B-C50C-407E-A947-70E740481C1C}">
+                <a14:useLocalDpi xmlns:a14="http://schemas.microsoft.com/office/drawing/2010/main" val="0"/>
+              </a:ext>
+            </a:extLst>
+          </a:blip>
+          <a:srcRect/>
+          <a:stretch>
+            <a:fillRect/>
+          </a:stretch>
+        </p:blipFill>
+        <p:spPr bwMode="auto">
+          <a:xfrm>
+            <a:off x="7325247" y="4276183"/>
+            <a:ext cx="3171304" cy="2243314"/>
+          </a:xfrm>
+          <a:prstGeom prst="rect">
+            <a:avLst/>
+          </a:prstGeom>
+          <a:noFill/>
+          <a:extLst>
+            <a:ext uri="{909E8E84-426E-40DD-AFC4-6F175D3DCCD1}">
+              <a14:hiddenFill xmlns:a14="http://schemas.microsoft.com/office/drawing/2010/main">
+                <a:solidFill>
+                  <a:srgbClr val="FFFFFF"/>
+                </a:solidFill>
+              </a14:hiddenFill>
+            </a:ext>
+          </a:extLst>
+        </p:spPr>
+      </p:pic>
+      <p:sp>
+        <p:nvSpPr>
+          <p:cNvPr id="10" name="TextBox 9">
+            <a:extLst>
+              <a:ext uri="{FF2B5EF4-FFF2-40B4-BE49-F238E27FC236}">
+                <a16:creationId xmlns:a16="http://schemas.microsoft.com/office/drawing/2014/main" id="{070918D5-AD08-4AB3-D8A5-A7CA03A33910}"/>
+              </a:ext>
+            </a:extLst>
+          </p:cNvPr>
+          <p:cNvSpPr txBox="1"/>
+          <p:nvPr/>
+        </p:nvSpPr>
+        <p:spPr>
+          <a:xfrm>
+            <a:off x="6210302" y="5103066"/>
+            <a:ext cx="762000" cy="369332"/>
+          </a:xfrm>
+          <a:prstGeom prst="rect">
+            <a:avLst/>
+          </a:prstGeom>
+          <a:noFill/>
+        </p:spPr>
+        <p:txBody>
+          <a:bodyPr wrap="square" rtlCol="0">
+            <a:spAutoFit/>
+          </a:bodyPr>
+          <a:lstStyle/>
+          <a:p>
+            <a:r>
+              <a:rPr lang="en-US" dirty="0"/>
+              <a:t>2c4z</a:t>
+            </a:r>
+          </a:p>
+        </p:txBody>
+      </p:sp>
     </p:spTree>
     <p:extLst>
       <p:ext uri="{BB962C8B-B14F-4D97-AF65-F5344CB8AC3E}">
-        <p14:creationId xmlns:p14="http://schemas.microsoft.com/office/powerpoint/2010/main" val="3013806526"/>
+        <p14:creationId xmlns:p14="http://schemas.microsoft.com/office/powerpoint/2010/main" val="2773675058"/>
       </p:ext>
     </p:extLst>
   </p:cSld>
@@ -5717,7 +8198,7 @@
           <p:cNvPr id="2" name="Title 1">
             <a:extLst>
               <a:ext uri="{FF2B5EF4-FFF2-40B4-BE49-F238E27FC236}">
-                <a16:creationId xmlns:a16="http://schemas.microsoft.com/office/drawing/2014/main" id="{FF84B9D3-5E68-7964-8BA2-32C8F055AA33}"/>
+                <a16:creationId xmlns:a16="http://schemas.microsoft.com/office/drawing/2014/main" id="{187F0C08-FC98-1A64-D6CB-6631A898A06B}"/>
               </a:ext>
             </a:extLst>
           </p:cNvPr>
@@ -5728,56 +8209,53 @@
             <p:ph type="title"/>
           </p:nvPr>
         </p:nvSpPr>
+        <p:spPr/>
+        <p:txBody>
+          <a:bodyPr/>
+          <a:lstStyle/>
+          <a:p>
+            <a:r>
+              <a:rPr lang="en-US" dirty="0" err="1"/>
+              <a:t>AF_Mutations</a:t>
+            </a:r>
+            <a:r>
+              <a:rPr lang="en-US" dirty="0"/>
+              <a:t>: 2c4q, 2bu1, 2c4y, 2c4z</a:t>
+            </a:r>
+          </a:p>
+        </p:txBody>
+      </p:sp>
+      <p:sp>
+        <p:nvSpPr>
+          <p:cNvPr id="4" name="TextBox 3">
+            <a:extLst>
+              <a:ext uri="{FF2B5EF4-FFF2-40B4-BE49-F238E27FC236}">
+                <a16:creationId xmlns:a16="http://schemas.microsoft.com/office/drawing/2014/main" id="{B972801C-5A71-D94C-7C1B-B8EAA81EFB16}"/>
+              </a:ext>
+            </a:extLst>
+          </p:cNvPr>
+          <p:cNvSpPr txBox="1"/>
+          <p:nvPr/>
+        </p:nvSpPr>
         <p:spPr>
           <a:xfrm>
-            <a:off x="451027" y="189931"/>
-            <a:ext cx="10515600" cy="1325563"/>
-          </a:xfrm>
-        </p:spPr>
-        <p:txBody>
-          <a:bodyPr>
-            <a:normAutofit/>
-          </a:bodyPr>
-          <a:lstStyle/>
-          <a:p>
-            <a:r>
-              <a:rPr lang="en-US" sz="4000" dirty="0"/>
-              <a:t>2bu1, 2c4q, 2c4y, 2c4z – MS2 Protein Complex </a:t>
-            </a:r>
-          </a:p>
-        </p:txBody>
-      </p:sp>
-      <p:sp>
-        <p:nvSpPr>
-          <p:cNvPr id="4" name="TextBox 3">
-            <a:extLst>
-              <a:ext uri="{FF2B5EF4-FFF2-40B4-BE49-F238E27FC236}">
-                <a16:creationId xmlns:a16="http://schemas.microsoft.com/office/drawing/2014/main" id="{43C8D717-0111-6127-1798-6633245E67A0}"/>
-              </a:ext>
-            </a:extLst>
-          </p:cNvPr>
-          <p:cNvSpPr txBox="1"/>
-          <p:nvPr/>
-        </p:nvSpPr>
-        <p:spPr>
-          <a:xfrm>
-            <a:off x="2718104" y="1522248"/>
-            <a:ext cx="989373" cy="369332"/>
-          </a:xfrm>
-          <a:prstGeom prst="rect">
-            <a:avLst/>
-          </a:prstGeom>
-          <a:noFill/>
-        </p:spPr>
-        <p:txBody>
-          <a:bodyPr wrap="none" rtlCol="0">
+            <a:off x="1267775" y="2855963"/>
+            <a:ext cx="762000" cy="369332"/>
+          </a:xfrm>
+          <a:prstGeom prst="rect">
+            <a:avLst/>
+          </a:prstGeom>
+          <a:noFill/>
+        </p:spPr>
+        <p:txBody>
+          <a:bodyPr wrap="square" rtlCol="0">
             <a:spAutoFit/>
           </a:bodyPr>
           <a:lstStyle/>
           <a:p>
             <a:r>
               <a:rPr lang="en-US" dirty="0"/>
-              <a:t>Gamma</a:t>
+              <a:t>2bu1</a:t>
             </a:r>
           </a:p>
         </p:txBody>
@@ -5787,7 +8265,7 @@
           <p:cNvPr id="5" name="TextBox 4">
             <a:extLst>
               <a:ext uri="{FF2B5EF4-FFF2-40B4-BE49-F238E27FC236}">
-                <a16:creationId xmlns:a16="http://schemas.microsoft.com/office/drawing/2014/main" id="{ACE6581E-3A66-43EE-8844-22F43DF960DB}"/>
+                <a16:creationId xmlns:a16="http://schemas.microsoft.com/office/drawing/2014/main" id="{F7215D12-EA84-90A7-2819-66120E92F7AE}"/>
               </a:ext>
             </a:extLst>
           </p:cNvPr>
@@ -5796,103 +8274,33 @@
         </p:nvSpPr>
         <p:spPr>
           <a:xfrm>
-            <a:off x="5708827" y="1525814"/>
-            <a:ext cx="1342547" cy="369332"/>
-          </a:xfrm>
-          <a:prstGeom prst="rect">
-            <a:avLst/>
-          </a:prstGeom>
-          <a:noFill/>
-        </p:spPr>
-        <p:txBody>
-          <a:bodyPr wrap="none" rtlCol="0">
+            <a:off x="6486525" y="2855963"/>
+            <a:ext cx="762000" cy="369332"/>
+          </a:xfrm>
+          <a:prstGeom prst="rect">
+            <a:avLst/>
+          </a:prstGeom>
+          <a:noFill/>
+        </p:spPr>
+        <p:txBody>
+          <a:bodyPr wrap="square" rtlCol="0">
             <a:spAutoFit/>
           </a:bodyPr>
           <a:lstStyle/>
           <a:p>
             <a:r>
               <a:rPr lang="en-US" dirty="0"/>
-              <a:t>Phis Native</a:t>
-            </a:r>
-          </a:p>
-        </p:txBody>
-      </p:sp>
-      <p:sp>
-        <p:nvSpPr>
-          <p:cNvPr id="6" name="TextBox 5">
-            <a:extLst>
-              <a:ext uri="{FF2B5EF4-FFF2-40B4-BE49-F238E27FC236}">
-                <a16:creationId xmlns:a16="http://schemas.microsoft.com/office/drawing/2014/main" id="{E7A4C8FB-B7D4-CCA9-8AB5-CF7F22EAFADC}"/>
-              </a:ext>
-            </a:extLst>
-          </p:cNvPr>
-          <p:cNvSpPr txBox="1"/>
-          <p:nvPr/>
-        </p:nvSpPr>
-        <p:spPr>
-          <a:xfrm>
-            <a:off x="9052724" y="1522248"/>
-            <a:ext cx="1288494" cy="369332"/>
-          </a:xfrm>
-          <a:prstGeom prst="rect">
-            <a:avLst/>
-          </a:prstGeom>
-          <a:noFill/>
-        </p:spPr>
-        <p:txBody>
-          <a:bodyPr wrap="none" rtlCol="0">
-            <a:spAutoFit/>
-          </a:bodyPr>
-          <a:lstStyle/>
-          <a:p>
-            <a:r>
-              <a:rPr lang="en-US" dirty="0"/>
-              <a:t>Phis Decoy</a:t>
-            </a:r>
-          </a:p>
-        </p:txBody>
-      </p:sp>
-      <p:sp>
-        <p:nvSpPr>
-          <p:cNvPr id="7" name="TextBox 6">
-            <a:extLst>
-              <a:ext uri="{FF2B5EF4-FFF2-40B4-BE49-F238E27FC236}">
-                <a16:creationId xmlns:a16="http://schemas.microsoft.com/office/drawing/2014/main" id="{EE0CC675-1EEB-9EBA-CCB2-21EA9CCB0C48}"/>
-              </a:ext>
-            </a:extLst>
-          </p:cNvPr>
-          <p:cNvSpPr txBox="1"/>
-          <p:nvPr/>
-        </p:nvSpPr>
-        <p:spPr>
-          <a:xfrm>
-            <a:off x="738709" y="2431284"/>
-            <a:ext cx="689612" cy="369332"/>
-          </a:xfrm>
-          <a:prstGeom prst="rect">
-            <a:avLst/>
-          </a:prstGeom>
-          <a:noFill/>
-        </p:spPr>
-        <p:txBody>
-          <a:bodyPr wrap="none" rtlCol="0">
-            <a:spAutoFit/>
-          </a:bodyPr>
-          <a:lstStyle/>
-          <a:p>
-            <a:r>
-              <a:rPr lang="en-US" dirty="0"/>
-              <a:t>2bu1</a:t>
+              <a:t>2c4q</a:t>
             </a:r>
           </a:p>
         </p:txBody>
       </p:sp>
       <p:pic>
         <p:nvPicPr>
-          <p:cNvPr id="8" name="Picture 2">
-            <a:extLst>
-              <a:ext uri="{FF2B5EF4-FFF2-40B4-BE49-F238E27FC236}">
-                <a16:creationId xmlns:a16="http://schemas.microsoft.com/office/drawing/2014/main" id="{5DA28C85-AF1B-CE9F-846C-5B8DF0A837F2}"/>
+          <p:cNvPr id="6" name="Picture 8">
+            <a:extLst>
+              <a:ext uri="{FF2B5EF4-FFF2-40B4-BE49-F238E27FC236}">
+                <a16:creationId xmlns:a16="http://schemas.microsoft.com/office/drawing/2014/main" id="{1F42C7A5-2764-8F1B-A552-800CE863DE57}"/>
               </a:ext>
             </a:extLst>
           </p:cNvPr>
@@ -5901,21 +8309,23 @@
           </p:cNvPicPr>
           <p:nvPr/>
         </p:nvPicPr>
-        <p:blipFill rotWithShape="1">
-          <a:blip r:embed="rId3">
+        <p:blipFill>
+          <a:blip r:embed="rId2">
             <a:extLst>
               <a:ext uri="{28A0092B-C50C-407E-A947-70E740481C1C}">
                 <a14:useLocalDpi xmlns:a14="http://schemas.microsoft.com/office/drawing/2010/main" val="0"/>
               </a:ext>
             </a:extLst>
           </a:blip>
-          <a:srcRect r="27403" b="78415"/>
-          <a:stretch/>
+          <a:srcRect/>
+          <a:stretch>
+            <a:fillRect/>
+          </a:stretch>
         </p:blipFill>
         <p:spPr bwMode="auto">
           <a:xfrm>
-            <a:off x="1791134" y="2133538"/>
-            <a:ext cx="2881893" cy="710368"/>
+            <a:off x="7377271" y="1880848"/>
+            <a:ext cx="3279094" cy="2319563"/>
           </a:xfrm>
           <a:prstGeom prst="rect">
             <a:avLst/>
@@ -5934,10 +8344,10 @@
       </p:pic>
       <p:pic>
         <p:nvPicPr>
-          <p:cNvPr id="9" name="Picture 6">
-            <a:extLst>
-              <a:ext uri="{FF2B5EF4-FFF2-40B4-BE49-F238E27FC236}">
-                <a16:creationId xmlns:a16="http://schemas.microsoft.com/office/drawing/2014/main" id="{C2652A91-62A1-21C4-8BC7-FE1936439B30}"/>
+          <p:cNvPr id="7" name="Picture 6">
+            <a:extLst>
+              <a:ext uri="{FF2B5EF4-FFF2-40B4-BE49-F238E27FC236}">
+                <a16:creationId xmlns:a16="http://schemas.microsoft.com/office/drawing/2014/main" id="{DFD98EB2-CF97-3920-590B-2E190F3D1541}"/>
               </a:ext>
             </a:extLst>
           </p:cNvPr>
@@ -5946,21 +8356,23 @@
           </p:cNvPicPr>
           <p:nvPr/>
         </p:nvPicPr>
-        <p:blipFill rotWithShape="1">
-          <a:blip r:embed="rId4">
+        <p:blipFill>
+          <a:blip r:embed="rId3">
             <a:extLst>
               <a:ext uri="{28A0092B-C50C-407E-A947-70E740481C1C}">
                 <a14:useLocalDpi xmlns:a14="http://schemas.microsoft.com/office/drawing/2010/main" val="0"/>
               </a:ext>
             </a:extLst>
           </a:blip>
-          <a:srcRect r="27403" b="78415"/>
-          <a:stretch/>
+          <a:srcRect/>
+          <a:stretch>
+            <a:fillRect/>
+          </a:stretch>
         </p:blipFill>
         <p:spPr bwMode="auto">
           <a:xfrm>
-            <a:off x="8110613" y="2086560"/>
-            <a:ext cx="2817941" cy="694604"/>
+            <a:off x="2297157" y="4200411"/>
+            <a:ext cx="3279094" cy="2319563"/>
           </a:xfrm>
           <a:prstGeom prst="rect">
             <a:avLst/>
@@ -5977,12 +8389,47 @@
           </a:extLst>
         </p:spPr>
       </p:pic>
+      <p:sp>
+        <p:nvSpPr>
+          <p:cNvPr id="8" name="TextBox 7">
+            <a:extLst>
+              <a:ext uri="{FF2B5EF4-FFF2-40B4-BE49-F238E27FC236}">
+                <a16:creationId xmlns:a16="http://schemas.microsoft.com/office/drawing/2014/main" id="{46CF6348-F291-35FC-6224-90858DC0B3A6}"/>
+              </a:ext>
+            </a:extLst>
+          </p:cNvPr>
+          <p:cNvSpPr txBox="1"/>
+          <p:nvPr/>
+        </p:nvSpPr>
+        <p:spPr>
+          <a:xfrm>
+            <a:off x="1363839" y="5103066"/>
+            <a:ext cx="762000" cy="369332"/>
+          </a:xfrm>
+          <a:prstGeom prst="rect">
+            <a:avLst/>
+          </a:prstGeom>
+          <a:noFill/>
+        </p:spPr>
+        <p:txBody>
+          <a:bodyPr wrap="square" rtlCol="0">
+            <a:spAutoFit/>
+          </a:bodyPr>
+          <a:lstStyle/>
+          <a:p>
+            <a:r>
+              <a:rPr lang="en-US" dirty="0"/>
+              <a:t>2c4y</a:t>
+            </a:r>
+          </a:p>
+        </p:txBody>
+      </p:sp>
       <p:pic>
         <p:nvPicPr>
-          <p:cNvPr id="10" name="Picture 8">
-            <a:extLst>
-              <a:ext uri="{FF2B5EF4-FFF2-40B4-BE49-F238E27FC236}">
-                <a16:creationId xmlns:a16="http://schemas.microsoft.com/office/drawing/2014/main" id="{AD5896A8-1961-349E-3D19-4886C83894DA}"/>
+          <p:cNvPr id="9" name="Picture 8">
+            <a:extLst>
+              <a:ext uri="{FF2B5EF4-FFF2-40B4-BE49-F238E27FC236}">
+                <a16:creationId xmlns:a16="http://schemas.microsoft.com/office/drawing/2014/main" id="{D1DAC7C4-5F79-70CE-99CA-8FE4E3094EA1}"/>
               </a:ext>
             </a:extLst>
           </p:cNvPr>
@@ -5991,21 +8438,23 @@
           </p:cNvPicPr>
           <p:nvPr/>
         </p:nvPicPr>
-        <p:blipFill rotWithShape="1">
-          <a:blip r:embed="rId5">
+        <p:blipFill>
+          <a:blip r:embed="rId4">
             <a:extLst>
               <a:ext uri="{28A0092B-C50C-407E-A947-70E740481C1C}">
                 <a14:useLocalDpi xmlns:a14="http://schemas.microsoft.com/office/drawing/2010/main" val="0"/>
               </a:ext>
             </a:extLst>
           </a:blip>
-          <a:srcRect r="27403" b="78415"/>
-          <a:stretch/>
+          <a:srcRect/>
+          <a:stretch>
+            <a:fillRect/>
+          </a:stretch>
         </p:blipFill>
         <p:spPr bwMode="auto">
           <a:xfrm>
-            <a:off x="4939156" y="2090248"/>
-            <a:ext cx="2881893" cy="710368"/>
+            <a:off x="2297157" y="1621126"/>
+            <a:ext cx="3279094" cy="2319563"/>
           </a:xfrm>
           <a:prstGeom prst="rect">
             <a:avLst/>
@@ -6022,47 +8471,12 @@
           </a:extLst>
         </p:spPr>
       </p:pic>
-      <p:sp>
-        <p:nvSpPr>
-          <p:cNvPr id="11" name="TextBox 10">
-            <a:extLst>
-              <a:ext uri="{FF2B5EF4-FFF2-40B4-BE49-F238E27FC236}">
-                <a16:creationId xmlns:a16="http://schemas.microsoft.com/office/drawing/2014/main" id="{809143BC-F939-A558-8732-D6BF9E8A0F4C}"/>
-              </a:ext>
-            </a:extLst>
-          </p:cNvPr>
-          <p:cNvSpPr txBox="1"/>
-          <p:nvPr/>
-        </p:nvSpPr>
-        <p:spPr>
-          <a:xfrm>
-            <a:off x="741915" y="3286137"/>
-            <a:ext cx="683200" cy="369332"/>
-          </a:xfrm>
-          <a:prstGeom prst="rect">
-            <a:avLst/>
-          </a:prstGeom>
-          <a:noFill/>
-        </p:spPr>
-        <p:txBody>
-          <a:bodyPr wrap="none" rtlCol="0">
-            <a:spAutoFit/>
-          </a:bodyPr>
-          <a:lstStyle/>
-          <a:p>
-            <a:r>
-              <a:rPr lang="en-US" dirty="0"/>
-              <a:t>2c4q</a:t>
-            </a:r>
-          </a:p>
-        </p:txBody>
-      </p:sp>
       <p:pic>
         <p:nvPicPr>
-          <p:cNvPr id="12" name="Picture 2">
-            <a:extLst>
-              <a:ext uri="{FF2B5EF4-FFF2-40B4-BE49-F238E27FC236}">
-                <a16:creationId xmlns:a16="http://schemas.microsoft.com/office/drawing/2014/main" id="{9130F86A-4D92-29C1-6D29-E9F795616152}"/>
+          <p:cNvPr id="10" name="Picture 9">
+            <a:extLst>
+              <a:ext uri="{FF2B5EF4-FFF2-40B4-BE49-F238E27FC236}">
+                <a16:creationId xmlns:a16="http://schemas.microsoft.com/office/drawing/2014/main" id="{4EA4BD64-0743-3A1D-3366-E6BBE93CA2A6}"/>
               </a:ext>
             </a:extLst>
           </p:cNvPr>
@@ -6071,21 +8485,23 @@
           </p:cNvPicPr>
           <p:nvPr/>
         </p:nvPicPr>
-        <p:blipFill rotWithShape="1">
-          <a:blip r:embed="rId6">
+        <p:blipFill>
+          <a:blip r:embed="rId5">
             <a:extLst>
               <a:ext uri="{28A0092B-C50C-407E-A947-70E740481C1C}">
                 <a14:useLocalDpi xmlns:a14="http://schemas.microsoft.com/office/drawing/2010/main" val="0"/>
               </a:ext>
             </a:extLst>
           </a:blip>
-          <a:srcRect r="27159" b="78482"/>
-          <a:stretch/>
+          <a:srcRect/>
+          <a:stretch>
+            <a:fillRect/>
+          </a:stretch>
         </p:blipFill>
         <p:spPr bwMode="auto">
           <a:xfrm>
-            <a:off x="1791134" y="3016251"/>
-            <a:ext cx="2881893" cy="705800"/>
+            <a:off x="7377271" y="4127950"/>
+            <a:ext cx="3279095" cy="2319563"/>
           </a:xfrm>
           <a:prstGeom prst="rect">
             <a:avLst/>
@@ -6102,12 +8518,210 @@
           </a:extLst>
         </p:spPr>
       </p:pic>
+      <p:sp>
+        <p:nvSpPr>
+          <p:cNvPr id="12" name="TextBox 11">
+            <a:extLst>
+              <a:ext uri="{FF2B5EF4-FFF2-40B4-BE49-F238E27FC236}">
+                <a16:creationId xmlns:a16="http://schemas.microsoft.com/office/drawing/2014/main" id="{813E6710-2F27-6352-8C6A-41BFD59833BE}"/>
+              </a:ext>
+            </a:extLst>
+          </p:cNvPr>
+          <p:cNvSpPr txBox="1"/>
+          <p:nvPr/>
+        </p:nvSpPr>
+        <p:spPr>
+          <a:xfrm>
+            <a:off x="6486525" y="5103065"/>
+            <a:ext cx="762000" cy="369332"/>
+          </a:xfrm>
+          <a:prstGeom prst="rect">
+            <a:avLst/>
+          </a:prstGeom>
+          <a:noFill/>
+        </p:spPr>
+        <p:txBody>
+          <a:bodyPr wrap="square" rtlCol="0">
+            <a:spAutoFit/>
+          </a:bodyPr>
+          <a:lstStyle/>
+          <a:p>
+            <a:r>
+              <a:rPr lang="en-US" dirty="0"/>
+              <a:t>2c4z</a:t>
+            </a:r>
+          </a:p>
+        </p:txBody>
+      </p:sp>
+    </p:spTree>
+    <p:extLst>
+      <p:ext uri="{BB962C8B-B14F-4D97-AF65-F5344CB8AC3E}">
+        <p14:creationId xmlns:p14="http://schemas.microsoft.com/office/powerpoint/2010/main" val="473982695"/>
+      </p:ext>
+    </p:extLst>
+  </p:cSld>
+  <p:clrMapOvr>
+    <a:masterClrMapping/>
+  </p:clrMapOvr>
+</p:sld>
+</file>
+
+<file path=ppt/slides/slide8.xml><?xml version="1.0" encoding="utf-8"?>
+<p:sld xmlns:a="http://schemas.openxmlformats.org/drawingml/2006/main" xmlns:r="http://schemas.openxmlformats.org/officeDocument/2006/relationships" xmlns:p="http://schemas.openxmlformats.org/presentationml/2006/main">
+  <p:cSld>
+    <p:spTree>
+      <p:nvGrpSpPr>
+        <p:cNvPr id="1" name=""/>
+        <p:cNvGrpSpPr/>
+        <p:nvPr/>
+      </p:nvGrpSpPr>
+      <p:grpSpPr>
+        <a:xfrm>
+          <a:off x="0" y="0"/>
+          <a:ext cx="0" cy="0"/>
+          <a:chOff x="0" y="0"/>
+          <a:chExt cx="0" cy="0"/>
+        </a:xfrm>
+      </p:grpSpPr>
+      <p:sp>
+        <p:nvSpPr>
+          <p:cNvPr id="2" name="Title 1">
+            <a:extLst>
+              <a:ext uri="{FF2B5EF4-FFF2-40B4-BE49-F238E27FC236}">
+                <a16:creationId xmlns:a16="http://schemas.microsoft.com/office/drawing/2014/main" id="{6BDAB852-1ACC-74C7-6228-9D23450376E0}"/>
+              </a:ext>
+            </a:extLst>
+          </p:cNvPr>
+          <p:cNvSpPr>
+            <a:spLocks noGrp="1"/>
+          </p:cNvSpPr>
+          <p:nvPr>
+            <p:ph type="title"/>
+          </p:nvPr>
+        </p:nvSpPr>
+        <p:spPr/>
+        <p:txBody>
+          <a:bodyPr/>
+          <a:lstStyle/>
+          <a:p>
+            <a:r>
+              <a:rPr lang="en-US" dirty="0"/>
+              <a:t>2bu1 Phi &amp; Gamma Graphs</a:t>
+            </a:r>
+          </a:p>
+        </p:txBody>
+      </p:sp>
+      <p:sp>
+        <p:nvSpPr>
+          <p:cNvPr id="5" name="TextBox 4">
+            <a:extLst>
+              <a:ext uri="{FF2B5EF4-FFF2-40B4-BE49-F238E27FC236}">
+                <a16:creationId xmlns:a16="http://schemas.microsoft.com/office/drawing/2014/main" id="{B105CE69-AD9E-B41F-3C2D-429C7D534E7E}"/>
+              </a:ext>
+            </a:extLst>
+          </p:cNvPr>
+          <p:cNvSpPr txBox="1"/>
+          <p:nvPr/>
+        </p:nvSpPr>
+        <p:spPr>
+          <a:xfrm>
+            <a:off x="741872" y="2251494"/>
+            <a:ext cx="2539221" cy="369332"/>
+          </a:xfrm>
+          <a:prstGeom prst="rect">
+            <a:avLst/>
+          </a:prstGeom>
+          <a:noFill/>
+        </p:spPr>
+        <p:txBody>
+          <a:bodyPr wrap="none" rtlCol="0">
+            <a:spAutoFit/>
+          </a:bodyPr>
+          <a:lstStyle/>
+          <a:p>
+            <a:r>
+              <a:rPr lang="en-US" dirty="0"/>
+              <a:t>Gamma Randomization</a:t>
+            </a:r>
+          </a:p>
+        </p:txBody>
+      </p:sp>
+      <p:sp>
+        <p:nvSpPr>
+          <p:cNvPr id="6" name="TextBox 5">
+            <a:extLst>
+              <a:ext uri="{FF2B5EF4-FFF2-40B4-BE49-F238E27FC236}">
+                <a16:creationId xmlns:a16="http://schemas.microsoft.com/office/drawing/2014/main" id="{04EB601B-F26A-FA8B-BB61-73D43C5F55B0}"/>
+              </a:ext>
+            </a:extLst>
+          </p:cNvPr>
+          <p:cNvSpPr txBox="1"/>
+          <p:nvPr/>
+        </p:nvSpPr>
+        <p:spPr>
+          <a:xfrm>
+            <a:off x="4548116" y="2251494"/>
+            <a:ext cx="1342547" cy="369332"/>
+          </a:xfrm>
+          <a:prstGeom prst="rect">
+            <a:avLst/>
+          </a:prstGeom>
+          <a:noFill/>
+        </p:spPr>
+        <p:txBody>
+          <a:bodyPr wrap="none" rtlCol="0">
+            <a:spAutoFit/>
+          </a:bodyPr>
+          <a:lstStyle/>
+          <a:p>
+            <a:r>
+              <a:rPr lang="en-US" dirty="0"/>
+              <a:t>Phis Native</a:t>
+            </a:r>
+          </a:p>
+        </p:txBody>
+      </p:sp>
+      <p:sp>
+        <p:nvSpPr>
+          <p:cNvPr id="7" name="TextBox 6">
+            <a:extLst>
+              <a:ext uri="{FF2B5EF4-FFF2-40B4-BE49-F238E27FC236}">
+                <a16:creationId xmlns:a16="http://schemas.microsoft.com/office/drawing/2014/main" id="{A2439339-BB0C-1909-D306-569CB9330556}"/>
+              </a:ext>
+            </a:extLst>
+          </p:cNvPr>
+          <p:cNvSpPr txBox="1"/>
+          <p:nvPr/>
+        </p:nvSpPr>
+        <p:spPr>
+          <a:xfrm>
+            <a:off x="8582403" y="2251494"/>
+            <a:ext cx="1288494" cy="369332"/>
+          </a:xfrm>
+          <a:prstGeom prst="rect">
+            <a:avLst/>
+          </a:prstGeom>
+          <a:noFill/>
+        </p:spPr>
+        <p:txBody>
+          <a:bodyPr wrap="none" rtlCol="0">
+            <a:spAutoFit/>
+          </a:bodyPr>
+          <a:lstStyle/>
+          <a:p>
+            <a:r>
+              <a:rPr lang="en-US" dirty="0"/>
+              <a:t>Phis Decoy</a:t>
+            </a:r>
+          </a:p>
+        </p:txBody>
+      </p:sp>
       <p:pic>
         <p:nvPicPr>
-          <p:cNvPr id="13" name="Picture 4">
-            <a:extLst>
-              <a:ext uri="{FF2B5EF4-FFF2-40B4-BE49-F238E27FC236}">
-                <a16:creationId xmlns:a16="http://schemas.microsoft.com/office/drawing/2014/main" id="{EB0DF79C-EC61-17C3-96DC-54C7E18FD5FE}"/>
+          <p:cNvPr id="11266" name="Picture 2">
+            <a:extLst>
+              <a:ext uri="{FF2B5EF4-FFF2-40B4-BE49-F238E27FC236}">
+                <a16:creationId xmlns:a16="http://schemas.microsoft.com/office/drawing/2014/main" id="{25B1818C-8430-AD68-B698-BDC5EF17997F}"/>
               </a:ext>
             </a:extLst>
           </p:cNvPr>
@@ -6116,21 +8730,23 @@
           </p:cNvPicPr>
           <p:nvPr/>
         </p:nvPicPr>
-        <p:blipFill rotWithShape="1">
-          <a:blip r:embed="rId7">
+        <p:blipFill>
+          <a:blip r:embed="rId2">
             <a:extLst>
               <a:ext uri="{28A0092B-C50C-407E-A947-70E740481C1C}">
                 <a14:useLocalDpi xmlns:a14="http://schemas.microsoft.com/office/drawing/2010/main" val="0"/>
               </a:ext>
             </a:extLst>
           </a:blip>
-          <a:srcRect r="27159" b="78482"/>
-          <a:stretch/>
+          <a:srcRect/>
+          <a:stretch>
+            <a:fillRect/>
+          </a:stretch>
         </p:blipFill>
         <p:spPr bwMode="auto">
           <a:xfrm>
-            <a:off x="4939155" y="3016252"/>
-            <a:ext cx="2881894" cy="705799"/>
+            <a:off x="176200" y="2814008"/>
+            <a:ext cx="3969680" cy="3290967"/>
           </a:xfrm>
           <a:prstGeom prst="rect">
             <a:avLst/>
@@ -6149,10 +8765,10 @@
       </p:pic>
       <p:pic>
         <p:nvPicPr>
-          <p:cNvPr id="14" name="Picture 6">
-            <a:extLst>
-              <a:ext uri="{FF2B5EF4-FFF2-40B4-BE49-F238E27FC236}">
-                <a16:creationId xmlns:a16="http://schemas.microsoft.com/office/drawing/2014/main" id="{484569FC-7295-1109-948A-E600A16C9AD3}"/>
+          <p:cNvPr id="11270" name="Picture 6">
+            <a:extLst>
+              <a:ext uri="{FF2B5EF4-FFF2-40B4-BE49-F238E27FC236}">
+                <a16:creationId xmlns:a16="http://schemas.microsoft.com/office/drawing/2014/main" id="{B3196352-BBA7-678D-D7A9-FAA265BDEDE8}"/>
               </a:ext>
             </a:extLst>
           </p:cNvPr>
@@ -6161,21 +8777,23 @@
           </p:cNvPicPr>
           <p:nvPr/>
         </p:nvPicPr>
-        <p:blipFill rotWithShape="1">
-          <a:blip r:embed="rId8">
+        <p:blipFill>
+          <a:blip r:embed="rId3">
             <a:extLst>
               <a:ext uri="{28A0092B-C50C-407E-A947-70E740481C1C}">
                 <a14:useLocalDpi xmlns:a14="http://schemas.microsoft.com/office/drawing/2010/main" val="0"/>
               </a:ext>
             </a:extLst>
           </a:blip>
-          <a:srcRect r="27159" b="78482"/>
-          <a:stretch/>
+          <a:srcRect/>
+          <a:stretch>
+            <a:fillRect/>
+          </a:stretch>
         </p:blipFill>
         <p:spPr bwMode="auto">
           <a:xfrm>
-            <a:off x="8110613" y="3016251"/>
-            <a:ext cx="2817941" cy="690138"/>
+            <a:off x="8131486" y="2814007"/>
+            <a:ext cx="3969680" cy="3290968"/>
           </a:xfrm>
           <a:prstGeom prst="rect">
             <a:avLst/>
@@ -6192,47 +8810,12 @@
           </a:extLst>
         </p:spPr>
       </p:pic>
-      <p:sp>
-        <p:nvSpPr>
-          <p:cNvPr id="15" name="TextBox 14">
-            <a:extLst>
-              <a:ext uri="{FF2B5EF4-FFF2-40B4-BE49-F238E27FC236}">
-                <a16:creationId xmlns:a16="http://schemas.microsoft.com/office/drawing/2014/main" id="{39BFB00C-CC77-0344-49A3-DFD72214F6AE}"/>
-              </a:ext>
-            </a:extLst>
-          </p:cNvPr>
-          <p:cNvSpPr txBox="1"/>
-          <p:nvPr/>
-        </p:nvSpPr>
-        <p:spPr>
-          <a:xfrm>
-            <a:off x="741915" y="4102106"/>
-            <a:ext cx="683200" cy="369332"/>
-          </a:xfrm>
-          <a:prstGeom prst="rect">
-            <a:avLst/>
-          </a:prstGeom>
-          <a:noFill/>
-        </p:spPr>
-        <p:txBody>
-          <a:bodyPr wrap="none" rtlCol="0">
-            <a:spAutoFit/>
-          </a:bodyPr>
-          <a:lstStyle/>
-          <a:p>
-            <a:r>
-              <a:rPr lang="en-US" dirty="0"/>
-              <a:t>2c4y</a:t>
-            </a:r>
-          </a:p>
-        </p:txBody>
-      </p:sp>
       <p:pic>
         <p:nvPicPr>
-          <p:cNvPr id="16" name="Picture 2">
-            <a:extLst>
-              <a:ext uri="{FF2B5EF4-FFF2-40B4-BE49-F238E27FC236}">
-                <a16:creationId xmlns:a16="http://schemas.microsoft.com/office/drawing/2014/main" id="{E719A5F2-6900-F619-311E-5058366A9705}"/>
+          <p:cNvPr id="11272" name="Picture 8">
+            <a:extLst>
+              <a:ext uri="{FF2B5EF4-FFF2-40B4-BE49-F238E27FC236}">
+                <a16:creationId xmlns:a16="http://schemas.microsoft.com/office/drawing/2014/main" id="{32E9CBBD-BC17-9817-8891-C3227AB3042B}"/>
               </a:ext>
             </a:extLst>
           </p:cNvPr>
@@ -6241,21 +8824,23 @@
           </p:cNvPicPr>
           <p:nvPr/>
         </p:nvPicPr>
-        <p:blipFill rotWithShape="1">
-          <a:blip r:embed="rId9">
+        <p:blipFill>
+          <a:blip r:embed="rId4">
             <a:extLst>
               <a:ext uri="{28A0092B-C50C-407E-A947-70E740481C1C}">
                 <a14:useLocalDpi xmlns:a14="http://schemas.microsoft.com/office/drawing/2010/main" val="0"/>
               </a:ext>
             </a:extLst>
           </a:blip>
-          <a:srcRect r="25874" b="78102"/>
-          <a:stretch/>
+          <a:srcRect/>
+          <a:stretch>
+            <a:fillRect/>
+          </a:stretch>
         </p:blipFill>
         <p:spPr bwMode="auto">
           <a:xfrm>
-            <a:off x="1791137" y="3933873"/>
-            <a:ext cx="2881890" cy="705799"/>
+            <a:off x="4153843" y="2814007"/>
+            <a:ext cx="3969680" cy="3290967"/>
           </a:xfrm>
           <a:prstGeom prst="rect">
             <a:avLst/>
@@ -6272,12 +8857,175 @@
           </a:extLst>
         </p:spPr>
       </p:pic>
+    </p:spTree>
+    <p:extLst>
+      <p:ext uri="{BB962C8B-B14F-4D97-AF65-F5344CB8AC3E}">
+        <p14:creationId xmlns:p14="http://schemas.microsoft.com/office/powerpoint/2010/main" val="1467754732"/>
+      </p:ext>
+    </p:extLst>
+  </p:cSld>
+  <p:clrMapOvr>
+    <a:masterClrMapping/>
+  </p:clrMapOvr>
+</p:sld>
+</file>
+
+<file path=ppt/slides/slide9.xml><?xml version="1.0" encoding="utf-8"?>
+<p:sld xmlns:a="http://schemas.openxmlformats.org/drawingml/2006/main" xmlns:r="http://schemas.openxmlformats.org/officeDocument/2006/relationships" xmlns:p="http://schemas.openxmlformats.org/presentationml/2006/main">
+  <p:cSld>
+    <p:spTree>
+      <p:nvGrpSpPr>
+        <p:cNvPr id="1" name=""/>
+        <p:cNvGrpSpPr/>
+        <p:nvPr/>
+      </p:nvGrpSpPr>
+      <p:grpSpPr>
+        <a:xfrm>
+          <a:off x="0" y="0"/>
+          <a:ext cx="0" cy="0"/>
+          <a:chOff x="0" y="0"/>
+          <a:chExt cx="0" cy="0"/>
+        </a:xfrm>
+      </p:grpSpPr>
+      <p:sp>
+        <p:nvSpPr>
+          <p:cNvPr id="2" name="Title 1">
+            <a:extLst>
+              <a:ext uri="{FF2B5EF4-FFF2-40B4-BE49-F238E27FC236}">
+                <a16:creationId xmlns:a16="http://schemas.microsoft.com/office/drawing/2014/main" id="{6BDAB852-1ACC-74C7-6228-9D23450376E0}"/>
+              </a:ext>
+            </a:extLst>
+          </p:cNvPr>
+          <p:cNvSpPr>
+            <a:spLocks noGrp="1"/>
+          </p:cNvSpPr>
+          <p:nvPr>
+            <p:ph type="title"/>
+          </p:nvPr>
+        </p:nvSpPr>
+        <p:spPr/>
+        <p:txBody>
+          <a:bodyPr/>
+          <a:lstStyle/>
+          <a:p>
+            <a:r>
+              <a:rPr lang="en-US" dirty="0"/>
+              <a:t>2c4q Phi &amp; Gamma Graphs</a:t>
+            </a:r>
+          </a:p>
+        </p:txBody>
+      </p:sp>
+      <p:sp>
+        <p:nvSpPr>
+          <p:cNvPr id="5" name="TextBox 4">
+            <a:extLst>
+              <a:ext uri="{FF2B5EF4-FFF2-40B4-BE49-F238E27FC236}">
+                <a16:creationId xmlns:a16="http://schemas.microsoft.com/office/drawing/2014/main" id="{B105CE69-AD9E-B41F-3C2D-429C7D534E7E}"/>
+              </a:ext>
+            </a:extLst>
+          </p:cNvPr>
+          <p:cNvSpPr txBox="1"/>
+          <p:nvPr/>
+        </p:nvSpPr>
+        <p:spPr>
+          <a:xfrm>
+            <a:off x="766913" y="2274516"/>
+            <a:ext cx="2539221" cy="369332"/>
+          </a:xfrm>
+          <a:prstGeom prst="rect">
+            <a:avLst/>
+          </a:prstGeom>
+          <a:noFill/>
+        </p:spPr>
+        <p:txBody>
+          <a:bodyPr wrap="none" rtlCol="0">
+            <a:spAutoFit/>
+          </a:bodyPr>
+          <a:lstStyle/>
+          <a:p>
+            <a:r>
+              <a:rPr lang="en-US" dirty="0"/>
+              <a:t>Gamma Randomization</a:t>
+            </a:r>
+          </a:p>
+        </p:txBody>
+      </p:sp>
+      <p:sp>
+        <p:nvSpPr>
+          <p:cNvPr id="6" name="TextBox 5">
+            <a:extLst>
+              <a:ext uri="{FF2B5EF4-FFF2-40B4-BE49-F238E27FC236}">
+                <a16:creationId xmlns:a16="http://schemas.microsoft.com/office/drawing/2014/main" id="{04EB601B-F26A-FA8B-BB61-73D43C5F55B0}"/>
+              </a:ext>
+            </a:extLst>
+          </p:cNvPr>
+          <p:cNvSpPr txBox="1"/>
+          <p:nvPr/>
+        </p:nvSpPr>
+        <p:spPr>
+          <a:xfrm>
+            <a:off x="5424726" y="2274516"/>
+            <a:ext cx="1342547" cy="369332"/>
+          </a:xfrm>
+          <a:prstGeom prst="rect">
+            <a:avLst/>
+          </a:prstGeom>
+          <a:noFill/>
+        </p:spPr>
+        <p:txBody>
+          <a:bodyPr wrap="none" rtlCol="0">
+            <a:spAutoFit/>
+          </a:bodyPr>
+          <a:lstStyle/>
+          <a:p>
+            <a:r>
+              <a:rPr lang="en-US" dirty="0"/>
+              <a:t>Phis Native</a:t>
+            </a:r>
+          </a:p>
+        </p:txBody>
+      </p:sp>
+      <p:sp>
+        <p:nvSpPr>
+          <p:cNvPr id="7" name="TextBox 6">
+            <a:extLst>
+              <a:ext uri="{FF2B5EF4-FFF2-40B4-BE49-F238E27FC236}">
+                <a16:creationId xmlns:a16="http://schemas.microsoft.com/office/drawing/2014/main" id="{A2439339-BB0C-1909-D306-569CB9330556}"/>
+              </a:ext>
+            </a:extLst>
+          </p:cNvPr>
+          <p:cNvSpPr txBox="1"/>
+          <p:nvPr/>
+        </p:nvSpPr>
+        <p:spPr>
+          <a:xfrm>
+            <a:off x="9511231" y="2274516"/>
+            <a:ext cx="1288494" cy="369332"/>
+          </a:xfrm>
+          <a:prstGeom prst="rect">
+            <a:avLst/>
+          </a:prstGeom>
+          <a:noFill/>
+        </p:spPr>
+        <p:txBody>
+          <a:bodyPr wrap="none" rtlCol="0">
+            <a:spAutoFit/>
+          </a:bodyPr>
+          <a:lstStyle/>
+          <a:p>
+            <a:r>
+              <a:rPr lang="en-US" dirty="0"/>
+              <a:t>Phis Decoy</a:t>
+            </a:r>
+          </a:p>
+        </p:txBody>
+      </p:sp>
       <p:pic>
         <p:nvPicPr>
-          <p:cNvPr id="17" name="Picture 4">
-            <a:extLst>
-              <a:ext uri="{FF2B5EF4-FFF2-40B4-BE49-F238E27FC236}">
-                <a16:creationId xmlns:a16="http://schemas.microsoft.com/office/drawing/2014/main" id="{5D5EFD93-349E-28FB-46F9-E26F662EC3EA}"/>
+          <p:cNvPr id="1026" name="Picture 2">
+            <a:extLst>
+              <a:ext uri="{FF2B5EF4-FFF2-40B4-BE49-F238E27FC236}">
+                <a16:creationId xmlns:a16="http://schemas.microsoft.com/office/drawing/2014/main" id="{828BA61C-0A76-09BF-A1E1-AAFE0659454C}"/>
               </a:ext>
             </a:extLst>
           </p:cNvPr>
@@ -6286,21 +9034,23 @@
           </p:cNvPicPr>
           <p:nvPr/>
         </p:nvPicPr>
-        <p:blipFill rotWithShape="1">
-          <a:blip r:embed="rId10">
+        <p:blipFill>
+          <a:blip r:embed="rId3">
             <a:extLst>
               <a:ext uri="{28A0092B-C50C-407E-A947-70E740481C1C}">
                 <a14:useLocalDpi xmlns:a14="http://schemas.microsoft.com/office/drawing/2010/main" val="0"/>
               </a:ext>
             </a:extLst>
           </a:blip>
-          <a:srcRect r="27519" b="78102"/>
-          <a:stretch/>
+          <a:srcRect/>
+          <a:stretch>
+            <a:fillRect/>
+          </a:stretch>
         </p:blipFill>
         <p:spPr bwMode="auto">
           <a:xfrm>
-            <a:off x="5003108" y="3937686"/>
-            <a:ext cx="2817941" cy="705799"/>
+            <a:off x="-27439" y="2909127"/>
+            <a:ext cx="4127927" cy="3422158"/>
           </a:xfrm>
           <a:prstGeom prst="rect">
             <a:avLst/>
@@ -6319,10 +9069,10 @@
       </p:pic>
       <p:pic>
         <p:nvPicPr>
-          <p:cNvPr id="18" name="Picture 6">
-            <a:extLst>
-              <a:ext uri="{FF2B5EF4-FFF2-40B4-BE49-F238E27FC236}">
-                <a16:creationId xmlns:a16="http://schemas.microsoft.com/office/drawing/2014/main" id="{8FB6D2DE-D712-2AA6-B5B3-56F83CE55919}"/>
+          <p:cNvPr id="1028" name="Picture 4">
+            <a:extLst>
+              <a:ext uri="{FF2B5EF4-FFF2-40B4-BE49-F238E27FC236}">
+                <a16:creationId xmlns:a16="http://schemas.microsoft.com/office/drawing/2014/main" id="{0F67F769-A994-E5C4-EE76-1994B88EC7F0}"/>
               </a:ext>
             </a:extLst>
           </p:cNvPr>
@@ -6331,21 +9081,23 @@
           </p:cNvPicPr>
           <p:nvPr/>
         </p:nvPicPr>
-        <p:blipFill rotWithShape="1">
-          <a:blip r:embed="rId11">
+        <p:blipFill>
+          <a:blip r:embed="rId4">
             <a:extLst>
               <a:ext uri="{28A0092B-C50C-407E-A947-70E740481C1C}">
                 <a14:useLocalDpi xmlns:a14="http://schemas.microsoft.com/office/drawing/2010/main" val="0"/>
               </a:ext>
             </a:extLst>
           </a:blip>
-          <a:srcRect r="25874" b="78102"/>
-          <a:stretch/>
+          <a:srcRect/>
+          <a:stretch>
+            <a:fillRect/>
+          </a:stretch>
         </p:blipFill>
         <p:spPr bwMode="auto">
           <a:xfrm>
-            <a:off x="8110612" y="3937686"/>
-            <a:ext cx="2817942" cy="690137"/>
+            <a:off x="4032036" y="2909128"/>
+            <a:ext cx="4127928" cy="3422159"/>
           </a:xfrm>
           <a:prstGeom prst="rect">
             <a:avLst/>
@@ -6364,10 +9116,10 @@
       </p:pic>
       <p:pic>
         <p:nvPicPr>
-          <p:cNvPr id="19" name="Picture 2">
-            <a:extLst>
-              <a:ext uri="{FF2B5EF4-FFF2-40B4-BE49-F238E27FC236}">
-                <a16:creationId xmlns:a16="http://schemas.microsoft.com/office/drawing/2014/main" id="{00B1071B-E08C-CBEB-D040-E5659230C0F3}"/>
+          <p:cNvPr id="1030" name="Picture 6">
+            <a:extLst>
+              <a:ext uri="{FF2B5EF4-FFF2-40B4-BE49-F238E27FC236}">
+                <a16:creationId xmlns:a16="http://schemas.microsoft.com/office/drawing/2014/main" id="{78FA1D81-9BA2-67EE-7A73-533E75CA78F5}"/>
               </a:ext>
             </a:extLst>
           </p:cNvPr>
@@ -6376,21 +9128,23 @@
           </p:cNvPicPr>
           <p:nvPr/>
         </p:nvPicPr>
-        <p:blipFill rotWithShape="1">
-          <a:blip r:embed="rId12">
+        <p:blipFill>
+          <a:blip r:embed="rId5">
             <a:extLst>
               <a:ext uri="{28A0092B-C50C-407E-A947-70E740481C1C}">
                 <a14:useLocalDpi xmlns:a14="http://schemas.microsoft.com/office/drawing/2010/main" val="0"/>
               </a:ext>
             </a:extLst>
           </a:blip>
-          <a:srcRect r="27138" b="79094"/>
-          <a:stretch/>
+          <a:srcRect/>
+          <a:stretch>
+            <a:fillRect/>
+          </a:stretch>
         </p:blipFill>
         <p:spPr bwMode="auto">
           <a:xfrm>
-            <a:off x="1793152" y="4851494"/>
-            <a:ext cx="2879875" cy="685014"/>
+            <a:off x="8091514" y="2909127"/>
+            <a:ext cx="4127928" cy="3422159"/>
           </a:xfrm>
           <a:prstGeom prst="rect">
             <a:avLst/>
@@ -6407,305 +9161,10 @@
           </a:extLst>
         </p:spPr>
       </p:pic>
-      <p:pic>
-        <p:nvPicPr>
-          <p:cNvPr id="20" name="Picture 4">
-            <a:extLst>
-              <a:ext uri="{FF2B5EF4-FFF2-40B4-BE49-F238E27FC236}">
-                <a16:creationId xmlns:a16="http://schemas.microsoft.com/office/drawing/2014/main" id="{0FA015F4-A633-9106-6595-53C7C5F10B69}"/>
-              </a:ext>
-            </a:extLst>
-          </p:cNvPr>
-          <p:cNvPicPr>
-            <a:picLocks noChangeAspect="1" noChangeArrowheads="1"/>
-          </p:cNvPicPr>
-          <p:nvPr/>
-        </p:nvPicPr>
-        <p:blipFill rotWithShape="1">
-          <a:blip r:embed="rId13">
-            <a:extLst>
-              <a:ext uri="{28A0092B-C50C-407E-A947-70E740481C1C}">
-                <a14:useLocalDpi xmlns:a14="http://schemas.microsoft.com/office/drawing/2010/main" val="0"/>
-              </a:ext>
-            </a:extLst>
-          </a:blip>
-          <a:srcRect r="27256" b="79128"/>
-          <a:stretch/>
-        </p:blipFill>
-        <p:spPr bwMode="auto">
-          <a:xfrm>
-            <a:off x="5003108" y="4869252"/>
-            <a:ext cx="2817941" cy="670282"/>
-          </a:xfrm>
-          <a:prstGeom prst="rect">
-            <a:avLst/>
-          </a:prstGeom>
-          <a:noFill/>
-          <a:extLst>
-            <a:ext uri="{909E8E84-426E-40DD-AFC4-6F175D3DCCD1}">
-              <a14:hiddenFill xmlns:a14="http://schemas.microsoft.com/office/drawing/2010/main">
-                <a:solidFill>
-                  <a:srgbClr val="FFFFFF"/>
-                </a:solidFill>
-              </a14:hiddenFill>
-            </a:ext>
-          </a:extLst>
-        </p:spPr>
-      </p:pic>
-      <p:pic>
-        <p:nvPicPr>
-          <p:cNvPr id="21" name="Picture 6">
-            <a:extLst>
-              <a:ext uri="{FF2B5EF4-FFF2-40B4-BE49-F238E27FC236}">
-                <a16:creationId xmlns:a16="http://schemas.microsoft.com/office/drawing/2014/main" id="{EC1F79F4-2711-9CF5-4C36-6174B7DE0664}"/>
-              </a:ext>
-            </a:extLst>
-          </p:cNvPr>
-          <p:cNvPicPr>
-            <a:picLocks noChangeAspect="1" noChangeArrowheads="1"/>
-          </p:cNvPicPr>
-          <p:nvPr/>
-        </p:nvPicPr>
-        <p:blipFill rotWithShape="1">
-          <a:blip r:embed="rId14">
-            <a:extLst>
-              <a:ext uri="{28A0092B-C50C-407E-A947-70E740481C1C}">
-                <a14:useLocalDpi xmlns:a14="http://schemas.microsoft.com/office/drawing/2010/main" val="0"/>
-              </a:ext>
-            </a:extLst>
-          </a:blip>
-          <a:srcRect r="27244" b="79094"/>
-          <a:stretch/>
-        </p:blipFill>
-        <p:spPr bwMode="auto">
-          <a:xfrm>
-            <a:off x="8110613" y="4851494"/>
-            <a:ext cx="2817941" cy="671263"/>
-          </a:xfrm>
-          <a:prstGeom prst="rect">
-            <a:avLst/>
-          </a:prstGeom>
-          <a:noFill/>
-          <a:extLst>
-            <a:ext uri="{909E8E84-426E-40DD-AFC4-6F175D3DCCD1}">
-              <a14:hiddenFill xmlns:a14="http://schemas.microsoft.com/office/drawing/2010/main">
-                <a:solidFill>
-                  <a:srgbClr val="FFFFFF"/>
-                </a:solidFill>
-              </a14:hiddenFill>
-            </a:ext>
-          </a:extLst>
-        </p:spPr>
-      </p:pic>
-      <p:sp>
-        <p:nvSpPr>
-          <p:cNvPr id="22" name="TextBox 21">
-            <a:extLst>
-              <a:ext uri="{FF2B5EF4-FFF2-40B4-BE49-F238E27FC236}">
-                <a16:creationId xmlns:a16="http://schemas.microsoft.com/office/drawing/2014/main" id="{C9BF4DCB-56F3-B044-4540-F3D9EE973C63}"/>
-              </a:ext>
-            </a:extLst>
-          </p:cNvPr>
-          <p:cNvSpPr txBox="1"/>
-          <p:nvPr/>
-        </p:nvSpPr>
-        <p:spPr>
-          <a:xfrm>
-            <a:off x="756342" y="5080758"/>
-            <a:ext cx="654346" cy="369332"/>
-          </a:xfrm>
-          <a:prstGeom prst="rect">
-            <a:avLst/>
-          </a:prstGeom>
-          <a:noFill/>
-        </p:spPr>
-        <p:txBody>
-          <a:bodyPr wrap="none" rtlCol="0">
-            <a:spAutoFit/>
-          </a:bodyPr>
-          <a:lstStyle/>
-          <a:p>
-            <a:r>
-              <a:rPr lang="en-US" dirty="0"/>
-              <a:t>2c4z</a:t>
-            </a:r>
-          </a:p>
-        </p:txBody>
-      </p:sp>
-      <p:sp>
-        <p:nvSpPr>
-          <p:cNvPr id="23" name="TextBox 22">
-            <a:extLst>
-              <a:ext uri="{FF2B5EF4-FFF2-40B4-BE49-F238E27FC236}">
-                <a16:creationId xmlns:a16="http://schemas.microsoft.com/office/drawing/2014/main" id="{CA6AB460-0A82-79DD-B185-E74A677EBED3}"/>
-              </a:ext>
-            </a:extLst>
-          </p:cNvPr>
-          <p:cNvSpPr txBox="1"/>
-          <p:nvPr/>
-        </p:nvSpPr>
-        <p:spPr>
-          <a:xfrm>
-            <a:off x="367735" y="5810510"/>
-            <a:ext cx="1431560" cy="646331"/>
-          </a:xfrm>
-          <a:prstGeom prst="rect">
-            <a:avLst/>
-          </a:prstGeom>
-          <a:noFill/>
-        </p:spPr>
-        <p:txBody>
-          <a:bodyPr wrap="square" rtlCol="0">
-            <a:spAutoFit/>
-          </a:bodyPr>
-          <a:lstStyle/>
-          <a:p>
-            <a:r>
-              <a:rPr lang="en-US" dirty="0"/>
-              <a:t>2bu1, 2c4q, 2c4y, 2c4z</a:t>
-            </a:r>
-          </a:p>
-        </p:txBody>
-      </p:sp>
-      <p:pic>
-        <p:nvPicPr>
-          <p:cNvPr id="24" name="Picture 2">
-            <a:extLst>
-              <a:ext uri="{FF2B5EF4-FFF2-40B4-BE49-F238E27FC236}">
-                <a16:creationId xmlns:a16="http://schemas.microsoft.com/office/drawing/2014/main" id="{04493734-15C1-8DA9-39A7-B997E1143192}"/>
-              </a:ext>
-            </a:extLst>
-          </p:cNvPr>
-          <p:cNvPicPr>
-            <a:picLocks noChangeAspect="1" noChangeArrowheads="1"/>
-          </p:cNvPicPr>
-          <p:nvPr/>
-        </p:nvPicPr>
-        <p:blipFill rotWithShape="1">
-          <a:blip r:embed="rId15">
-            <a:extLst>
-              <a:ext uri="{28A0092B-C50C-407E-A947-70E740481C1C}">
-                <a14:useLocalDpi xmlns:a14="http://schemas.microsoft.com/office/drawing/2010/main" val="0"/>
-              </a:ext>
-            </a:extLst>
-          </a:blip>
-          <a:srcRect r="25682" b="78209"/>
-          <a:stretch/>
-        </p:blipFill>
-        <p:spPr bwMode="auto">
-          <a:xfrm>
-            <a:off x="1794270" y="5748330"/>
-            <a:ext cx="2878757" cy="699752"/>
-          </a:xfrm>
-          <a:prstGeom prst="rect">
-            <a:avLst/>
-          </a:prstGeom>
-          <a:noFill/>
-          <a:extLst>
-            <a:ext uri="{909E8E84-426E-40DD-AFC4-6F175D3DCCD1}">
-              <a14:hiddenFill xmlns:a14="http://schemas.microsoft.com/office/drawing/2010/main">
-                <a:solidFill>
-                  <a:srgbClr val="FFFFFF"/>
-                </a:solidFill>
-              </a14:hiddenFill>
-            </a:ext>
-          </a:extLst>
-        </p:spPr>
-      </p:pic>
-      <p:pic>
-        <p:nvPicPr>
-          <p:cNvPr id="25" name="Picture 4">
-            <a:extLst>
-              <a:ext uri="{FF2B5EF4-FFF2-40B4-BE49-F238E27FC236}">
-                <a16:creationId xmlns:a16="http://schemas.microsoft.com/office/drawing/2014/main" id="{1498BE4E-07BE-E549-B696-895F8B58D6D9}"/>
-              </a:ext>
-            </a:extLst>
-          </p:cNvPr>
-          <p:cNvPicPr>
-            <a:picLocks noChangeAspect="1" noChangeArrowheads="1"/>
-          </p:cNvPicPr>
-          <p:nvPr/>
-        </p:nvPicPr>
-        <p:blipFill rotWithShape="1">
-          <a:blip r:embed="rId16">
-            <a:extLst>
-              <a:ext uri="{28A0092B-C50C-407E-A947-70E740481C1C}">
-                <a14:useLocalDpi xmlns:a14="http://schemas.microsoft.com/office/drawing/2010/main" val="0"/>
-              </a:ext>
-            </a:extLst>
-          </a:blip>
-          <a:srcRect r="25682" b="78030"/>
-          <a:stretch/>
-        </p:blipFill>
-        <p:spPr bwMode="auto">
-          <a:xfrm>
-            <a:off x="4941173" y="5737733"/>
-            <a:ext cx="2879876" cy="705800"/>
-          </a:xfrm>
-          <a:prstGeom prst="rect">
-            <a:avLst/>
-          </a:prstGeom>
-          <a:noFill/>
-          <a:extLst>
-            <a:ext uri="{909E8E84-426E-40DD-AFC4-6F175D3DCCD1}">
-              <a14:hiddenFill xmlns:a14="http://schemas.microsoft.com/office/drawing/2010/main">
-                <a:solidFill>
-                  <a:srgbClr val="FFFFFF"/>
-                </a:solidFill>
-              </a14:hiddenFill>
-            </a:ext>
-          </a:extLst>
-        </p:spPr>
-      </p:pic>
-      <p:pic>
-        <p:nvPicPr>
-          <p:cNvPr id="26" name="Picture 6">
-            <a:extLst>
-              <a:ext uri="{FF2B5EF4-FFF2-40B4-BE49-F238E27FC236}">
-                <a16:creationId xmlns:a16="http://schemas.microsoft.com/office/drawing/2014/main" id="{3DC999CF-98BE-EFDD-2181-D7ACC583A5FD}"/>
-              </a:ext>
-            </a:extLst>
-          </p:cNvPr>
-          <p:cNvPicPr>
-            <a:picLocks noChangeAspect="1" noChangeArrowheads="1"/>
-          </p:cNvPicPr>
-          <p:nvPr/>
-        </p:nvPicPr>
-        <p:blipFill rotWithShape="1">
-          <a:blip r:embed="rId17">
-            <a:extLst>
-              <a:ext uri="{28A0092B-C50C-407E-A947-70E740481C1C}">
-                <a14:useLocalDpi xmlns:a14="http://schemas.microsoft.com/office/drawing/2010/main" val="0"/>
-              </a:ext>
-            </a:extLst>
-          </a:blip>
-          <a:srcRect r="25630" b="78030"/>
-          <a:stretch/>
-        </p:blipFill>
-        <p:spPr bwMode="auto">
-          <a:xfrm>
-            <a:off x="8110613" y="5731957"/>
-            <a:ext cx="2817941" cy="690137"/>
-          </a:xfrm>
-          <a:prstGeom prst="rect">
-            <a:avLst/>
-          </a:prstGeom>
-          <a:noFill/>
-          <a:extLst>
-            <a:ext uri="{909E8E84-426E-40DD-AFC4-6F175D3DCCD1}">
-              <a14:hiddenFill xmlns:a14="http://schemas.microsoft.com/office/drawing/2010/main">
-                <a:solidFill>
-                  <a:srgbClr val="FFFFFF"/>
-                </a:solidFill>
-              </a14:hiddenFill>
-            </a:ext>
-          </a:extLst>
-        </p:spPr>
-      </p:pic>
     </p:spTree>
     <p:extLst>
       <p:ext uri="{BB962C8B-B14F-4D97-AF65-F5344CB8AC3E}">
-        <p14:creationId xmlns:p14="http://schemas.microsoft.com/office/powerpoint/2010/main" val="298736433"/>
+        <p14:creationId xmlns:p14="http://schemas.microsoft.com/office/powerpoint/2010/main" val="1584959620"/>
       </p:ext>
     </p:extLst>
   </p:cSld>
